--- a/DrinkIt.WebApp/Artifacts/Documentação do projeto.pptx
+++ b/DrinkIt.WebApp/Artifacts/Documentação do projeto.pptx
@@ -266,7 +266,7 @@
           <a:p>
             <a:fld id="{E8193099-BB5D-41E9-8525-DEB4B6EB05C6}" type="datetimeFigureOut">
               <a:rPr lang="pt-BR" smtClean="0"/>
-              <a:t>13/10/2019</a:t>
+              <a:t>14/10/2019</a:t>
             </a:fld>
             <a:endParaRPr lang="pt-BR"/>
           </a:p>
@@ -477,7 +477,7 @@
           <a:p>
             <a:fld id="{E8193099-BB5D-41E9-8525-DEB4B6EB05C6}" type="datetimeFigureOut">
               <a:rPr lang="pt-BR" smtClean="0"/>
-              <a:t>13/10/2019</a:t>
+              <a:t>14/10/2019</a:t>
             </a:fld>
             <a:endParaRPr lang="pt-BR"/>
           </a:p>
@@ -692,7 +692,7 @@
           <a:p>
             <a:fld id="{E8193099-BB5D-41E9-8525-DEB4B6EB05C6}" type="datetimeFigureOut">
               <a:rPr lang="pt-BR" smtClean="0"/>
-              <a:t>13/10/2019</a:t>
+              <a:t>14/10/2019</a:t>
             </a:fld>
             <a:endParaRPr lang="pt-BR"/>
           </a:p>
@@ -893,7 +893,7 @@
           <a:p>
             <a:fld id="{E8193099-BB5D-41E9-8525-DEB4B6EB05C6}" type="datetimeFigureOut">
               <a:rPr lang="pt-BR" smtClean="0"/>
-              <a:t>13/10/2019</a:t>
+              <a:t>14/10/2019</a:t>
             </a:fld>
             <a:endParaRPr lang="pt-BR"/>
           </a:p>
@@ -1172,7 +1172,7 @@
           <a:p>
             <a:fld id="{E8193099-BB5D-41E9-8525-DEB4B6EB05C6}" type="datetimeFigureOut">
               <a:rPr lang="pt-BR" smtClean="0"/>
-              <a:t>13/10/2019</a:t>
+              <a:t>14/10/2019</a:t>
             </a:fld>
             <a:endParaRPr lang="pt-BR"/>
           </a:p>
@@ -1440,7 +1440,7 @@
           <a:p>
             <a:fld id="{E8193099-BB5D-41E9-8525-DEB4B6EB05C6}" type="datetimeFigureOut">
               <a:rPr lang="pt-BR" smtClean="0"/>
-              <a:t>13/10/2019</a:t>
+              <a:t>14/10/2019</a:t>
             </a:fld>
             <a:endParaRPr lang="pt-BR"/>
           </a:p>
@@ -1856,7 +1856,7 @@
           <a:p>
             <a:fld id="{E8193099-BB5D-41E9-8525-DEB4B6EB05C6}" type="datetimeFigureOut">
               <a:rPr lang="pt-BR" smtClean="0"/>
-              <a:t>13/10/2019</a:t>
+              <a:t>14/10/2019</a:t>
             </a:fld>
             <a:endParaRPr lang="pt-BR"/>
           </a:p>
@@ -2005,7 +2005,7 @@
           <a:p>
             <a:fld id="{E8193099-BB5D-41E9-8525-DEB4B6EB05C6}" type="datetimeFigureOut">
               <a:rPr lang="pt-BR" smtClean="0"/>
-              <a:t>13/10/2019</a:t>
+              <a:t>14/10/2019</a:t>
             </a:fld>
             <a:endParaRPr lang="pt-BR"/>
           </a:p>
@@ -2131,7 +2131,7 @@
           <a:p>
             <a:fld id="{E8193099-BB5D-41E9-8525-DEB4B6EB05C6}" type="datetimeFigureOut">
               <a:rPr lang="pt-BR" smtClean="0"/>
-              <a:t>13/10/2019</a:t>
+              <a:t>14/10/2019</a:t>
             </a:fld>
             <a:endParaRPr lang="pt-BR"/>
           </a:p>
@@ -2382,7 +2382,7 @@
           <a:p>
             <a:fld id="{E8193099-BB5D-41E9-8525-DEB4B6EB05C6}" type="datetimeFigureOut">
               <a:rPr lang="pt-BR" smtClean="0"/>
-              <a:t>13/10/2019</a:t>
+              <a:t>14/10/2019</a:t>
             </a:fld>
             <a:endParaRPr lang="pt-BR"/>
           </a:p>
@@ -2827,7 +2827,7 @@
           <a:p>
             <a:fld id="{E8193099-BB5D-41E9-8525-DEB4B6EB05C6}" type="datetimeFigureOut">
               <a:rPr lang="pt-BR" smtClean="0"/>
-              <a:t>13/10/2019</a:t>
+              <a:t>14/10/2019</a:t>
             </a:fld>
             <a:endParaRPr lang="pt-BR"/>
           </a:p>
@@ -3154,7 +3154,7 @@
           <a:p>
             <a:fld id="{E8193099-BB5D-41E9-8525-DEB4B6EB05C6}" type="datetimeFigureOut">
               <a:rPr lang="pt-BR" smtClean="0"/>
-              <a:t>13/10/2019</a:t>
+              <a:t>14/10/2019</a:t>
             </a:fld>
             <a:endParaRPr lang="pt-BR"/>
           </a:p>
@@ -3749,7 +3749,7 @@
           <p:nvPr>
             <p:extLst>
               <p:ext uri="{D42A27DB-BD31-4B8C-83A1-F6EECF244321}">
-                <p14:modId xmlns:p14="http://schemas.microsoft.com/office/powerpoint/2010/main" val="4037409850"/>
+                <p14:modId xmlns:p14="http://schemas.microsoft.com/office/powerpoint/2010/main" val="3226753738"/>
               </p:ext>
             </p:extLst>
           </p:nvPr>
@@ -3901,14 +3901,17 @@
                           <a:tab pos="5626100" algn="l"/>
                         </a:tabLst>
                       </a:pPr>
-                      <a:endParaRPr lang="pt-BR" sz="1600">
-                        <a:solidFill>
-                          <a:srgbClr val="000000"/>
-                        </a:solidFill>
-                        <a:effectLst/>
-                        <a:latin typeface="Arial" panose="020B0604020202020204" pitchFamily="34" charset="0"/>
-                        <a:ea typeface="Arial" panose="020B0604020202020204" pitchFamily="34" charset="0"/>
-                      </a:endParaRPr>
+                      <a:r>
+                        <a:rPr lang="pt-BR" sz="1600" dirty="0">
+                          <a:solidFill>
+                            <a:srgbClr val="000000"/>
+                          </a:solidFill>
+                          <a:effectLst/>
+                          <a:latin typeface="Arial" panose="020B0604020202020204" pitchFamily="34" charset="0"/>
+                          <a:ea typeface="Arial" panose="020B0604020202020204" pitchFamily="34" charset="0"/>
+                        </a:rPr>
+                        <a:t>OK</a:t>
+                      </a:r>
                     </a:p>
                   </a:txBody>
                   <a:tcPr marL="68580" marR="68580" marT="0" marB="0"/>
@@ -3934,43 +3937,43 @@
                         </a:tabLst>
                       </a:pPr>
                       <a:r>
-                        <a:rPr lang="pt-BR" sz="1600">
+                        <a:rPr lang="pt-BR" sz="1600" dirty="0">
                           <a:effectLst/>
                         </a:rPr>
                         <a:t>RN0014</a:t>
                       </a:r>
-                      <a:endParaRPr lang="pt-BR" sz="1600">
-                        <a:solidFill>
-                          <a:srgbClr val="000000"/>
-                        </a:solidFill>
-                        <a:effectLst/>
-                        <a:latin typeface="Arial" panose="020B0604020202020204" pitchFamily="34" charset="0"/>
-                        <a:ea typeface="Arial" panose="020B0604020202020204" pitchFamily="34" charset="0"/>
-                      </a:endParaRPr>
-                    </a:p>
-                  </a:txBody>
-                  <a:tcPr marL="68580" marR="68580" marT="0" marB="0"/>
-                </a:tc>
-                <a:tc>
-                  <a:txBody>
-                    <a:bodyPr/>
-                    <a:lstStyle/>
-                    <a:p>
-                      <a:pPr>
-                        <a:spcAft>
-                          <a:spcPts val="0"/>
-                        </a:spcAft>
-                        <a:tabLst>
-                          <a:tab pos="5626100" algn="l"/>
-                        </a:tabLst>
-                      </a:pPr>
-                      <a:r>
-                        <a:rPr lang="pt-BR" sz="1600">
+                      <a:endParaRPr lang="pt-BR" sz="1600" dirty="0">
+                        <a:solidFill>
+                          <a:srgbClr val="000000"/>
+                        </a:solidFill>
+                        <a:effectLst/>
+                        <a:latin typeface="Arial" panose="020B0604020202020204" pitchFamily="34" charset="0"/>
+                        <a:ea typeface="Arial" panose="020B0604020202020204" pitchFamily="34" charset="0"/>
+                      </a:endParaRPr>
+                    </a:p>
+                  </a:txBody>
+                  <a:tcPr marL="68580" marR="68580" marT="0" marB="0"/>
+                </a:tc>
+                <a:tc>
+                  <a:txBody>
+                    <a:bodyPr/>
+                    <a:lstStyle/>
+                    <a:p>
+                      <a:pPr>
+                        <a:spcAft>
+                          <a:spcPts val="0"/>
+                        </a:spcAft>
+                        <a:tabLst>
+                          <a:tab pos="5626100" algn="l"/>
+                        </a:tabLst>
+                      </a:pPr>
+                      <a:r>
+                        <a:rPr lang="pt-BR" sz="1600" dirty="0">
                           <a:effectLst/>
                         </a:rPr>
                         <a:t>Validar margem de lucro</a:t>
                       </a:r>
-                      <a:endParaRPr lang="pt-BR" sz="1600">
+                      <a:endParaRPr lang="pt-BR" sz="1600" dirty="0">
                         <a:solidFill>
                           <a:srgbClr val="000000"/>
                         </a:solidFill>
@@ -4026,14 +4029,17 @@
                           <a:tab pos="5626100" algn="l"/>
                         </a:tabLst>
                       </a:pPr>
-                      <a:endParaRPr lang="pt-BR" sz="1600" dirty="0">
-                        <a:solidFill>
-                          <a:srgbClr val="000000"/>
-                        </a:solidFill>
-                        <a:effectLst/>
-                        <a:latin typeface="Arial" panose="020B0604020202020204" pitchFamily="34" charset="0"/>
-                        <a:ea typeface="Arial" panose="020B0604020202020204" pitchFamily="34" charset="0"/>
-                      </a:endParaRPr>
+                      <a:r>
+                        <a:rPr lang="pt-BR" sz="1600" dirty="0">
+                          <a:solidFill>
+                            <a:srgbClr val="000000"/>
+                          </a:solidFill>
+                          <a:effectLst/>
+                          <a:latin typeface="Arial" panose="020B0604020202020204" pitchFamily="34" charset="0"/>
+                          <a:ea typeface="Arial" panose="020B0604020202020204" pitchFamily="34" charset="0"/>
+                        </a:rPr>
+                        <a:t>OK</a:t>
+                      </a:r>
                     </a:p>
                   </a:txBody>
                   <a:tcPr marL="68580" marR="68580" marT="0" marB="0"/>
@@ -4059,106 +4065,109 @@
                         </a:tabLst>
                       </a:pPr>
                       <a:r>
-                        <a:rPr lang="pt-BR" sz="1600">
+                        <a:rPr lang="pt-BR" sz="1600" dirty="0">
                           <a:effectLst/>
                         </a:rPr>
                         <a:t>RN0015</a:t>
                       </a:r>
-                      <a:endParaRPr lang="pt-BR" sz="1600">
-                        <a:solidFill>
-                          <a:srgbClr val="000000"/>
-                        </a:solidFill>
-                        <a:effectLst/>
-                        <a:latin typeface="Arial" panose="020B0604020202020204" pitchFamily="34" charset="0"/>
-                        <a:ea typeface="Arial" panose="020B0604020202020204" pitchFamily="34" charset="0"/>
-                      </a:endParaRPr>
-                    </a:p>
-                  </a:txBody>
-                  <a:tcPr marL="68580" marR="68580" marT="0" marB="0"/>
-                </a:tc>
-                <a:tc>
-                  <a:txBody>
-                    <a:bodyPr/>
-                    <a:lstStyle/>
-                    <a:p>
-                      <a:pPr>
-                        <a:spcAft>
-                          <a:spcPts val="0"/>
-                        </a:spcAft>
-                        <a:tabLst>
-                          <a:tab pos="5626100" algn="l"/>
-                        </a:tabLst>
-                      </a:pPr>
-                      <a:r>
-                        <a:rPr lang="pt-BR" sz="1600">
+                      <a:endParaRPr lang="pt-BR" sz="1600" dirty="0">
+                        <a:solidFill>
+                          <a:srgbClr val="000000"/>
+                        </a:solidFill>
+                        <a:effectLst/>
+                        <a:latin typeface="Arial" panose="020B0604020202020204" pitchFamily="34" charset="0"/>
+                        <a:ea typeface="Arial" panose="020B0604020202020204" pitchFamily="34" charset="0"/>
+                      </a:endParaRPr>
+                    </a:p>
+                  </a:txBody>
+                  <a:tcPr marL="68580" marR="68580" marT="0" marB="0"/>
+                </a:tc>
+                <a:tc>
+                  <a:txBody>
+                    <a:bodyPr/>
+                    <a:lstStyle/>
+                    <a:p>
+                      <a:pPr>
+                        <a:spcAft>
+                          <a:spcPts val="0"/>
+                        </a:spcAft>
+                        <a:tabLst>
+                          <a:tab pos="5626100" algn="l"/>
+                        </a:tabLst>
+                      </a:pPr>
+                      <a:r>
+                        <a:rPr lang="pt-BR" sz="1600" dirty="0">
                           <a:effectLst/>
                         </a:rPr>
                         <a:t>Associar motivo de inativação</a:t>
                       </a:r>
-                      <a:endParaRPr lang="pt-BR" sz="1600">
-                        <a:solidFill>
-                          <a:srgbClr val="000000"/>
-                        </a:solidFill>
-                        <a:effectLst/>
-                        <a:latin typeface="Arial" panose="020B0604020202020204" pitchFamily="34" charset="0"/>
-                        <a:ea typeface="Arial" panose="020B0604020202020204" pitchFamily="34" charset="0"/>
-                      </a:endParaRPr>
-                    </a:p>
-                  </a:txBody>
-                  <a:tcPr marL="68580" marR="68580" marT="0" marB="0"/>
-                </a:tc>
-                <a:tc>
-                  <a:txBody>
-                    <a:bodyPr/>
-                    <a:lstStyle/>
-                    <a:p>
-                      <a:pPr>
-                        <a:spcAft>
-                          <a:spcPts val="0"/>
-                        </a:spcAft>
-                        <a:tabLst>
-                          <a:tab pos="5626100" algn="l"/>
-                        </a:tabLst>
-                      </a:pPr>
-                      <a:r>
-                        <a:rPr lang="pt-BR" sz="1600">
+                      <a:endParaRPr lang="pt-BR" sz="1600" dirty="0">
+                        <a:solidFill>
+                          <a:srgbClr val="000000"/>
+                        </a:solidFill>
+                        <a:effectLst/>
+                        <a:latin typeface="Arial" panose="020B0604020202020204" pitchFamily="34" charset="0"/>
+                        <a:ea typeface="Arial" panose="020B0604020202020204" pitchFamily="34" charset="0"/>
+                      </a:endParaRPr>
+                    </a:p>
+                  </a:txBody>
+                  <a:tcPr marL="68580" marR="68580" marT="0" marB="0"/>
+                </a:tc>
+                <a:tc>
+                  <a:txBody>
+                    <a:bodyPr/>
+                    <a:lstStyle/>
+                    <a:p>
+                      <a:pPr>
+                        <a:spcAft>
+                          <a:spcPts val="0"/>
+                        </a:spcAft>
+                        <a:tabLst>
+                          <a:tab pos="5626100" algn="l"/>
+                        </a:tabLst>
+                      </a:pPr>
+                      <a:r>
+                        <a:rPr lang="pt-BR" sz="1600" dirty="0">
                           <a:effectLst/>
                         </a:rPr>
                         <a:t>Toda bebida que for inativada manualmente deve ter uma justificativa e uma categoria de inativação associada.</a:t>
                       </a:r>
-                      <a:endParaRPr lang="pt-BR" sz="1600">
-                        <a:solidFill>
-                          <a:srgbClr val="000000"/>
-                        </a:solidFill>
-                        <a:effectLst/>
-                        <a:latin typeface="Arial" panose="020B0604020202020204" pitchFamily="34" charset="0"/>
-                        <a:ea typeface="Arial" panose="020B0604020202020204" pitchFamily="34" charset="0"/>
-                      </a:endParaRPr>
-                    </a:p>
-                  </a:txBody>
-                  <a:tcPr marL="68580" marR="68580" marT="0" marB="0"/>
-                </a:tc>
-                <a:tc>
-                  <a:txBody>
-                    <a:bodyPr/>
-                    <a:lstStyle/>
-                    <a:p>
-                      <a:pPr>
-                        <a:spcAft>
-                          <a:spcPts val="0"/>
-                        </a:spcAft>
-                        <a:tabLst>
-                          <a:tab pos="5626100" algn="l"/>
-                        </a:tabLst>
-                      </a:pPr>
-                      <a:endParaRPr lang="pt-BR" sz="1600">
-                        <a:solidFill>
-                          <a:srgbClr val="000000"/>
-                        </a:solidFill>
-                        <a:effectLst/>
-                        <a:latin typeface="Arial" panose="020B0604020202020204" pitchFamily="34" charset="0"/>
-                        <a:ea typeface="Arial" panose="020B0604020202020204" pitchFamily="34" charset="0"/>
-                      </a:endParaRPr>
+                      <a:endParaRPr lang="pt-BR" sz="1600" dirty="0">
+                        <a:solidFill>
+                          <a:srgbClr val="000000"/>
+                        </a:solidFill>
+                        <a:effectLst/>
+                        <a:latin typeface="Arial" panose="020B0604020202020204" pitchFamily="34" charset="0"/>
+                        <a:ea typeface="Arial" panose="020B0604020202020204" pitchFamily="34" charset="0"/>
+                      </a:endParaRPr>
+                    </a:p>
+                  </a:txBody>
+                  <a:tcPr marL="68580" marR="68580" marT="0" marB="0"/>
+                </a:tc>
+                <a:tc>
+                  <a:txBody>
+                    <a:bodyPr/>
+                    <a:lstStyle/>
+                    <a:p>
+                      <a:pPr>
+                        <a:spcAft>
+                          <a:spcPts val="0"/>
+                        </a:spcAft>
+                        <a:tabLst>
+                          <a:tab pos="5626100" algn="l"/>
+                        </a:tabLst>
+                      </a:pPr>
+                      <a:r>
+                        <a:rPr lang="pt-BR" sz="1600" dirty="0">
+                          <a:solidFill>
+                            <a:srgbClr val="000000"/>
+                          </a:solidFill>
+                          <a:effectLst/>
+                          <a:latin typeface="Arial" panose="020B0604020202020204" pitchFamily="34" charset="0"/>
+                          <a:ea typeface="Arial" panose="020B0604020202020204" pitchFamily="34" charset="0"/>
+                        </a:rPr>
+                        <a:t>OK</a:t>
+                      </a:r>
                     </a:p>
                   </a:txBody>
                   <a:tcPr marL="68580" marR="68580" marT="0" marB="0"/>
@@ -4184,106 +4193,109 @@
                         </a:tabLst>
                       </a:pPr>
                       <a:r>
-                        <a:rPr lang="pt-BR" sz="1600">
+                        <a:rPr lang="pt-BR" sz="1600" dirty="0">
                           <a:effectLst/>
                         </a:rPr>
                         <a:t>RN0016</a:t>
                       </a:r>
-                      <a:endParaRPr lang="pt-BR" sz="1600">
-                        <a:solidFill>
-                          <a:srgbClr val="000000"/>
-                        </a:solidFill>
-                        <a:effectLst/>
-                        <a:latin typeface="Arial" panose="020B0604020202020204" pitchFamily="34" charset="0"/>
-                        <a:ea typeface="Arial" panose="020B0604020202020204" pitchFamily="34" charset="0"/>
-                      </a:endParaRPr>
-                    </a:p>
-                  </a:txBody>
-                  <a:tcPr marL="68580" marR="68580" marT="0" marB="0"/>
-                </a:tc>
-                <a:tc>
-                  <a:txBody>
-                    <a:bodyPr/>
-                    <a:lstStyle/>
-                    <a:p>
-                      <a:pPr>
-                        <a:spcAft>
-                          <a:spcPts val="0"/>
-                        </a:spcAft>
-                        <a:tabLst>
-                          <a:tab pos="5626100" algn="l"/>
-                        </a:tabLst>
-                      </a:pPr>
-                      <a:r>
-                        <a:rPr lang="pt-BR" sz="1600">
+                      <a:endParaRPr lang="pt-BR" sz="1600" dirty="0">
+                        <a:solidFill>
+                          <a:srgbClr val="000000"/>
+                        </a:solidFill>
+                        <a:effectLst/>
+                        <a:latin typeface="Arial" panose="020B0604020202020204" pitchFamily="34" charset="0"/>
+                        <a:ea typeface="Arial" panose="020B0604020202020204" pitchFamily="34" charset="0"/>
+                      </a:endParaRPr>
+                    </a:p>
+                  </a:txBody>
+                  <a:tcPr marL="68580" marR="68580" marT="0" marB="0"/>
+                </a:tc>
+                <a:tc>
+                  <a:txBody>
+                    <a:bodyPr/>
+                    <a:lstStyle/>
+                    <a:p>
+                      <a:pPr>
+                        <a:spcAft>
+                          <a:spcPts val="0"/>
+                        </a:spcAft>
+                        <a:tabLst>
+                          <a:tab pos="5626100" algn="l"/>
+                        </a:tabLst>
+                      </a:pPr>
+                      <a:r>
+                        <a:rPr lang="pt-BR" sz="1600" dirty="0">
                           <a:effectLst/>
                         </a:rPr>
                         <a:t>Associar motivo de inativação automática</a:t>
                       </a:r>
-                      <a:endParaRPr lang="pt-BR" sz="1600">
-                        <a:solidFill>
-                          <a:srgbClr val="000000"/>
-                        </a:solidFill>
-                        <a:effectLst/>
-                        <a:latin typeface="Arial" panose="020B0604020202020204" pitchFamily="34" charset="0"/>
-                        <a:ea typeface="Arial" panose="020B0604020202020204" pitchFamily="34" charset="0"/>
-                      </a:endParaRPr>
-                    </a:p>
-                  </a:txBody>
-                  <a:tcPr marL="68580" marR="68580" marT="0" marB="0"/>
-                </a:tc>
-                <a:tc>
-                  <a:txBody>
-                    <a:bodyPr/>
-                    <a:lstStyle/>
-                    <a:p>
-                      <a:pPr>
-                        <a:spcAft>
-                          <a:spcPts val="0"/>
-                        </a:spcAft>
-                        <a:tabLst>
-                          <a:tab pos="5626100" algn="l"/>
-                        </a:tabLst>
-                      </a:pPr>
-                      <a:r>
-                        <a:rPr lang="pt-BR" sz="1600">
+                      <a:endParaRPr lang="pt-BR" sz="1600" dirty="0">
+                        <a:solidFill>
+                          <a:srgbClr val="000000"/>
+                        </a:solidFill>
+                        <a:effectLst/>
+                        <a:latin typeface="Arial" panose="020B0604020202020204" pitchFamily="34" charset="0"/>
+                        <a:ea typeface="Arial" panose="020B0604020202020204" pitchFamily="34" charset="0"/>
+                      </a:endParaRPr>
+                    </a:p>
+                  </a:txBody>
+                  <a:tcPr marL="68580" marR="68580" marT="0" marB="0"/>
+                </a:tc>
+                <a:tc>
+                  <a:txBody>
+                    <a:bodyPr/>
+                    <a:lstStyle/>
+                    <a:p>
+                      <a:pPr>
+                        <a:spcAft>
+                          <a:spcPts val="0"/>
+                        </a:spcAft>
+                        <a:tabLst>
+                          <a:tab pos="5626100" algn="l"/>
+                        </a:tabLst>
+                      </a:pPr>
+                      <a:r>
+                        <a:rPr lang="pt-BR" sz="1600" dirty="0">
                           <a:effectLst/>
                         </a:rPr>
                         <a:t>Todo cadastro de bebida inativado de forma automática deve ser categorizado como FORA DE MERCADO.</a:t>
                       </a:r>
-                      <a:endParaRPr lang="pt-BR" sz="1600">
-                        <a:solidFill>
-                          <a:srgbClr val="000000"/>
-                        </a:solidFill>
-                        <a:effectLst/>
-                        <a:latin typeface="Arial" panose="020B0604020202020204" pitchFamily="34" charset="0"/>
-                        <a:ea typeface="Arial" panose="020B0604020202020204" pitchFamily="34" charset="0"/>
-                      </a:endParaRPr>
-                    </a:p>
-                  </a:txBody>
-                  <a:tcPr marL="68580" marR="68580" marT="0" marB="0"/>
-                </a:tc>
-                <a:tc>
-                  <a:txBody>
-                    <a:bodyPr/>
-                    <a:lstStyle/>
-                    <a:p>
-                      <a:pPr>
-                        <a:spcAft>
-                          <a:spcPts val="0"/>
-                        </a:spcAft>
-                        <a:tabLst>
-                          <a:tab pos="5626100" algn="l"/>
-                        </a:tabLst>
-                      </a:pPr>
-                      <a:endParaRPr lang="pt-BR" sz="1600">
-                        <a:solidFill>
-                          <a:srgbClr val="000000"/>
-                        </a:solidFill>
-                        <a:effectLst/>
-                        <a:latin typeface="Arial" panose="020B0604020202020204" pitchFamily="34" charset="0"/>
-                        <a:ea typeface="Arial" panose="020B0604020202020204" pitchFamily="34" charset="0"/>
-                      </a:endParaRPr>
+                      <a:endParaRPr lang="pt-BR" sz="1600" dirty="0">
+                        <a:solidFill>
+                          <a:srgbClr val="000000"/>
+                        </a:solidFill>
+                        <a:effectLst/>
+                        <a:latin typeface="Arial" panose="020B0604020202020204" pitchFamily="34" charset="0"/>
+                        <a:ea typeface="Arial" panose="020B0604020202020204" pitchFamily="34" charset="0"/>
+                      </a:endParaRPr>
+                    </a:p>
+                  </a:txBody>
+                  <a:tcPr marL="68580" marR="68580" marT="0" marB="0"/>
+                </a:tc>
+                <a:tc>
+                  <a:txBody>
+                    <a:bodyPr/>
+                    <a:lstStyle/>
+                    <a:p>
+                      <a:pPr>
+                        <a:spcAft>
+                          <a:spcPts val="0"/>
+                        </a:spcAft>
+                        <a:tabLst>
+                          <a:tab pos="5626100" algn="l"/>
+                        </a:tabLst>
+                      </a:pPr>
+                      <a:r>
+                        <a:rPr lang="pt-BR" sz="1600" dirty="0">
+                          <a:solidFill>
+                            <a:srgbClr val="000000"/>
+                          </a:solidFill>
+                          <a:effectLst/>
+                          <a:latin typeface="Arial" panose="020B0604020202020204" pitchFamily="34" charset="0"/>
+                          <a:ea typeface="Arial" panose="020B0604020202020204" pitchFamily="34" charset="0"/>
+                        </a:rPr>
+                        <a:t>-</a:t>
+                      </a:r>
                     </a:p>
                   </a:txBody>
                   <a:tcPr marL="68580" marR="68580" marT="0" marB="0"/>
@@ -4309,43 +4321,43 @@
                         </a:tabLst>
                       </a:pPr>
                       <a:r>
-                        <a:rPr lang="pt-BR" sz="1600">
+                        <a:rPr lang="pt-BR" sz="1600" dirty="0">
                           <a:effectLst/>
                         </a:rPr>
                         <a:t>RN0017</a:t>
                       </a:r>
-                      <a:endParaRPr lang="pt-BR" sz="1600">
-                        <a:solidFill>
-                          <a:srgbClr val="000000"/>
-                        </a:solidFill>
-                        <a:effectLst/>
-                        <a:latin typeface="Arial" panose="020B0604020202020204" pitchFamily="34" charset="0"/>
-                        <a:ea typeface="Arial" panose="020B0604020202020204" pitchFamily="34" charset="0"/>
-                      </a:endParaRPr>
-                    </a:p>
-                  </a:txBody>
-                  <a:tcPr marL="68580" marR="68580" marT="0" marB="0"/>
-                </a:tc>
-                <a:tc>
-                  <a:txBody>
-                    <a:bodyPr/>
-                    <a:lstStyle/>
-                    <a:p>
-                      <a:pPr>
-                        <a:spcAft>
-                          <a:spcPts val="0"/>
-                        </a:spcAft>
-                        <a:tabLst>
-                          <a:tab pos="5626100" algn="l"/>
-                        </a:tabLst>
-                      </a:pPr>
-                      <a:r>
-                        <a:rPr lang="pt-BR" sz="1600">
+                      <a:endParaRPr lang="pt-BR" sz="1600" dirty="0">
+                        <a:solidFill>
+                          <a:srgbClr val="000000"/>
+                        </a:solidFill>
+                        <a:effectLst/>
+                        <a:latin typeface="Arial" panose="020B0604020202020204" pitchFamily="34" charset="0"/>
+                        <a:ea typeface="Arial" panose="020B0604020202020204" pitchFamily="34" charset="0"/>
+                      </a:endParaRPr>
+                    </a:p>
+                  </a:txBody>
+                  <a:tcPr marL="68580" marR="68580" marT="0" marB="0"/>
+                </a:tc>
+                <a:tc>
+                  <a:txBody>
+                    <a:bodyPr/>
+                    <a:lstStyle/>
+                    <a:p>
+                      <a:pPr>
+                        <a:spcAft>
+                          <a:spcPts val="0"/>
+                        </a:spcAft>
+                        <a:tabLst>
+                          <a:tab pos="5626100" algn="l"/>
+                        </a:tabLst>
+                      </a:pPr>
+                      <a:r>
+                        <a:rPr lang="pt-BR" sz="1600" dirty="0">
                           <a:effectLst/>
                         </a:rPr>
                         <a:t>Associar motivo de ativação</a:t>
                       </a:r>
-                      <a:endParaRPr lang="pt-BR" sz="1600">
+                      <a:endParaRPr lang="pt-BR" sz="1600" dirty="0">
                         <a:solidFill>
                           <a:srgbClr val="000000"/>
                         </a:solidFill>
@@ -4401,14 +4413,17 @@
                           <a:tab pos="5626100" algn="l"/>
                         </a:tabLst>
                       </a:pPr>
-                      <a:endParaRPr lang="pt-BR" sz="1600" dirty="0">
-                        <a:solidFill>
-                          <a:srgbClr val="000000"/>
-                        </a:solidFill>
-                        <a:effectLst/>
-                        <a:latin typeface="Arial" panose="020B0604020202020204" pitchFamily="34" charset="0"/>
-                        <a:ea typeface="Arial" panose="020B0604020202020204" pitchFamily="34" charset="0"/>
-                      </a:endParaRPr>
+                      <a:r>
+                        <a:rPr lang="pt-BR" sz="1600" dirty="0">
+                          <a:solidFill>
+                            <a:srgbClr val="000000"/>
+                          </a:solidFill>
+                          <a:effectLst/>
+                          <a:latin typeface="Arial" panose="020B0604020202020204" pitchFamily="34" charset="0"/>
+                          <a:ea typeface="Arial" panose="020B0604020202020204" pitchFamily="34" charset="0"/>
+                        </a:rPr>
+                        <a:t>-</a:t>
+                      </a:r>
                     </a:p>
                   </a:txBody>
                   <a:tcPr marL="68580" marR="68580" marT="0" marB="0"/>
@@ -4468,7 +4483,7 @@
           <p:nvPr>
             <p:extLst>
               <p:ext uri="{D42A27DB-BD31-4B8C-83A1-F6EECF244321}">
-                <p14:modId xmlns:p14="http://schemas.microsoft.com/office/powerpoint/2010/main" val="3189210057"/>
+                <p14:modId xmlns:p14="http://schemas.microsoft.com/office/powerpoint/2010/main" val="666437709"/>
               </p:ext>
             </p:extLst>
           </p:nvPr>
@@ -4730,14 +4745,17 @@
                           <a:tab pos="5626100" algn="l"/>
                         </a:tabLst>
                       </a:pPr>
-                      <a:endParaRPr lang="pt-BR" sz="1600">
-                        <a:solidFill>
-                          <a:srgbClr val="000000"/>
-                        </a:solidFill>
-                        <a:effectLst/>
-                        <a:latin typeface="Arial" panose="020B0604020202020204" pitchFamily="34" charset="0"/>
-                        <a:ea typeface="Arial" panose="020B0604020202020204" pitchFamily="34" charset="0"/>
-                      </a:endParaRPr>
+                      <a:r>
+                        <a:rPr lang="pt-BR" sz="1600" dirty="0">
+                          <a:solidFill>
+                            <a:srgbClr val="000000"/>
+                          </a:solidFill>
+                          <a:effectLst/>
+                          <a:latin typeface="Arial" panose="020B0604020202020204" pitchFamily="34" charset="0"/>
+                          <a:ea typeface="Arial" panose="020B0604020202020204" pitchFamily="34" charset="0"/>
+                        </a:rPr>
+                        <a:t>OK</a:t>
+                      </a:r>
                     </a:p>
                   </a:txBody>
                   <a:tcPr marL="68580" marR="68580" marT="0" marB="0"/>
@@ -4763,106 +4781,109 @@
                         </a:tabLst>
                       </a:pPr>
                       <a:r>
-                        <a:rPr lang="pt-BR" sz="1600">
+                        <a:rPr lang="pt-BR" sz="1600" dirty="0">
                           <a:effectLst/>
                         </a:rPr>
                         <a:t>RN0022</a:t>
                       </a:r>
-                      <a:endParaRPr lang="pt-BR" sz="1600">
-                        <a:solidFill>
-                          <a:srgbClr val="000000"/>
-                        </a:solidFill>
-                        <a:effectLst/>
-                        <a:latin typeface="Arial" panose="020B0604020202020204" pitchFamily="34" charset="0"/>
-                        <a:ea typeface="Arial" panose="020B0604020202020204" pitchFamily="34" charset="0"/>
-                      </a:endParaRPr>
-                    </a:p>
-                  </a:txBody>
-                  <a:tcPr marL="68580" marR="68580" marT="0" marB="0"/>
-                </a:tc>
-                <a:tc>
-                  <a:txBody>
-                    <a:bodyPr/>
-                    <a:lstStyle/>
-                    <a:p>
-                      <a:pPr>
-                        <a:spcAft>
-                          <a:spcPts val="0"/>
-                        </a:spcAft>
-                        <a:tabLst>
-                          <a:tab pos="5626100" algn="l"/>
-                        </a:tabLst>
-                      </a:pPr>
-                      <a:r>
-                        <a:rPr lang="pt-BR" sz="1600">
+                      <a:endParaRPr lang="pt-BR" sz="1600" dirty="0">
+                        <a:solidFill>
+                          <a:srgbClr val="000000"/>
+                        </a:solidFill>
+                        <a:effectLst/>
+                        <a:latin typeface="Arial" panose="020B0604020202020204" pitchFamily="34" charset="0"/>
+                        <a:ea typeface="Arial" panose="020B0604020202020204" pitchFamily="34" charset="0"/>
+                      </a:endParaRPr>
+                    </a:p>
+                  </a:txBody>
+                  <a:tcPr marL="68580" marR="68580" marT="0" marB="0"/>
+                </a:tc>
+                <a:tc>
+                  <a:txBody>
+                    <a:bodyPr/>
+                    <a:lstStyle/>
+                    <a:p>
+                      <a:pPr>
+                        <a:spcAft>
+                          <a:spcPts val="0"/>
+                        </a:spcAft>
+                        <a:tabLst>
+                          <a:tab pos="5626100" algn="l"/>
+                        </a:tabLst>
+                      </a:pPr>
+                      <a:r>
+                        <a:rPr lang="pt-BR" sz="1600" dirty="0">
                           <a:effectLst/>
                         </a:rPr>
                         <a:t>Cadastro de endereço de entrega</a:t>
                       </a:r>
-                      <a:endParaRPr lang="pt-BR" sz="1600">
-                        <a:solidFill>
-                          <a:srgbClr val="000000"/>
-                        </a:solidFill>
-                        <a:effectLst/>
-                        <a:latin typeface="Arial" panose="020B0604020202020204" pitchFamily="34" charset="0"/>
-                        <a:ea typeface="Arial" panose="020B0604020202020204" pitchFamily="34" charset="0"/>
-                      </a:endParaRPr>
-                    </a:p>
-                  </a:txBody>
-                  <a:tcPr marL="68580" marR="68580" marT="0" marB="0"/>
-                </a:tc>
-                <a:tc>
-                  <a:txBody>
-                    <a:bodyPr/>
-                    <a:lstStyle/>
-                    <a:p>
-                      <a:pPr>
-                        <a:spcAft>
-                          <a:spcPts val="0"/>
-                        </a:spcAft>
-                        <a:tabLst>
-                          <a:tab pos="5626100" algn="l"/>
-                        </a:tabLst>
-                      </a:pPr>
-                      <a:r>
-                        <a:rPr lang="pt-BR" sz="1600">
+                      <a:endParaRPr lang="pt-BR" sz="1600" dirty="0">
+                        <a:solidFill>
+                          <a:srgbClr val="000000"/>
+                        </a:solidFill>
+                        <a:effectLst/>
+                        <a:latin typeface="Arial" panose="020B0604020202020204" pitchFamily="34" charset="0"/>
+                        <a:ea typeface="Arial" panose="020B0604020202020204" pitchFamily="34" charset="0"/>
+                      </a:endParaRPr>
+                    </a:p>
+                  </a:txBody>
+                  <a:tcPr marL="68580" marR="68580" marT="0" marB="0"/>
+                </a:tc>
+                <a:tc>
+                  <a:txBody>
+                    <a:bodyPr/>
+                    <a:lstStyle/>
+                    <a:p>
+                      <a:pPr>
+                        <a:spcAft>
+                          <a:spcPts val="0"/>
+                        </a:spcAft>
+                        <a:tabLst>
+                          <a:tab pos="5626100" algn="l"/>
+                        </a:tabLst>
+                      </a:pPr>
+                      <a:r>
+                        <a:rPr lang="pt-BR" sz="1600" dirty="0">
                           <a:effectLst/>
                         </a:rPr>
                         <a:t>Para todo cliente cadastrado é obrigatório o registro de ao menos um endereço de entrega. </a:t>
                       </a:r>
-                      <a:endParaRPr lang="pt-BR" sz="1600">
-                        <a:solidFill>
-                          <a:srgbClr val="000000"/>
-                        </a:solidFill>
-                        <a:effectLst/>
-                        <a:latin typeface="Arial" panose="020B0604020202020204" pitchFamily="34" charset="0"/>
-                        <a:ea typeface="Arial" panose="020B0604020202020204" pitchFamily="34" charset="0"/>
-                      </a:endParaRPr>
-                    </a:p>
-                  </a:txBody>
-                  <a:tcPr marL="68580" marR="68580" marT="0" marB="0"/>
-                </a:tc>
-                <a:tc>
-                  <a:txBody>
-                    <a:bodyPr/>
-                    <a:lstStyle/>
-                    <a:p>
-                      <a:pPr>
-                        <a:spcAft>
-                          <a:spcPts val="0"/>
-                        </a:spcAft>
-                        <a:tabLst>
-                          <a:tab pos="5626100" algn="l"/>
-                        </a:tabLst>
-                      </a:pPr>
-                      <a:endParaRPr lang="pt-BR" sz="1600">
-                        <a:solidFill>
-                          <a:srgbClr val="000000"/>
-                        </a:solidFill>
-                        <a:effectLst/>
-                        <a:latin typeface="Arial" panose="020B0604020202020204" pitchFamily="34" charset="0"/>
-                        <a:ea typeface="Arial" panose="020B0604020202020204" pitchFamily="34" charset="0"/>
-                      </a:endParaRPr>
+                      <a:endParaRPr lang="pt-BR" sz="1600" dirty="0">
+                        <a:solidFill>
+                          <a:srgbClr val="000000"/>
+                        </a:solidFill>
+                        <a:effectLst/>
+                        <a:latin typeface="Arial" panose="020B0604020202020204" pitchFamily="34" charset="0"/>
+                        <a:ea typeface="Arial" panose="020B0604020202020204" pitchFamily="34" charset="0"/>
+                      </a:endParaRPr>
+                    </a:p>
+                  </a:txBody>
+                  <a:tcPr marL="68580" marR="68580" marT="0" marB="0"/>
+                </a:tc>
+                <a:tc>
+                  <a:txBody>
+                    <a:bodyPr/>
+                    <a:lstStyle/>
+                    <a:p>
+                      <a:pPr>
+                        <a:spcAft>
+                          <a:spcPts val="0"/>
+                        </a:spcAft>
+                        <a:tabLst>
+                          <a:tab pos="5626100" algn="l"/>
+                        </a:tabLst>
+                      </a:pPr>
+                      <a:r>
+                        <a:rPr lang="pt-BR" sz="1600" dirty="0">
+                          <a:solidFill>
+                            <a:srgbClr val="000000"/>
+                          </a:solidFill>
+                          <a:effectLst/>
+                          <a:latin typeface="Arial" panose="020B0604020202020204" pitchFamily="34" charset="0"/>
+                          <a:ea typeface="Arial" panose="020B0604020202020204" pitchFamily="34" charset="0"/>
+                        </a:rPr>
+                        <a:t>OK</a:t>
+                      </a:r>
                     </a:p>
                   </a:txBody>
                   <a:tcPr marL="68580" marR="68580" marT="0" marB="0"/>
@@ -4888,43 +4909,43 @@
                         </a:tabLst>
                       </a:pPr>
                       <a:r>
-                        <a:rPr lang="pt-BR" sz="1600">
+                        <a:rPr lang="pt-BR" sz="1600" dirty="0">
                           <a:effectLst/>
                         </a:rPr>
                         <a:t>RN0023</a:t>
                       </a:r>
-                      <a:endParaRPr lang="pt-BR" sz="1600">
-                        <a:solidFill>
-                          <a:srgbClr val="000000"/>
-                        </a:solidFill>
-                        <a:effectLst/>
-                        <a:latin typeface="Arial" panose="020B0604020202020204" pitchFamily="34" charset="0"/>
-                        <a:ea typeface="Arial" panose="020B0604020202020204" pitchFamily="34" charset="0"/>
-                      </a:endParaRPr>
-                    </a:p>
-                  </a:txBody>
-                  <a:tcPr marL="68580" marR="68580" marT="0" marB="0"/>
-                </a:tc>
-                <a:tc>
-                  <a:txBody>
-                    <a:bodyPr/>
-                    <a:lstStyle/>
-                    <a:p>
-                      <a:pPr>
-                        <a:spcAft>
-                          <a:spcPts val="0"/>
-                        </a:spcAft>
-                        <a:tabLst>
-                          <a:tab pos="5626100" algn="l"/>
-                        </a:tabLst>
-                      </a:pPr>
-                      <a:r>
-                        <a:rPr lang="pt-BR" sz="1600">
+                      <a:endParaRPr lang="pt-BR" sz="1600" dirty="0">
+                        <a:solidFill>
+                          <a:srgbClr val="000000"/>
+                        </a:solidFill>
+                        <a:effectLst/>
+                        <a:latin typeface="Arial" panose="020B0604020202020204" pitchFamily="34" charset="0"/>
+                        <a:ea typeface="Arial" panose="020B0604020202020204" pitchFamily="34" charset="0"/>
+                      </a:endParaRPr>
+                    </a:p>
+                  </a:txBody>
+                  <a:tcPr marL="68580" marR="68580" marT="0" marB="0"/>
+                </a:tc>
+                <a:tc>
+                  <a:txBody>
+                    <a:bodyPr/>
+                    <a:lstStyle/>
+                    <a:p>
+                      <a:pPr>
+                        <a:spcAft>
+                          <a:spcPts val="0"/>
+                        </a:spcAft>
+                        <a:tabLst>
+                          <a:tab pos="5626100" algn="l"/>
+                        </a:tabLst>
+                      </a:pPr>
+                      <a:r>
+                        <a:rPr lang="pt-BR" sz="1600" dirty="0">
                           <a:effectLst/>
                         </a:rPr>
                         <a:t>Composição do registro de endereços</a:t>
                       </a:r>
-                      <a:endParaRPr lang="pt-BR" sz="1600">
+                      <a:endParaRPr lang="pt-BR" sz="1600" dirty="0">
                         <a:solidFill>
                           <a:srgbClr val="000000"/>
                         </a:solidFill>
@@ -4992,14 +5013,17 @@
                           <a:tab pos="5626100" algn="l"/>
                         </a:tabLst>
                       </a:pPr>
-                      <a:endParaRPr lang="pt-BR" sz="1600">
-                        <a:solidFill>
-                          <a:srgbClr val="000000"/>
-                        </a:solidFill>
-                        <a:effectLst/>
-                        <a:latin typeface="Arial" panose="020B0604020202020204" pitchFamily="34" charset="0"/>
-                        <a:ea typeface="Arial" panose="020B0604020202020204" pitchFamily="34" charset="0"/>
-                      </a:endParaRPr>
+                      <a:r>
+                        <a:rPr lang="pt-BR" sz="1600" dirty="0">
+                          <a:solidFill>
+                            <a:srgbClr val="000000"/>
+                          </a:solidFill>
+                          <a:effectLst/>
+                          <a:latin typeface="Arial" panose="020B0604020202020204" pitchFamily="34" charset="0"/>
+                          <a:ea typeface="Arial" panose="020B0604020202020204" pitchFamily="34" charset="0"/>
+                        </a:rPr>
+                        <a:t>OK</a:t>
+                      </a:r>
                     </a:p>
                   </a:txBody>
                   <a:tcPr marL="68580" marR="68580" marT="0" marB="0"/>
@@ -5025,43 +5049,43 @@
                         </a:tabLst>
                       </a:pPr>
                       <a:r>
-                        <a:rPr lang="pt-BR" sz="1600">
+                        <a:rPr lang="pt-BR" sz="1600" dirty="0">
                           <a:effectLst/>
                         </a:rPr>
                         <a:t>RN0024</a:t>
                       </a:r>
-                      <a:endParaRPr lang="pt-BR" sz="1600">
-                        <a:solidFill>
-                          <a:srgbClr val="000000"/>
-                        </a:solidFill>
-                        <a:effectLst/>
-                        <a:latin typeface="Arial" panose="020B0604020202020204" pitchFamily="34" charset="0"/>
-                        <a:ea typeface="Arial" panose="020B0604020202020204" pitchFamily="34" charset="0"/>
-                      </a:endParaRPr>
-                    </a:p>
-                  </a:txBody>
-                  <a:tcPr marL="68580" marR="68580" marT="0" marB="0"/>
-                </a:tc>
-                <a:tc>
-                  <a:txBody>
-                    <a:bodyPr/>
-                    <a:lstStyle/>
-                    <a:p>
-                      <a:pPr>
-                        <a:spcAft>
-                          <a:spcPts val="0"/>
-                        </a:spcAft>
-                        <a:tabLst>
-                          <a:tab pos="5626100" algn="l"/>
-                        </a:tabLst>
-                      </a:pPr>
-                      <a:r>
-                        <a:rPr lang="pt-BR" sz="1600">
+                      <a:endParaRPr lang="pt-BR" sz="1600" dirty="0">
+                        <a:solidFill>
+                          <a:srgbClr val="000000"/>
+                        </a:solidFill>
+                        <a:effectLst/>
+                        <a:latin typeface="Arial" panose="020B0604020202020204" pitchFamily="34" charset="0"/>
+                        <a:ea typeface="Arial" panose="020B0604020202020204" pitchFamily="34" charset="0"/>
+                      </a:endParaRPr>
+                    </a:p>
+                  </a:txBody>
+                  <a:tcPr marL="68580" marR="68580" marT="0" marB="0"/>
+                </a:tc>
+                <a:tc>
+                  <a:txBody>
+                    <a:bodyPr/>
+                    <a:lstStyle/>
+                    <a:p>
+                      <a:pPr>
+                        <a:spcAft>
+                          <a:spcPts val="0"/>
+                        </a:spcAft>
+                        <a:tabLst>
+                          <a:tab pos="5626100" algn="l"/>
+                        </a:tabLst>
+                      </a:pPr>
+                      <a:r>
+                        <a:rPr lang="pt-BR" sz="1600" dirty="0">
                           <a:effectLst/>
                         </a:rPr>
                         <a:t>Composição do registro de cartões de crédito</a:t>
                       </a:r>
-                      <a:endParaRPr lang="pt-BR" sz="1600">
+                      <a:endParaRPr lang="pt-BR" sz="1600" dirty="0">
                         <a:solidFill>
                           <a:srgbClr val="000000"/>
                         </a:solidFill>
@@ -5117,14 +5141,17 @@
                           <a:tab pos="5626100" algn="l"/>
                         </a:tabLst>
                       </a:pPr>
-                      <a:endParaRPr lang="pt-BR" sz="1600" dirty="0">
-                        <a:solidFill>
-                          <a:srgbClr val="000000"/>
-                        </a:solidFill>
-                        <a:effectLst/>
-                        <a:latin typeface="Arial" panose="020B0604020202020204" pitchFamily="34" charset="0"/>
-                        <a:ea typeface="Arial" panose="020B0604020202020204" pitchFamily="34" charset="0"/>
-                      </a:endParaRPr>
+                      <a:r>
+                        <a:rPr lang="pt-BR" sz="1600" dirty="0">
+                          <a:solidFill>
+                            <a:srgbClr val="000000"/>
+                          </a:solidFill>
+                          <a:effectLst/>
+                          <a:latin typeface="Arial" panose="020B0604020202020204" pitchFamily="34" charset="0"/>
+                          <a:ea typeface="Arial" panose="020B0604020202020204" pitchFamily="34" charset="0"/>
+                        </a:rPr>
+                        <a:t>OK</a:t>
+                      </a:r>
                     </a:p>
                   </a:txBody>
                   <a:tcPr marL="68580" marR="68580" marT="0" marB="0"/>
@@ -5184,7 +5211,7 @@
           <p:nvPr>
             <p:extLst>
               <p:ext uri="{D42A27DB-BD31-4B8C-83A1-F6EECF244321}">
-                <p14:modId xmlns:p14="http://schemas.microsoft.com/office/powerpoint/2010/main" val="3643398034"/>
+                <p14:modId xmlns:p14="http://schemas.microsoft.com/office/powerpoint/2010/main" val="2070645718"/>
               </p:ext>
             </p:extLst>
           </p:nvPr>
@@ -5306,44 +5333,47 @@
                         </a:tabLst>
                       </a:pPr>
                       <a:r>
-                        <a:rPr lang="pt-BR" sz="1600">
-                          <a:effectLst/>
-                        </a:rPr>
-                        <a:t>Todo cartão de crédito associado a um cliente deverá ser de alguma bandeira registrada no sistema.</a:t>
-                      </a:r>
-                      <a:endParaRPr lang="pt-BR" sz="1600">
-                        <a:solidFill>
-                          <a:srgbClr val="000000"/>
-                        </a:solidFill>
-                        <a:effectLst/>
-                        <a:latin typeface="Arial" panose="020B0604020202020204" pitchFamily="34" charset="0"/>
-                        <a:ea typeface="Arial" panose="020B0604020202020204" pitchFamily="34" charset="0"/>
-                      </a:endParaRPr>
-                    </a:p>
-                  </a:txBody>
-                  <a:tcPr marL="68580" marR="68580" marT="0" marB="0"/>
-                </a:tc>
-                <a:tc>
-                  <a:txBody>
-                    <a:bodyPr/>
-                    <a:lstStyle/>
-                    <a:p>
-                      <a:pPr>
-                        <a:spcAft>
-                          <a:spcPts val="0"/>
-                        </a:spcAft>
-                        <a:tabLst>
-                          <a:tab pos="5626100" algn="l"/>
-                        </a:tabLst>
-                      </a:pPr>
-                      <a:endParaRPr lang="pt-BR" sz="1600">
-                        <a:solidFill>
-                          <a:srgbClr val="000000"/>
-                        </a:solidFill>
-                        <a:effectLst/>
-                        <a:latin typeface="Arial" panose="020B0604020202020204" pitchFamily="34" charset="0"/>
-                        <a:ea typeface="Arial" panose="020B0604020202020204" pitchFamily="34" charset="0"/>
-                      </a:endParaRPr>
+                        <a:rPr lang="pt-BR" sz="1600" dirty="0">
+                          <a:effectLst/>
+                        </a:rPr>
+                        <a:t>Todo cartão de crédito associado a um cliente deverá ser de alguma bandeira registrada no sistema [VISA, MASTERCAD].</a:t>
+                      </a:r>
+                      <a:endParaRPr lang="pt-BR" sz="1600" dirty="0">
+                        <a:solidFill>
+                          <a:srgbClr val="000000"/>
+                        </a:solidFill>
+                        <a:effectLst/>
+                        <a:latin typeface="Arial" panose="020B0604020202020204" pitchFamily="34" charset="0"/>
+                        <a:ea typeface="Arial" panose="020B0604020202020204" pitchFamily="34" charset="0"/>
+                      </a:endParaRPr>
+                    </a:p>
+                  </a:txBody>
+                  <a:tcPr marL="68580" marR="68580" marT="0" marB="0"/>
+                </a:tc>
+                <a:tc>
+                  <a:txBody>
+                    <a:bodyPr/>
+                    <a:lstStyle/>
+                    <a:p>
+                      <a:pPr>
+                        <a:spcAft>
+                          <a:spcPts val="0"/>
+                        </a:spcAft>
+                        <a:tabLst>
+                          <a:tab pos="5626100" algn="l"/>
+                        </a:tabLst>
+                      </a:pPr>
+                      <a:r>
+                        <a:rPr lang="pt-BR" sz="1600" dirty="0">
+                          <a:solidFill>
+                            <a:srgbClr val="000000"/>
+                          </a:solidFill>
+                          <a:effectLst/>
+                          <a:latin typeface="Arial" panose="020B0604020202020204" pitchFamily="34" charset="0"/>
+                          <a:ea typeface="Arial" panose="020B0604020202020204" pitchFamily="34" charset="0"/>
+                        </a:rPr>
+                        <a:t>OK</a:t>
+                      </a:r>
                     </a:p>
                   </a:txBody>
                   <a:tcPr marL="68580" marR="68580" marT="0" marB="0"/>
@@ -5366,40 +5396,40 @@
                         </a:spcAft>
                       </a:pPr>
                       <a:r>
-                        <a:rPr lang="pt-BR" sz="1600">
+                        <a:rPr lang="pt-BR" sz="1600" dirty="0">
                           <a:effectLst/>
                         </a:rPr>
                         <a:t>RN0026</a:t>
                       </a:r>
-                      <a:endParaRPr lang="pt-BR" sz="1600">
-                        <a:solidFill>
-                          <a:srgbClr val="000000"/>
-                        </a:solidFill>
-                        <a:effectLst/>
-                        <a:latin typeface="Arial" panose="020B0604020202020204" pitchFamily="34" charset="0"/>
-                        <a:ea typeface="Arial" panose="020B0604020202020204" pitchFamily="34" charset="0"/>
-                      </a:endParaRPr>
-                    </a:p>
-                  </a:txBody>
-                  <a:tcPr marL="68580" marR="68580" marT="0" marB="0"/>
-                </a:tc>
-                <a:tc>
-                  <a:txBody>
-                    <a:bodyPr/>
-                    <a:lstStyle/>
-                    <a:p>
-                      <a:pPr>
-                        <a:spcAft>
-                          <a:spcPts val="0"/>
-                        </a:spcAft>
-                      </a:pPr>
-                      <a:r>
-                        <a:rPr lang="pt-BR" sz="1600">
+                      <a:endParaRPr lang="pt-BR" sz="1600" dirty="0">
+                        <a:solidFill>
+                          <a:srgbClr val="000000"/>
+                        </a:solidFill>
+                        <a:effectLst/>
+                        <a:latin typeface="Arial" panose="020B0604020202020204" pitchFamily="34" charset="0"/>
+                        <a:ea typeface="Arial" panose="020B0604020202020204" pitchFamily="34" charset="0"/>
+                      </a:endParaRPr>
+                    </a:p>
+                  </a:txBody>
+                  <a:tcPr marL="68580" marR="68580" marT="0" marB="0"/>
+                </a:tc>
+                <a:tc>
+                  <a:txBody>
+                    <a:bodyPr/>
+                    <a:lstStyle/>
+                    <a:p>
+                      <a:pPr>
+                        <a:spcAft>
+                          <a:spcPts val="0"/>
+                        </a:spcAft>
+                      </a:pPr>
+                      <a:r>
+                        <a:rPr lang="pt-BR" sz="1600" dirty="0">
                           <a:effectLst/>
                         </a:rPr>
                         <a:t>Dados obrigatórios para o cadastro de um cliente</a:t>
                       </a:r>
-                      <a:endParaRPr lang="pt-BR" sz="1600">
+                      <a:endParaRPr lang="pt-BR" sz="1600" dirty="0">
                         <a:solidFill>
                           <a:srgbClr val="000000"/>
                         </a:solidFill>
@@ -5455,14 +5485,17 @@
                           <a:tab pos="5626100" algn="l"/>
                         </a:tabLst>
                       </a:pPr>
-                      <a:endParaRPr lang="pt-BR" sz="1600">
-                        <a:solidFill>
-                          <a:srgbClr val="000000"/>
-                        </a:solidFill>
-                        <a:effectLst/>
-                        <a:latin typeface="Arial" panose="020B0604020202020204" pitchFamily="34" charset="0"/>
-                        <a:ea typeface="Arial" panose="020B0604020202020204" pitchFamily="34" charset="0"/>
-                      </a:endParaRPr>
+                      <a:r>
+                        <a:rPr lang="pt-BR" sz="1600" dirty="0">
+                          <a:solidFill>
+                            <a:srgbClr val="000000"/>
+                          </a:solidFill>
+                          <a:effectLst/>
+                          <a:latin typeface="Arial" panose="020B0604020202020204" pitchFamily="34" charset="0"/>
+                          <a:ea typeface="Arial" panose="020B0604020202020204" pitchFamily="34" charset="0"/>
+                        </a:rPr>
+                        <a:t>OK</a:t>
+                      </a:r>
                     </a:p>
                   </a:txBody>
                   <a:tcPr marL="68580" marR="68580" marT="0" marB="0"/>
@@ -5488,43 +5521,43 @@
                         </a:tabLst>
                       </a:pPr>
                       <a:r>
-                        <a:rPr lang="pt-BR" sz="1600">
+                        <a:rPr lang="pt-BR" sz="1600" dirty="0">
                           <a:effectLst/>
                         </a:rPr>
                         <a:t>RN0027</a:t>
                       </a:r>
-                      <a:endParaRPr lang="pt-BR" sz="1600">
-                        <a:solidFill>
-                          <a:srgbClr val="000000"/>
-                        </a:solidFill>
-                        <a:effectLst/>
-                        <a:latin typeface="Arial" panose="020B0604020202020204" pitchFamily="34" charset="0"/>
-                        <a:ea typeface="Arial" panose="020B0604020202020204" pitchFamily="34" charset="0"/>
-                      </a:endParaRPr>
-                    </a:p>
-                  </a:txBody>
-                  <a:tcPr marL="68580" marR="68580" marT="0" marB="0"/>
-                </a:tc>
-                <a:tc>
-                  <a:txBody>
-                    <a:bodyPr/>
-                    <a:lstStyle/>
-                    <a:p>
-                      <a:pPr>
-                        <a:spcAft>
-                          <a:spcPts val="0"/>
-                        </a:spcAft>
-                        <a:tabLst>
-                          <a:tab pos="5626100" algn="l"/>
-                        </a:tabLst>
-                      </a:pPr>
-                      <a:r>
-                        <a:rPr lang="pt-BR" sz="1600">
+                      <a:endParaRPr lang="pt-BR" sz="1600" dirty="0">
+                        <a:solidFill>
+                          <a:srgbClr val="000000"/>
+                        </a:solidFill>
+                        <a:effectLst/>
+                        <a:latin typeface="Arial" panose="020B0604020202020204" pitchFamily="34" charset="0"/>
+                        <a:ea typeface="Arial" panose="020B0604020202020204" pitchFamily="34" charset="0"/>
+                      </a:endParaRPr>
+                    </a:p>
+                  </a:txBody>
+                  <a:tcPr marL="68580" marR="68580" marT="0" marB="0"/>
+                </a:tc>
+                <a:tc>
+                  <a:txBody>
+                    <a:bodyPr/>
+                    <a:lstStyle/>
+                    <a:p>
+                      <a:pPr>
+                        <a:spcAft>
+                          <a:spcPts val="0"/>
+                        </a:spcAft>
+                        <a:tabLst>
+                          <a:tab pos="5626100" algn="l"/>
+                        </a:tabLst>
+                      </a:pPr>
+                      <a:r>
+                        <a:rPr lang="pt-BR" sz="1600" dirty="0">
                           <a:effectLst/>
                         </a:rPr>
                         <a:t>Ranking de cliente</a:t>
                       </a:r>
-                      <a:endParaRPr lang="pt-BR" sz="1600">
+                      <a:endParaRPr lang="pt-BR" sz="1600" dirty="0">
                         <a:solidFill>
                           <a:srgbClr val="000000"/>
                         </a:solidFill>
@@ -5580,14 +5613,17 @@
                           <a:tab pos="5626100" algn="l"/>
                         </a:tabLst>
                       </a:pPr>
-                      <a:endParaRPr lang="pt-BR" sz="1600">
-                        <a:solidFill>
-                          <a:srgbClr val="000000"/>
-                        </a:solidFill>
-                        <a:effectLst/>
-                        <a:latin typeface="Arial" panose="020B0604020202020204" pitchFamily="34" charset="0"/>
-                        <a:ea typeface="Arial" panose="020B0604020202020204" pitchFamily="34" charset="0"/>
-                      </a:endParaRPr>
+                      <a:r>
+                        <a:rPr lang="pt-BR" sz="1600" dirty="0">
+                          <a:solidFill>
+                            <a:srgbClr val="000000"/>
+                          </a:solidFill>
+                          <a:effectLst/>
+                          <a:latin typeface="Arial" panose="020B0604020202020204" pitchFamily="34" charset="0"/>
+                          <a:ea typeface="Arial" panose="020B0604020202020204" pitchFamily="34" charset="0"/>
+                        </a:rPr>
+                        <a:t>-</a:t>
+                      </a:r>
                     </a:p>
                   </a:txBody>
                   <a:tcPr marL="68580" marR="68580" marT="0" marB="0"/>
@@ -5613,43 +5649,43 @@
                         </a:tabLst>
                       </a:pPr>
                       <a:r>
-                        <a:rPr lang="pt-BR" sz="1600">
+                        <a:rPr lang="pt-BR" sz="1600" dirty="0">
                           <a:effectLst/>
                         </a:rPr>
                         <a:t>RN0028</a:t>
                       </a:r>
-                      <a:endParaRPr lang="pt-BR" sz="1600">
-                        <a:solidFill>
-                          <a:srgbClr val="000000"/>
-                        </a:solidFill>
-                        <a:effectLst/>
-                        <a:latin typeface="Arial" panose="020B0604020202020204" pitchFamily="34" charset="0"/>
-                        <a:ea typeface="Arial" panose="020B0604020202020204" pitchFamily="34" charset="0"/>
-                      </a:endParaRPr>
-                    </a:p>
-                  </a:txBody>
-                  <a:tcPr marL="68580" marR="68580" marT="0" marB="0"/>
-                </a:tc>
-                <a:tc>
-                  <a:txBody>
-                    <a:bodyPr/>
-                    <a:lstStyle/>
-                    <a:p>
-                      <a:pPr>
-                        <a:spcAft>
-                          <a:spcPts val="0"/>
-                        </a:spcAft>
-                        <a:tabLst>
-                          <a:tab pos="5626100" algn="l"/>
-                        </a:tabLst>
-                      </a:pPr>
-                      <a:r>
-                        <a:rPr lang="pt-BR" sz="1600">
+                      <a:endParaRPr lang="pt-BR" sz="1600" dirty="0">
+                        <a:solidFill>
+                          <a:srgbClr val="000000"/>
+                        </a:solidFill>
+                        <a:effectLst/>
+                        <a:latin typeface="Arial" panose="020B0604020202020204" pitchFamily="34" charset="0"/>
+                        <a:ea typeface="Arial" panose="020B0604020202020204" pitchFamily="34" charset="0"/>
+                      </a:endParaRPr>
+                    </a:p>
+                  </a:txBody>
+                  <a:tcPr marL="68580" marR="68580" marT="0" marB="0"/>
+                </a:tc>
+                <a:tc>
+                  <a:txBody>
+                    <a:bodyPr/>
+                    <a:lstStyle/>
+                    <a:p>
+                      <a:pPr>
+                        <a:spcAft>
+                          <a:spcPts val="0"/>
+                        </a:spcAft>
+                        <a:tabLst>
+                          <a:tab pos="5626100" algn="l"/>
+                        </a:tabLst>
+                      </a:pPr>
+                      <a:r>
+                        <a:rPr lang="pt-BR" sz="1600" dirty="0">
                           <a:effectLst/>
                         </a:rPr>
                         <a:t>Validar retorno da operadora de cartão de credito</a:t>
                       </a:r>
-                      <a:endParaRPr lang="pt-BR" sz="1600">
+                      <a:endParaRPr lang="pt-BR" sz="1600" dirty="0">
                         <a:solidFill>
                           <a:srgbClr val="000000"/>
                         </a:solidFill>
@@ -5705,14 +5741,17 @@
                           <a:tab pos="5626100" algn="l"/>
                         </a:tabLst>
                       </a:pPr>
-                      <a:endParaRPr lang="pt-BR" sz="1600" dirty="0">
-                        <a:solidFill>
-                          <a:srgbClr val="000000"/>
-                        </a:solidFill>
-                        <a:effectLst/>
-                        <a:latin typeface="Arial" panose="020B0604020202020204" pitchFamily="34" charset="0"/>
-                        <a:ea typeface="Arial" panose="020B0604020202020204" pitchFamily="34" charset="0"/>
-                      </a:endParaRPr>
+                      <a:r>
+                        <a:rPr lang="pt-BR" sz="1600" dirty="0">
+                          <a:solidFill>
+                            <a:srgbClr val="000000"/>
+                          </a:solidFill>
+                          <a:effectLst/>
+                          <a:latin typeface="Arial" panose="020B0604020202020204" pitchFamily="34" charset="0"/>
+                          <a:ea typeface="Arial" panose="020B0604020202020204" pitchFamily="34" charset="0"/>
+                        </a:rPr>
+                        <a:t>-</a:t>
+                      </a:r>
                     </a:p>
                   </a:txBody>
                   <a:tcPr marL="68580" marR="68580" marT="0" marB="0"/>
@@ -5772,7 +5811,7 @@
           <p:nvPr>
             <p:extLst>
               <p:ext uri="{D42A27DB-BD31-4B8C-83A1-F6EECF244321}">
-                <p14:modId xmlns:p14="http://schemas.microsoft.com/office/powerpoint/2010/main" val="1866971984"/>
+                <p14:modId xmlns:p14="http://schemas.microsoft.com/office/powerpoint/2010/main" val="4133942366"/>
               </p:ext>
             </p:extLst>
           </p:nvPr>
@@ -6007,14 +6046,17 @@
                           <a:tab pos="5626100" algn="l"/>
                         </a:tabLst>
                       </a:pPr>
-                      <a:endParaRPr lang="pt-BR" sz="1600" dirty="0">
-                        <a:solidFill>
-                          <a:srgbClr val="000000"/>
-                        </a:solidFill>
-                        <a:effectLst/>
-                        <a:latin typeface="Arial" panose="020B0604020202020204" pitchFamily="34" charset="0"/>
-                        <a:ea typeface="Arial" panose="020B0604020202020204" pitchFamily="34" charset="0"/>
-                      </a:endParaRPr>
+                      <a:r>
+                        <a:rPr lang="pt-BR" sz="1600" dirty="0">
+                          <a:solidFill>
+                            <a:srgbClr val="000000"/>
+                          </a:solidFill>
+                          <a:effectLst/>
+                          <a:latin typeface="Arial" panose="020B0604020202020204" pitchFamily="34" charset="0"/>
+                          <a:ea typeface="Arial" panose="020B0604020202020204" pitchFamily="34" charset="0"/>
+                        </a:rPr>
+                        <a:t>-</a:t>
+                      </a:r>
                     </a:p>
                   </a:txBody>
                   <a:tcPr marL="61846" marR="61846" marT="0" marB="0"/>
@@ -6040,12 +6082,12 @@
                         </a:tabLst>
                       </a:pPr>
                       <a:r>
-                        <a:rPr lang="pt-BR" sz="1600">
+                        <a:rPr lang="pt-BR" sz="1600" dirty="0">
                           <a:effectLst/>
                         </a:rPr>
                         <a:t>RN0032</a:t>
                       </a:r>
-                      <a:endParaRPr lang="pt-BR" sz="1600">
+                      <a:endParaRPr lang="pt-BR" sz="1600" dirty="0">
                         <a:solidFill>
                           <a:srgbClr val="000000"/>
                         </a:solidFill>
@@ -6071,12 +6113,12 @@
                         </a:tabLst>
                       </a:pPr>
                       <a:r>
-                        <a:rPr lang="pt-BR" sz="1600">
+                        <a:rPr lang="pt-BR" sz="1600" dirty="0">
                           <a:effectLst/>
                         </a:rPr>
                         <a:t>Validar estoque para compra</a:t>
                       </a:r>
-                      <a:endParaRPr lang="pt-BR" sz="1600">
+                      <a:endParaRPr lang="pt-BR" sz="1600" dirty="0">
                         <a:solidFill>
                           <a:srgbClr val="000000"/>
                         </a:solidFill>
@@ -6132,14 +6174,17 @@
                           <a:tab pos="5626100" algn="l"/>
                         </a:tabLst>
                       </a:pPr>
-                      <a:endParaRPr lang="pt-BR" sz="1600">
-                        <a:solidFill>
-                          <a:srgbClr val="000000"/>
-                        </a:solidFill>
-                        <a:effectLst/>
-                        <a:latin typeface="Arial" panose="020B0604020202020204" pitchFamily="34" charset="0"/>
-                        <a:ea typeface="Arial" panose="020B0604020202020204" pitchFamily="34" charset="0"/>
-                      </a:endParaRPr>
+                      <a:r>
+                        <a:rPr lang="pt-BR" sz="1600" dirty="0">
+                          <a:solidFill>
+                            <a:srgbClr val="000000"/>
+                          </a:solidFill>
+                          <a:effectLst/>
+                          <a:latin typeface="Arial" panose="020B0604020202020204" pitchFamily="34" charset="0"/>
+                          <a:ea typeface="Arial" panose="020B0604020202020204" pitchFamily="34" charset="0"/>
+                        </a:rPr>
+                        <a:t>-</a:t>
+                      </a:r>
                     </a:p>
                   </a:txBody>
                   <a:tcPr marL="61846" marR="61846" marT="0" marB="0"/>
@@ -6165,12 +6210,12 @@
                         </a:tabLst>
                       </a:pPr>
                       <a:r>
-                        <a:rPr lang="pt-BR" sz="1600">
+                        <a:rPr lang="pt-BR" sz="1600" dirty="0">
                           <a:effectLst/>
                         </a:rPr>
                         <a:t>RN0033</a:t>
                       </a:r>
-                      <a:endParaRPr lang="pt-BR" sz="1600">
+                      <a:endParaRPr lang="pt-BR" sz="1600" dirty="0">
                         <a:solidFill>
                           <a:srgbClr val="000000"/>
                         </a:solidFill>
@@ -6196,12 +6241,12 @@
                         </a:tabLst>
                       </a:pPr>
                       <a:r>
-                        <a:rPr lang="pt-BR" sz="1600">
+                        <a:rPr lang="pt-BR" sz="1600" dirty="0">
                           <a:effectLst/>
                         </a:rPr>
                         <a:t>Uso de cupom promocional para pagamento</a:t>
                       </a:r>
-                      <a:endParaRPr lang="pt-BR" sz="1600">
+                      <a:endParaRPr lang="pt-BR" sz="1600" dirty="0">
                         <a:solidFill>
                           <a:srgbClr val="000000"/>
                         </a:solidFill>
@@ -6227,12 +6272,12 @@
                         </a:tabLst>
                       </a:pPr>
                       <a:r>
-                        <a:rPr lang="pt-BR" sz="1600">
+                        <a:rPr lang="pt-BR" sz="1600" dirty="0">
                           <a:effectLst/>
                         </a:rPr>
                         <a:t>Apenas um cupom promocional pode ser utilizado por compra.</a:t>
                       </a:r>
-                      <a:endParaRPr lang="pt-BR" sz="1600">
+                      <a:endParaRPr lang="pt-BR" sz="1600" dirty="0">
                         <a:solidFill>
                           <a:srgbClr val="000000"/>
                         </a:solidFill>
@@ -6257,14 +6302,17 @@
                           <a:tab pos="5626100" algn="l"/>
                         </a:tabLst>
                       </a:pPr>
-                      <a:endParaRPr lang="pt-BR" sz="1600">
-                        <a:solidFill>
-                          <a:srgbClr val="000000"/>
-                        </a:solidFill>
-                        <a:effectLst/>
-                        <a:latin typeface="Arial" panose="020B0604020202020204" pitchFamily="34" charset="0"/>
-                        <a:ea typeface="Arial" panose="020B0604020202020204" pitchFamily="34" charset="0"/>
-                      </a:endParaRPr>
+                      <a:r>
+                        <a:rPr lang="pt-BR" sz="1600" dirty="0">
+                          <a:solidFill>
+                            <a:srgbClr val="000000"/>
+                          </a:solidFill>
+                          <a:effectLst/>
+                          <a:latin typeface="Arial" panose="020B0604020202020204" pitchFamily="34" charset="0"/>
+                          <a:ea typeface="Arial" panose="020B0604020202020204" pitchFamily="34" charset="0"/>
+                        </a:rPr>
+                        <a:t>OK</a:t>
+                      </a:r>
                     </a:p>
                   </a:txBody>
                   <a:tcPr marL="61846" marR="61846" marT="0" marB="0"/>
@@ -6290,12 +6338,12 @@
                         </a:tabLst>
                       </a:pPr>
                       <a:r>
-                        <a:rPr lang="pt-BR" sz="1600">
+                        <a:rPr lang="pt-BR" sz="1600" dirty="0">
                           <a:effectLst/>
                         </a:rPr>
                         <a:t>RN0034</a:t>
                       </a:r>
-                      <a:endParaRPr lang="pt-BR" sz="1600">
+                      <a:endParaRPr lang="pt-BR" sz="1600" dirty="0">
                         <a:solidFill>
                           <a:srgbClr val="000000"/>
                         </a:solidFill>
@@ -6321,12 +6369,12 @@
                         </a:tabLst>
                       </a:pPr>
                       <a:r>
-                        <a:rPr lang="pt-BR" sz="1600">
+                        <a:rPr lang="pt-BR" sz="1600" dirty="0">
                           <a:effectLst/>
                         </a:rPr>
                         <a:t>Uso de diversões cartões de crédito </a:t>
                       </a:r>
-                      <a:endParaRPr lang="pt-BR" sz="1600">
+                      <a:endParaRPr lang="pt-BR" sz="1600" dirty="0">
                         <a:solidFill>
                           <a:srgbClr val="000000"/>
                         </a:solidFill>
@@ -6352,12 +6400,12 @@
                         </a:tabLst>
                       </a:pPr>
                       <a:r>
-                        <a:rPr lang="pt-BR" sz="1600">
+                        <a:rPr lang="pt-BR" sz="1600" dirty="0">
                           <a:effectLst/>
                         </a:rPr>
                         <a:t>Uma compra pode ser paga utilizando mais de um cartão de crédito, porém o valor mínimo para ser pago com cada cartão deve ser R$ 10,00.</a:t>
                       </a:r>
-                      <a:endParaRPr lang="pt-BR" sz="1600">
+                      <a:endParaRPr lang="pt-BR" sz="1600" dirty="0">
                         <a:solidFill>
                           <a:srgbClr val="000000"/>
                         </a:solidFill>
@@ -6382,14 +6430,17 @@
                           <a:tab pos="5626100" algn="l"/>
                         </a:tabLst>
                       </a:pPr>
-                      <a:endParaRPr lang="pt-BR" sz="1600">
-                        <a:solidFill>
-                          <a:srgbClr val="000000"/>
-                        </a:solidFill>
-                        <a:effectLst/>
-                        <a:latin typeface="Arial" panose="020B0604020202020204" pitchFamily="34" charset="0"/>
-                        <a:ea typeface="Arial" panose="020B0604020202020204" pitchFamily="34" charset="0"/>
-                      </a:endParaRPr>
+                      <a:r>
+                        <a:rPr lang="pt-BR" sz="1600" dirty="0">
+                          <a:solidFill>
+                            <a:srgbClr val="000000"/>
+                          </a:solidFill>
+                          <a:effectLst/>
+                          <a:latin typeface="Arial" panose="020B0604020202020204" pitchFamily="34" charset="0"/>
+                          <a:ea typeface="Arial" panose="020B0604020202020204" pitchFamily="34" charset="0"/>
+                        </a:rPr>
+                        <a:t>?</a:t>
+                      </a:r>
                     </a:p>
                   </a:txBody>
                   <a:tcPr marL="61846" marR="61846" marT="0" marB="0"/>
@@ -6555,14 +6606,17 @@
                           <a:tab pos="5626100" algn="l"/>
                         </a:tabLst>
                       </a:pPr>
-                      <a:endParaRPr lang="pt-BR" sz="1600" dirty="0">
-                        <a:solidFill>
-                          <a:srgbClr val="000000"/>
-                        </a:solidFill>
-                        <a:effectLst/>
-                        <a:latin typeface="Arial" panose="020B0604020202020204" pitchFamily="34" charset="0"/>
-                        <a:ea typeface="Arial" panose="020B0604020202020204" pitchFamily="34" charset="0"/>
-                      </a:endParaRPr>
+                      <a:r>
+                        <a:rPr lang="pt-BR" sz="1600" dirty="0">
+                          <a:solidFill>
+                            <a:srgbClr val="000000"/>
+                          </a:solidFill>
+                          <a:effectLst/>
+                          <a:latin typeface="Arial" panose="020B0604020202020204" pitchFamily="34" charset="0"/>
+                          <a:ea typeface="Arial" panose="020B0604020202020204" pitchFamily="34" charset="0"/>
+                        </a:rPr>
+                        <a:t>?</a:t>
+                      </a:r>
                     </a:p>
                   </a:txBody>
                   <a:tcPr marL="61846" marR="61846" marT="0" marB="0"/>
@@ -6622,14 +6676,14 @@
           <p:nvPr>
             <p:extLst>
               <p:ext uri="{D42A27DB-BD31-4B8C-83A1-F6EECF244321}">
-                <p14:modId xmlns:p14="http://schemas.microsoft.com/office/powerpoint/2010/main" val="392284390"/>
+                <p14:modId xmlns:p14="http://schemas.microsoft.com/office/powerpoint/2010/main" val="435360344"/>
               </p:ext>
             </p:extLst>
           </p:nvPr>
         </p:nvGraphicFramePr>
         <p:xfrm>
           <a:off x="908694" y="439310"/>
-          <a:ext cx="10374612" cy="5608320"/>
+          <a:ext cx="10374612" cy="5433967"/>
         </p:xfrm>
         <a:graphic>
           <a:graphicData uri="http://schemas.openxmlformats.org/drawingml/2006/table">
@@ -6798,14 +6852,17 @@
                           <a:tab pos="5626100" algn="l"/>
                         </a:tabLst>
                       </a:pPr>
-                      <a:endParaRPr lang="pt-BR" sz="1600" dirty="0">
-                        <a:solidFill>
-                          <a:srgbClr val="000000"/>
-                        </a:solidFill>
-                        <a:effectLst/>
-                        <a:latin typeface="Arial" panose="020B0604020202020204" pitchFamily="34" charset="0"/>
-                        <a:ea typeface="Arial" panose="020B0604020202020204" pitchFamily="34" charset="0"/>
-                      </a:endParaRPr>
+                      <a:r>
+                        <a:rPr lang="pt-BR" sz="1600" dirty="0">
+                          <a:solidFill>
+                            <a:srgbClr val="000000"/>
+                          </a:solidFill>
+                          <a:effectLst/>
+                          <a:latin typeface="Arial" panose="020B0604020202020204" pitchFamily="34" charset="0"/>
+                          <a:ea typeface="Arial" panose="020B0604020202020204" pitchFamily="34" charset="0"/>
+                        </a:rPr>
+                        <a:t>-</a:t>
+                      </a:r>
                     </a:p>
                   </a:txBody>
                   <a:tcPr marL="55243" marR="55243" marT="0" marB="0"/>
@@ -6893,52 +6950,12 @@
                         </a:tabLst>
                       </a:pPr>
                       <a:r>
-                        <a:rPr lang="pt-BR" sz="1600">
+                        <a:rPr lang="pt-BR" sz="1600" dirty="0">
                           <a:effectLst/>
                         </a:rPr>
                         <a:t>Após a finalização da compra a forma de pagamento deve ser validada. Para tal deve-se validar a validade e veracidade dos cupons de troca e promocionais que por ventura foram utilizados.</a:t>
                       </a:r>
                     </a:p>
-                    <a:p>
-                      <a:pPr>
-                        <a:spcAft>
-                          <a:spcPts val="0"/>
-                        </a:spcAft>
-                        <a:tabLst>
-                          <a:tab pos="5626100" algn="l"/>
-                        </a:tabLst>
-                      </a:pPr>
-                      <a:r>
-                        <a:rPr lang="pt-BR" sz="1600">
-                          <a:effectLst/>
-                        </a:rPr>
-                        <a:t> </a:t>
-                      </a:r>
-                    </a:p>
-                    <a:p>
-                      <a:pPr>
-                        <a:spcAft>
-                          <a:spcPts val="0"/>
-                        </a:spcAft>
-                        <a:tabLst>
-                          <a:tab pos="5626100" algn="l"/>
-                        </a:tabLst>
-                      </a:pPr>
-                      <a:r>
-                        <a:rPr lang="pt-BR" sz="1600">
-                          <a:effectLst/>
-                        </a:rPr>
-                        <a:t>Também deve ser validado o aceite da compra pela respectiva operadora de cartão de crédito. </a:t>
-                      </a:r>
-                      <a:endParaRPr lang="pt-BR" sz="1600">
-                        <a:solidFill>
-                          <a:srgbClr val="000000"/>
-                        </a:solidFill>
-                        <a:effectLst/>
-                        <a:latin typeface="Arial" panose="020B0604020202020204" pitchFamily="34" charset="0"/>
-                        <a:ea typeface="Arial" panose="020B0604020202020204" pitchFamily="34" charset="0"/>
-                      </a:endParaRPr>
-                    </a:p>
                   </a:txBody>
                   <a:tcPr marL="55243" marR="55243" marT="0" marB="0"/>
                 </a:tc>
@@ -6955,14 +6972,17 @@
                           <a:tab pos="5626100" algn="l"/>
                         </a:tabLst>
                       </a:pPr>
-                      <a:endParaRPr lang="pt-BR" sz="1600">
-                        <a:solidFill>
-                          <a:srgbClr val="000000"/>
-                        </a:solidFill>
-                        <a:effectLst/>
-                        <a:latin typeface="Arial" panose="020B0604020202020204" pitchFamily="34" charset="0"/>
-                        <a:ea typeface="Arial" panose="020B0604020202020204" pitchFamily="34" charset="0"/>
-                      </a:endParaRPr>
+                      <a:r>
+                        <a:rPr lang="pt-BR" sz="1600" dirty="0">
+                          <a:solidFill>
+                            <a:srgbClr val="000000"/>
+                          </a:solidFill>
+                          <a:effectLst/>
+                          <a:latin typeface="Arial" panose="020B0604020202020204" pitchFamily="34" charset="0"/>
+                          <a:ea typeface="Arial" panose="020B0604020202020204" pitchFamily="34" charset="0"/>
+                        </a:rPr>
+                        <a:t>OK</a:t>
+                      </a:r>
                     </a:p>
                   </a:txBody>
                   <a:tcPr marL="55243" marR="55243" marT="0" marB="0"/>
@@ -7112,14 +7132,17 @@
                           <a:tab pos="5626100" algn="l"/>
                         </a:tabLst>
                       </a:pPr>
-                      <a:endParaRPr lang="pt-BR" sz="1600">
-                        <a:solidFill>
-                          <a:srgbClr val="000000"/>
-                        </a:solidFill>
-                        <a:effectLst/>
-                        <a:latin typeface="Arial" panose="020B0604020202020204" pitchFamily="34" charset="0"/>
-                        <a:ea typeface="Arial" panose="020B0604020202020204" pitchFamily="34" charset="0"/>
-                      </a:endParaRPr>
+                      <a:r>
+                        <a:rPr lang="pt-BR" sz="1600" dirty="0">
+                          <a:solidFill>
+                            <a:srgbClr val="000000"/>
+                          </a:solidFill>
+                          <a:effectLst/>
+                          <a:latin typeface="Arial" panose="020B0604020202020204" pitchFamily="34" charset="0"/>
+                          <a:ea typeface="Arial" panose="020B0604020202020204" pitchFamily="34" charset="0"/>
+                        </a:rPr>
+                        <a:t>-</a:t>
+                      </a:r>
                     </a:p>
                   </a:txBody>
                   <a:tcPr marL="55243" marR="55243" marT="0" marB="0"/>
@@ -7145,12 +7168,12 @@
                         </a:tabLst>
                       </a:pPr>
                       <a:r>
-                        <a:rPr lang="pt-BR" sz="1600">
+                        <a:rPr lang="pt-BR" sz="1600" dirty="0">
                           <a:effectLst/>
                         </a:rPr>
                         <a:t>RN0039</a:t>
                       </a:r>
-                      <a:endParaRPr lang="pt-BR" sz="1600">
+                      <a:endParaRPr lang="pt-BR" sz="1600" dirty="0">
                         <a:solidFill>
                           <a:srgbClr val="000000"/>
                         </a:solidFill>
@@ -7176,12 +7199,12 @@
                         </a:tabLst>
                       </a:pPr>
                       <a:r>
-                        <a:rPr lang="pt-BR" sz="1600">
+                        <a:rPr lang="pt-BR" sz="1600" dirty="0">
                           <a:effectLst/>
                         </a:rPr>
                         <a:t>Alterar status da compra para transporte</a:t>
                       </a:r>
-                      <a:endParaRPr lang="pt-BR" sz="1600">
+                      <a:endParaRPr lang="pt-BR" sz="1600" dirty="0">
                         <a:solidFill>
                           <a:srgbClr val="000000"/>
                         </a:solidFill>
@@ -7237,14 +7260,17 @@
                           <a:tab pos="5626100" algn="l"/>
                         </a:tabLst>
                       </a:pPr>
-                      <a:endParaRPr lang="pt-BR" sz="1600" dirty="0">
-                        <a:solidFill>
-                          <a:srgbClr val="000000"/>
-                        </a:solidFill>
-                        <a:effectLst/>
-                        <a:latin typeface="Arial" panose="020B0604020202020204" pitchFamily="34" charset="0"/>
-                        <a:ea typeface="Arial" panose="020B0604020202020204" pitchFamily="34" charset="0"/>
-                      </a:endParaRPr>
+                      <a:r>
+                        <a:rPr lang="pt-BR" sz="1600" dirty="0">
+                          <a:solidFill>
+                            <a:srgbClr val="000000"/>
+                          </a:solidFill>
+                          <a:effectLst/>
+                          <a:latin typeface="Arial" panose="020B0604020202020204" pitchFamily="34" charset="0"/>
+                          <a:ea typeface="Arial" panose="020B0604020202020204" pitchFamily="34" charset="0"/>
+                        </a:rPr>
+                        <a:t>-</a:t>
+                      </a:r>
                     </a:p>
                   </a:txBody>
                   <a:tcPr marL="55243" marR="55243" marT="0" marB="0"/>
@@ -7304,7 +7330,7 @@
           <p:nvPr>
             <p:extLst>
               <p:ext uri="{D42A27DB-BD31-4B8C-83A1-F6EECF244321}">
-                <p14:modId xmlns:p14="http://schemas.microsoft.com/office/powerpoint/2010/main" val="2462381824"/>
+                <p14:modId xmlns:p14="http://schemas.microsoft.com/office/powerpoint/2010/main" val="1206929067"/>
               </p:ext>
             </p:extLst>
           </p:nvPr>
@@ -7456,14 +7482,17 @@
                           <a:tab pos="5626100" algn="l"/>
                         </a:tabLst>
                       </a:pPr>
-                      <a:endParaRPr lang="pt-BR" sz="1600">
-                        <a:solidFill>
-                          <a:srgbClr val="000000"/>
-                        </a:solidFill>
-                        <a:effectLst/>
-                        <a:latin typeface="Arial" panose="020B0604020202020204" pitchFamily="34" charset="0"/>
-                        <a:ea typeface="Arial" panose="020B0604020202020204" pitchFamily="34" charset="0"/>
-                      </a:endParaRPr>
+                      <a:r>
+                        <a:rPr lang="pt-BR" sz="1600" dirty="0">
+                          <a:solidFill>
+                            <a:srgbClr val="000000"/>
+                          </a:solidFill>
+                          <a:effectLst/>
+                          <a:latin typeface="Arial" panose="020B0604020202020204" pitchFamily="34" charset="0"/>
+                          <a:ea typeface="Arial" panose="020B0604020202020204" pitchFamily="34" charset="0"/>
+                        </a:rPr>
+                        <a:t>-</a:t>
+                      </a:r>
                     </a:p>
                   </a:txBody>
                   <a:tcPr marL="55441" marR="55441" marT="0" marB="0"/>
@@ -7489,12 +7518,12 @@
                         </a:tabLst>
                       </a:pPr>
                       <a:r>
-                        <a:rPr lang="pt-BR" sz="1600">
+                        <a:rPr lang="pt-BR" sz="1600" dirty="0">
                           <a:effectLst/>
                         </a:rPr>
                         <a:t>RN0041</a:t>
                       </a:r>
-                      <a:endParaRPr lang="pt-BR" sz="1600">
+                      <a:endParaRPr lang="pt-BR" sz="1600" dirty="0">
                         <a:solidFill>
                           <a:srgbClr val="000000"/>
                         </a:solidFill>
@@ -7520,12 +7549,12 @@
                         </a:tabLst>
                       </a:pPr>
                       <a:r>
-                        <a:rPr lang="pt-BR" sz="1600">
+                        <a:rPr lang="pt-BR" sz="1600" dirty="0">
                           <a:effectLst/>
                         </a:rPr>
                         <a:t>Gerar pedido de troca</a:t>
                       </a:r>
-                      <a:endParaRPr lang="pt-BR" sz="1600">
+                      <a:endParaRPr lang="pt-BR" sz="1600" dirty="0">
                         <a:solidFill>
                           <a:srgbClr val="000000"/>
                         </a:solidFill>
@@ -7629,14 +7658,17 @@
                           <a:tab pos="5626100" algn="l"/>
                         </a:tabLst>
                       </a:pPr>
-                      <a:endParaRPr lang="pt-BR" sz="1600" dirty="0">
-                        <a:solidFill>
-                          <a:srgbClr val="000000"/>
-                        </a:solidFill>
-                        <a:effectLst/>
-                        <a:latin typeface="Arial" panose="020B0604020202020204" pitchFamily="34" charset="0"/>
-                        <a:ea typeface="Arial" panose="020B0604020202020204" pitchFamily="34" charset="0"/>
-                      </a:endParaRPr>
+                      <a:r>
+                        <a:rPr lang="pt-BR" sz="1600" dirty="0">
+                          <a:solidFill>
+                            <a:srgbClr val="000000"/>
+                          </a:solidFill>
+                          <a:effectLst/>
+                          <a:latin typeface="Arial" panose="020B0604020202020204" pitchFamily="34" charset="0"/>
+                          <a:ea typeface="Arial" panose="020B0604020202020204" pitchFamily="34" charset="0"/>
+                        </a:rPr>
+                        <a:t>-</a:t>
+                      </a:r>
                     </a:p>
                   </a:txBody>
                   <a:tcPr marL="55441" marR="55441" marT="0" marB="0"/>
@@ -7662,12 +7694,12 @@
                         </a:tabLst>
                       </a:pPr>
                       <a:r>
-                        <a:rPr lang="pt-BR" sz="1600">
+                        <a:rPr lang="pt-BR" sz="1600" dirty="0">
                           <a:effectLst/>
                         </a:rPr>
                         <a:t>RN0042</a:t>
                       </a:r>
-                      <a:endParaRPr lang="pt-BR" sz="1600">
+                      <a:endParaRPr lang="pt-BR" sz="1600" dirty="0">
                         <a:solidFill>
                           <a:srgbClr val="000000"/>
                         </a:solidFill>
@@ -7693,12 +7725,12 @@
                         </a:tabLst>
                       </a:pPr>
                       <a:r>
-                        <a:rPr lang="pt-BR" sz="1600">
+                        <a:rPr lang="pt-BR" sz="1600" dirty="0">
                           <a:effectLst/>
                         </a:rPr>
                         <a:t>Alterar status do pedido após recebimento de troca</a:t>
                       </a:r>
-                      <a:endParaRPr lang="pt-BR" sz="1600">
+                      <a:endParaRPr lang="pt-BR" sz="1600" dirty="0">
                         <a:solidFill>
                           <a:srgbClr val="000000"/>
                         </a:solidFill>
@@ -7724,12 +7756,12 @@
                         </a:tabLst>
                       </a:pPr>
                       <a:r>
-                        <a:rPr lang="pt-BR" sz="1600">
+                        <a:rPr lang="pt-BR" sz="1600" dirty="0">
                           <a:effectLst/>
                         </a:rPr>
                         <a:t>Ao confirmar que os itens de um pedido de troca ou uma compra com status EM TROCA foi recebido o status do pedido ou compra deverá ser TROCADO.</a:t>
                       </a:r>
-                      <a:endParaRPr lang="pt-BR" sz="1600">
+                      <a:endParaRPr lang="pt-BR" sz="1600" dirty="0">
                         <a:solidFill>
                           <a:srgbClr val="000000"/>
                         </a:solidFill>
@@ -7754,14 +7786,17 @@
                           <a:tab pos="5626100" algn="l"/>
                         </a:tabLst>
                       </a:pPr>
-                      <a:endParaRPr lang="pt-BR" sz="1600">
-                        <a:solidFill>
-                          <a:srgbClr val="000000"/>
-                        </a:solidFill>
-                        <a:effectLst/>
-                        <a:latin typeface="Arial" panose="020B0604020202020204" pitchFamily="34" charset="0"/>
-                        <a:ea typeface="Arial" panose="020B0604020202020204" pitchFamily="34" charset="0"/>
-                      </a:endParaRPr>
+                      <a:r>
+                        <a:rPr lang="pt-BR" sz="1600" dirty="0">
+                          <a:solidFill>
+                            <a:srgbClr val="000000"/>
+                          </a:solidFill>
+                          <a:effectLst/>
+                          <a:latin typeface="Arial" panose="020B0604020202020204" pitchFamily="34" charset="0"/>
+                          <a:ea typeface="Arial" panose="020B0604020202020204" pitchFamily="34" charset="0"/>
+                        </a:rPr>
+                        <a:t>-</a:t>
+                      </a:r>
                     </a:p>
                   </a:txBody>
                   <a:tcPr marL="55441" marR="55441" marT="0" marB="0"/>
@@ -7818,12 +7853,12 @@
                         </a:tabLst>
                       </a:pPr>
                       <a:r>
-                        <a:rPr lang="pt-BR" sz="1600">
+                        <a:rPr lang="pt-BR" sz="1600" dirty="0">
                           <a:effectLst/>
                         </a:rPr>
                         <a:t>Validação para solicitar troca</a:t>
                       </a:r>
-                      <a:endParaRPr lang="pt-BR" sz="1600">
+                      <a:endParaRPr lang="pt-BR" sz="1600" dirty="0">
                         <a:solidFill>
                           <a:srgbClr val="000000"/>
                         </a:solidFill>
@@ -7849,12 +7884,12 @@
                         </a:tabLst>
                       </a:pPr>
                       <a:r>
-                        <a:rPr lang="pt-BR" sz="1600">
+                        <a:rPr lang="pt-BR" sz="1600" dirty="0">
                           <a:effectLst/>
                         </a:rPr>
                         <a:t>Somente itens de pedidos com status ENTREGUE poderão receber solicitação de troca.</a:t>
                       </a:r>
-                      <a:endParaRPr lang="pt-BR" sz="1600">
+                      <a:endParaRPr lang="pt-BR" sz="1600" dirty="0">
                         <a:solidFill>
                           <a:srgbClr val="000000"/>
                         </a:solidFill>
@@ -7879,14 +7914,17 @@
                           <a:tab pos="5626100" algn="l"/>
                         </a:tabLst>
                       </a:pPr>
-                      <a:endParaRPr lang="pt-BR" sz="1600">
-                        <a:solidFill>
-                          <a:srgbClr val="000000"/>
-                        </a:solidFill>
-                        <a:effectLst/>
-                        <a:latin typeface="Arial" panose="020B0604020202020204" pitchFamily="34" charset="0"/>
-                        <a:ea typeface="Arial" panose="020B0604020202020204" pitchFamily="34" charset="0"/>
-                      </a:endParaRPr>
+                      <a:r>
+                        <a:rPr lang="pt-BR" sz="1600" dirty="0">
+                          <a:solidFill>
+                            <a:srgbClr val="000000"/>
+                          </a:solidFill>
+                          <a:effectLst/>
+                          <a:latin typeface="Arial" panose="020B0604020202020204" pitchFamily="34" charset="0"/>
+                          <a:ea typeface="Arial" panose="020B0604020202020204" pitchFamily="34" charset="0"/>
+                        </a:rPr>
+                        <a:t>OK</a:t>
+                      </a:r>
                     </a:p>
                   </a:txBody>
                   <a:tcPr marL="55441" marR="55441" marT="0" marB="0"/>
@@ -8004,14 +8042,17 @@
                           <a:tab pos="5626100" algn="l"/>
                         </a:tabLst>
                       </a:pPr>
-                      <a:endParaRPr lang="pt-BR" sz="1600">
-                        <a:solidFill>
-                          <a:srgbClr val="000000"/>
-                        </a:solidFill>
-                        <a:effectLst/>
-                        <a:latin typeface="Arial" panose="020B0604020202020204" pitchFamily="34" charset="0"/>
-                        <a:ea typeface="Arial" panose="020B0604020202020204" pitchFamily="34" charset="0"/>
-                      </a:endParaRPr>
+                      <a:r>
+                        <a:rPr lang="pt-BR" sz="1600" dirty="0">
+                          <a:solidFill>
+                            <a:srgbClr val="000000"/>
+                          </a:solidFill>
+                          <a:effectLst/>
+                          <a:latin typeface="Arial" panose="020B0604020202020204" pitchFamily="34" charset="0"/>
+                          <a:ea typeface="Arial" panose="020B0604020202020204" pitchFamily="34" charset="0"/>
+                        </a:rPr>
+                        <a:t>-</a:t>
+                      </a:r>
                     </a:p>
                   </a:txBody>
                   <a:tcPr marL="55441" marR="55441" marT="0" marB="0"/>
@@ -8037,12 +8078,12 @@
                         </a:tabLst>
                       </a:pPr>
                       <a:r>
-                        <a:rPr lang="pt-BR" sz="1600">
+                        <a:rPr lang="pt-BR" sz="1600" dirty="0">
                           <a:effectLst/>
                         </a:rPr>
                         <a:t>RNF0045</a:t>
                       </a:r>
-                      <a:endParaRPr lang="pt-BR" sz="1600">
+                      <a:endParaRPr lang="pt-BR" sz="1600" dirty="0">
                         <a:solidFill>
                           <a:srgbClr val="000000"/>
                         </a:solidFill>
@@ -8068,12 +8109,12 @@
                         </a:tabLst>
                       </a:pPr>
                       <a:r>
-                        <a:rPr lang="pt-BR" sz="1600">
+                        <a:rPr lang="pt-BR" sz="1600" dirty="0">
                           <a:effectLst/>
                         </a:rPr>
                         <a:t>Retirar item do carrinho</a:t>
                       </a:r>
-                      <a:endParaRPr lang="pt-BR" sz="1600">
+                      <a:endParaRPr lang="pt-BR" sz="1600" dirty="0">
                         <a:solidFill>
                           <a:srgbClr val="000000"/>
                         </a:solidFill>
@@ -8099,12 +8140,12 @@
                         </a:tabLst>
                       </a:pPr>
                       <a:r>
-                        <a:rPr lang="pt-BR" sz="1600">
+                        <a:rPr lang="pt-BR" sz="1600" dirty="0">
                           <a:effectLst/>
                         </a:rPr>
                         <a:t>Toda vez que um item for desbloqueado todos itens do mesmo produto deverão ser retirados do carrinho de compra que gerou o prazo de bloqueio. </a:t>
                       </a:r>
-                      <a:endParaRPr lang="pt-BR" sz="1600">
+                      <a:endParaRPr lang="pt-BR" sz="1600" dirty="0">
                         <a:solidFill>
                           <a:srgbClr val="000000"/>
                         </a:solidFill>
@@ -8129,14 +8170,17 @@
                           <a:tab pos="5626100" algn="l"/>
                         </a:tabLst>
                       </a:pPr>
-                      <a:endParaRPr lang="pt-BR" sz="1600">
-                        <a:solidFill>
-                          <a:srgbClr val="000000"/>
-                        </a:solidFill>
-                        <a:effectLst/>
-                        <a:latin typeface="Arial" panose="020B0604020202020204" pitchFamily="34" charset="0"/>
-                        <a:ea typeface="Arial" panose="020B0604020202020204" pitchFamily="34" charset="0"/>
-                      </a:endParaRPr>
+                      <a:r>
+                        <a:rPr lang="pt-BR" sz="1600" dirty="0">
+                          <a:solidFill>
+                            <a:srgbClr val="000000"/>
+                          </a:solidFill>
+                          <a:effectLst/>
+                          <a:latin typeface="Arial" panose="020B0604020202020204" pitchFamily="34" charset="0"/>
+                          <a:ea typeface="Arial" panose="020B0604020202020204" pitchFamily="34" charset="0"/>
+                        </a:rPr>
+                        <a:t>OK</a:t>
+                      </a:r>
                     </a:p>
                   </a:txBody>
                   <a:tcPr marL="55441" marR="55441" marT="0" marB="0"/>
@@ -8162,12 +8206,12 @@
                         </a:tabLst>
                       </a:pPr>
                       <a:r>
-                        <a:rPr lang="pt-BR" sz="1600">
+                        <a:rPr lang="pt-BR" sz="1600" dirty="0">
                           <a:effectLst/>
                         </a:rPr>
                         <a:t>RNF0046</a:t>
                       </a:r>
-                      <a:endParaRPr lang="pt-BR" sz="1600">
+                      <a:endParaRPr lang="pt-BR" sz="1600" dirty="0">
                         <a:solidFill>
                           <a:srgbClr val="000000"/>
                         </a:solidFill>
@@ -8193,12 +8237,12 @@
                         </a:tabLst>
                       </a:pPr>
                       <a:r>
-                        <a:rPr lang="pt-BR" sz="1600">
+                        <a:rPr lang="pt-BR" sz="1600" dirty="0">
                           <a:effectLst/>
                         </a:rPr>
                         <a:t>Gerar notificação de autorização de troca</a:t>
                       </a:r>
-                      <a:endParaRPr lang="pt-BR" sz="1600">
+                      <a:endParaRPr lang="pt-BR" sz="1600" dirty="0">
                         <a:solidFill>
                           <a:srgbClr val="000000"/>
                         </a:solidFill>
@@ -8254,14 +8298,17 @@
                           <a:tab pos="5626100" algn="l"/>
                         </a:tabLst>
                       </a:pPr>
-                      <a:endParaRPr lang="pt-BR" sz="1600" dirty="0">
-                        <a:solidFill>
-                          <a:srgbClr val="000000"/>
-                        </a:solidFill>
-                        <a:effectLst/>
-                        <a:latin typeface="Arial" panose="020B0604020202020204" pitchFamily="34" charset="0"/>
-                        <a:ea typeface="Arial" panose="020B0604020202020204" pitchFamily="34" charset="0"/>
-                      </a:endParaRPr>
+                      <a:r>
+                        <a:rPr lang="pt-BR" sz="1600" dirty="0">
+                          <a:solidFill>
+                            <a:srgbClr val="000000"/>
+                          </a:solidFill>
+                          <a:effectLst/>
+                          <a:latin typeface="Arial" panose="020B0604020202020204" pitchFamily="34" charset="0"/>
+                          <a:ea typeface="Arial" panose="020B0604020202020204" pitchFamily="34" charset="0"/>
+                        </a:rPr>
+                        <a:t>-</a:t>
+                      </a:r>
                     </a:p>
                   </a:txBody>
                   <a:tcPr marL="55441" marR="55441" marT="0" marB="0"/>
@@ -8321,7 +8368,7 @@
           <p:nvPr>
             <p:extLst>
               <p:ext uri="{D42A27DB-BD31-4B8C-83A1-F6EECF244321}">
-                <p14:modId xmlns:p14="http://schemas.microsoft.com/office/powerpoint/2010/main" val="2139600922"/>
+                <p14:modId xmlns:p14="http://schemas.microsoft.com/office/powerpoint/2010/main" val="775277783"/>
               </p:ext>
             </p:extLst>
           </p:nvPr>
@@ -8559,14 +8606,17 @@
                           <a:tab pos="5626100" algn="l"/>
                         </a:tabLst>
                       </a:pPr>
-                      <a:endParaRPr lang="pt-BR" sz="1600" dirty="0">
-                        <a:solidFill>
-                          <a:srgbClr val="000000"/>
-                        </a:solidFill>
-                        <a:effectLst/>
-                        <a:latin typeface="Arial" panose="020B0604020202020204" pitchFamily="34" charset="0"/>
-                        <a:ea typeface="Arial" panose="020B0604020202020204" pitchFamily="34" charset="0"/>
-                      </a:endParaRPr>
+                      <a:r>
+                        <a:rPr lang="pt-BR" sz="1600" dirty="0">
+                          <a:solidFill>
+                            <a:srgbClr val="000000"/>
+                          </a:solidFill>
+                          <a:effectLst/>
+                          <a:latin typeface="Arial" panose="020B0604020202020204" pitchFamily="34" charset="0"/>
+                          <a:ea typeface="Arial" panose="020B0604020202020204" pitchFamily="34" charset="0"/>
+                        </a:rPr>
+                        <a:t>-</a:t>
+                      </a:r>
                     </a:p>
                   </a:txBody>
                   <a:tcPr marL="68580" marR="68580" marT="0" marB="0"/>
@@ -8592,43 +8642,43 @@
                         </a:tabLst>
                       </a:pPr>
                       <a:r>
-                        <a:rPr lang="pt-BR" sz="1600">
+                        <a:rPr lang="pt-BR" sz="1600" dirty="0">
                           <a:effectLst/>
                         </a:rPr>
                         <a:t>RN0052</a:t>
                       </a:r>
-                      <a:endParaRPr lang="pt-BR" sz="1600">
-                        <a:solidFill>
-                          <a:srgbClr val="000000"/>
-                        </a:solidFill>
-                        <a:effectLst/>
-                        <a:latin typeface="Arial" panose="020B0604020202020204" pitchFamily="34" charset="0"/>
-                        <a:ea typeface="Arial" panose="020B0604020202020204" pitchFamily="34" charset="0"/>
-                      </a:endParaRPr>
-                    </a:p>
-                  </a:txBody>
-                  <a:tcPr marL="68580" marR="68580" marT="0" marB="0"/>
-                </a:tc>
-                <a:tc>
-                  <a:txBody>
-                    <a:bodyPr/>
-                    <a:lstStyle/>
-                    <a:p>
-                      <a:pPr>
-                        <a:spcAft>
-                          <a:spcPts val="0"/>
-                        </a:spcAft>
-                        <a:tabLst>
-                          <a:tab pos="5626100" algn="l"/>
-                        </a:tabLst>
-                      </a:pPr>
-                      <a:r>
-                        <a:rPr lang="pt-BR" sz="1600">
+                      <a:endParaRPr lang="pt-BR" sz="1600" dirty="0">
+                        <a:solidFill>
+                          <a:srgbClr val="000000"/>
+                        </a:solidFill>
+                        <a:effectLst/>
+                        <a:latin typeface="Arial" panose="020B0604020202020204" pitchFamily="34" charset="0"/>
+                        <a:ea typeface="Arial" panose="020B0604020202020204" pitchFamily="34" charset="0"/>
+                      </a:endParaRPr>
+                    </a:p>
+                  </a:txBody>
+                  <a:tcPr marL="68580" marR="68580" marT="0" marB="0"/>
+                </a:tc>
+                <a:tc>
+                  <a:txBody>
+                    <a:bodyPr/>
+                    <a:lstStyle/>
+                    <a:p>
+                      <a:pPr>
+                        <a:spcAft>
+                          <a:spcPts val="0"/>
+                        </a:spcAft>
+                        <a:tabLst>
+                          <a:tab pos="5626100" algn="l"/>
+                        </a:tabLst>
+                      </a:pPr>
+                      <a:r>
+                        <a:rPr lang="pt-BR" sz="1600" dirty="0">
                           <a:effectLst/>
                         </a:rPr>
                         <a:t>Definir valor de item com diferentes custos</a:t>
                       </a:r>
-                      <a:endParaRPr lang="pt-BR" sz="1600">
+                      <a:endParaRPr lang="pt-BR" sz="1600" dirty="0">
                         <a:solidFill>
                           <a:srgbClr val="000000"/>
                         </a:solidFill>
@@ -8684,14 +8734,17 @@
                           <a:tab pos="5626100" algn="l"/>
                         </a:tabLst>
                       </a:pPr>
-                      <a:endParaRPr lang="pt-BR" sz="1600">
-                        <a:solidFill>
-                          <a:srgbClr val="000000"/>
-                        </a:solidFill>
-                        <a:effectLst/>
-                        <a:latin typeface="Arial" panose="020B0604020202020204" pitchFamily="34" charset="0"/>
-                        <a:ea typeface="Arial" panose="020B0604020202020204" pitchFamily="34" charset="0"/>
-                      </a:endParaRPr>
+                      <a:r>
+                        <a:rPr lang="pt-BR" sz="1600" dirty="0">
+                          <a:solidFill>
+                            <a:srgbClr val="000000"/>
+                          </a:solidFill>
+                          <a:effectLst/>
+                          <a:latin typeface="Arial" panose="020B0604020202020204" pitchFamily="34" charset="0"/>
+                          <a:ea typeface="Arial" panose="020B0604020202020204" pitchFamily="34" charset="0"/>
+                        </a:rPr>
+                        <a:t>OK</a:t>
+                      </a:r>
                     </a:p>
                   </a:txBody>
                   <a:tcPr marL="68580" marR="68580" marT="0" marB="0"/>
@@ -8717,69 +8770,69 @@
                         </a:tabLst>
                       </a:pPr>
                       <a:r>
-                        <a:rPr lang="pt-BR" sz="1600">
+                        <a:rPr lang="pt-BR" sz="1600" dirty="0">
                           <a:effectLst/>
                         </a:rPr>
                         <a:t>RN0053</a:t>
                       </a:r>
-                      <a:endParaRPr lang="pt-BR" sz="1600">
-                        <a:solidFill>
-                          <a:srgbClr val="000000"/>
-                        </a:solidFill>
-                        <a:effectLst/>
-                        <a:latin typeface="Arial" panose="020B0604020202020204" pitchFamily="34" charset="0"/>
-                        <a:ea typeface="Arial" panose="020B0604020202020204" pitchFamily="34" charset="0"/>
-                      </a:endParaRPr>
-                    </a:p>
-                  </a:txBody>
-                  <a:tcPr marL="68580" marR="68580" marT="0" marB="0"/>
-                </a:tc>
-                <a:tc>
-                  <a:txBody>
-                    <a:bodyPr/>
-                    <a:lstStyle/>
-                    <a:p>
-                      <a:pPr>
-                        <a:spcAft>
-                          <a:spcPts val="0"/>
-                        </a:spcAft>
-                        <a:tabLst>
-                          <a:tab pos="5626100" algn="l"/>
-                        </a:tabLst>
-                      </a:pPr>
-                      <a:r>
-                        <a:rPr lang="pt-BR" sz="1600">
+                      <a:endParaRPr lang="pt-BR" sz="1600" dirty="0">
+                        <a:solidFill>
+                          <a:srgbClr val="000000"/>
+                        </a:solidFill>
+                        <a:effectLst/>
+                        <a:latin typeface="Arial" panose="020B0604020202020204" pitchFamily="34" charset="0"/>
+                        <a:ea typeface="Arial" panose="020B0604020202020204" pitchFamily="34" charset="0"/>
+                      </a:endParaRPr>
+                    </a:p>
+                  </a:txBody>
+                  <a:tcPr marL="68580" marR="68580" marT="0" marB="0"/>
+                </a:tc>
+                <a:tc>
+                  <a:txBody>
+                    <a:bodyPr/>
+                    <a:lstStyle/>
+                    <a:p>
+                      <a:pPr>
+                        <a:spcAft>
+                          <a:spcPts val="0"/>
+                        </a:spcAft>
+                        <a:tabLst>
+                          <a:tab pos="5626100" algn="l"/>
+                        </a:tabLst>
+                      </a:pPr>
+                      <a:r>
+                        <a:rPr lang="pt-BR" sz="1600" dirty="0">
                           <a:effectLst/>
                         </a:rPr>
                         <a:t>Quantidade de itens</a:t>
                       </a:r>
-                      <a:endParaRPr lang="pt-BR" sz="1600">
-                        <a:solidFill>
-                          <a:srgbClr val="000000"/>
-                        </a:solidFill>
-                        <a:effectLst/>
-                        <a:latin typeface="Arial" panose="020B0604020202020204" pitchFamily="34" charset="0"/>
-                        <a:ea typeface="Arial" panose="020B0604020202020204" pitchFamily="34" charset="0"/>
-                      </a:endParaRPr>
-                    </a:p>
-                  </a:txBody>
-                  <a:tcPr marL="68580" marR="68580" marT="0" marB="0"/>
-                </a:tc>
-                <a:tc>
-                  <a:txBody>
-                    <a:bodyPr/>
-                    <a:lstStyle/>
-                    <a:p>
-                      <a:pPr>
-                        <a:spcAft>
-                          <a:spcPts val="0"/>
-                        </a:spcAft>
-                        <a:tabLst>
-                          <a:tab pos="5626100" algn="l"/>
-                        </a:tabLst>
-                      </a:pPr>
-                      <a:r>
-                        <a:rPr lang="pt-BR" sz="1600">
+                      <a:endParaRPr lang="pt-BR" sz="1600" dirty="0">
+                        <a:solidFill>
+                          <a:srgbClr val="000000"/>
+                        </a:solidFill>
+                        <a:effectLst/>
+                        <a:latin typeface="Arial" panose="020B0604020202020204" pitchFamily="34" charset="0"/>
+                        <a:ea typeface="Arial" panose="020B0604020202020204" pitchFamily="34" charset="0"/>
+                      </a:endParaRPr>
+                    </a:p>
+                  </a:txBody>
+                  <a:tcPr marL="68580" marR="68580" marT="0" marB="0"/>
+                </a:tc>
+                <a:tc>
+                  <a:txBody>
+                    <a:bodyPr/>
+                    <a:lstStyle/>
+                    <a:p>
+                      <a:pPr>
+                        <a:spcAft>
+                          <a:spcPts val="0"/>
+                        </a:spcAft>
+                        <a:tabLst>
+                          <a:tab pos="5626100" algn="l"/>
+                        </a:tabLst>
+                      </a:pPr>
+                      <a:r>
+                        <a:rPr lang="pt-BR" sz="1600" dirty="0">
                           <a:effectLst/>
                         </a:rPr>
                         <a:t>Não deve ser permitido que seja realizado a entrada de itens de bebidas com quantidade igual a zero.</a:t>
@@ -8795,44 +8848,47 @@
                         </a:tabLst>
                       </a:pPr>
                       <a:r>
-                        <a:rPr lang="pt-BR" sz="1600">
+                        <a:rPr lang="pt-BR" sz="1600" dirty="0">
                           <a:effectLst/>
                         </a:rPr>
                         <a:t> </a:t>
                       </a:r>
-                      <a:endParaRPr lang="pt-BR" sz="1600">
-                        <a:solidFill>
-                          <a:srgbClr val="000000"/>
-                        </a:solidFill>
-                        <a:effectLst/>
-                        <a:latin typeface="Arial" panose="020B0604020202020204" pitchFamily="34" charset="0"/>
-                        <a:ea typeface="Arial" panose="020B0604020202020204" pitchFamily="34" charset="0"/>
-                      </a:endParaRPr>
-                    </a:p>
-                  </a:txBody>
-                  <a:tcPr marL="68580" marR="68580" marT="0" marB="0"/>
-                </a:tc>
-                <a:tc>
-                  <a:txBody>
-                    <a:bodyPr/>
-                    <a:lstStyle/>
-                    <a:p>
-                      <a:pPr>
-                        <a:spcAft>
-                          <a:spcPts val="0"/>
-                        </a:spcAft>
-                        <a:tabLst>
-                          <a:tab pos="5626100" algn="l"/>
-                        </a:tabLst>
-                      </a:pPr>
-                      <a:endParaRPr lang="pt-BR" sz="1600">
-                        <a:solidFill>
-                          <a:srgbClr val="000000"/>
-                        </a:solidFill>
-                        <a:effectLst/>
-                        <a:latin typeface="Arial" panose="020B0604020202020204" pitchFamily="34" charset="0"/>
-                        <a:ea typeface="Arial" panose="020B0604020202020204" pitchFamily="34" charset="0"/>
-                      </a:endParaRPr>
+                      <a:endParaRPr lang="pt-BR" sz="1600" dirty="0">
+                        <a:solidFill>
+                          <a:srgbClr val="000000"/>
+                        </a:solidFill>
+                        <a:effectLst/>
+                        <a:latin typeface="Arial" panose="020B0604020202020204" pitchFamily="34" charset="0"/>
+                        <a:ea typeface="Arial" panose="020B0604020202020204" pitchFamily="34" charset="0"/>
+                      </a:endParaRPr>
+                    </a:p>
+                  </a:txBody>
+                  <a:tcPr marL="68580" marR="68580" marT="0" marB="0"/>
+                </a:tc>
+                <a:tc>
+                  <a:txBody>
+                    <a:bodyPr/>
+                    <a:lstStyle/>
+                    <a:p>
+                      <a:pPr>
+                        <a:spcAft>
+                          <a:spcPts val="0"/>
+                        </a:spcAft>
+                        <a:tabLst>
+                          <a:tab pos="5626100" algn="l"/>
+                        </a:tabLst>
+                      </a:pPr>
+                      <a:r>
+                        <a:rPr lang="pt-BR" sz="1600" dirty="0">
+                          <a:solidFill>
+                            <a:srgbClr val="000000"/>
+                          </a:solidFill>
+                          <a:effectLst/>
+                          <a:latin typeface="Arial" panose="020B0604020202020204" pitchFamily="34" charset="0"/>
+                          <a:ea typeface="Arial" panose="020B0604020202020204" pitchFamily="34" charset="0"/>
+                        </a:rPr>
+                        <a:t>OK</a:t>
+                      </a:r>
                     </a:p>
                   </a:txBody>
                   <a:tcPr marL="68580" marR="68580" marT="0" marB="0"/>
@@ -8858,106 +8914,109 @@
                         </a:tabLst>
                       </a:pPr>
                       <a:r>
-                        <a:rPr lang="pt-BR" sz="1600">
+                        <a:rPr lang="pt-BR" sz="1600" dirty="0">
                           <a:effectLst/>
                         </a:rPr>
                         <a:t>RN0054</a:t>
                       </a:r>
-                      <a:endParaRPr lang="pt-BR" sz="1600">
-                        <a:solidFill>
-                          <a:srgbClr val="000000"/>
-                        </a:solidFill>
-                        <a:effectLst/>
-                        <a:latin typeface="Arial" panose="020B0604020202020204" pitchFamily="34" charset="0"/>
-                        <a:ea typeface="Arial" panose="020B0604020202020204" pitchFamily="34" charset="0"/>
-                      </a:endParaRPr>
-                    </a:p>
-                  </a:txBody>
-                  <a:tcPr marL="68580" marR="68580" marT="0" marB="0"/>
-                </a:tc>
-                <a:tc>
-                  <a:txBody>
-                    <a:bodyPr/>
-                    <a:lstStyle/>
-                    <a:p>
-                      <a:pPr>
-                        <a:spcAft>
-                          <a:spcPts val="0"/>
-                        </a:spcAft>
-                        <a:tabLst>
-                          <a:tab pos="5626100" algn="l"/>
-                        </a:tabLst>
-                      </a:pPr>
-                      <a:r>
-                        <a:rPr lang="pt-BR" sz="1600">
+                      <a:endParaRPr lang="pt-BR" sz="1600" dirty="0">
+                        <a:solidFill>
+                          <a:srgbClr val="000000"/>
+                        </a:solidFill>
+                        <a:effectLst/>
+                        <a:latin typeface="Arial" panose="020B0604020202020204" pitchFamily="34" charset="0"/>
+                        <a:ea typeface="Arial" panose="020B0604020202020204" pitchFamily="34" charset="0"/>
+                      </a:endParaRPr>
+                    </a:p>
+                  </a:txBody>
+                  <a:tcPr marL="68580" marR="68580" marT="0" marB="0"/>
+                </a:tc>
+                <a:tc>
+                  <a:txBody>
+                    <a:bodyPr/>
+                    <a:lstStyle/>
+                    <a:p>
+                      <a:pPr>
+                        <a:spcAft>
+                          <a:spcPts val="0"/>
+                        </a:spcAft>
+                        <a:tabLst>
+                          <a:tab pos="5626100" algn="l"/>
+                        </a:tabLst>
+                      </a:pPr>
+                      <a:r>
+                        <a:rPr lang="pt-BR" sz="1600" dirty="0">
                           <a:effectLst/>
                         </a:rPr>
                         <a:t>Valor de custo</a:t>
                       </a:r>
-                      <a:endParaRPr lang="pt-BR" sz="1600">
-                        <a:solidFill>
-                          <a:srgbClr val="000000"/>
-                        </a:solidFill>
-                        <a:effectLst/>
-                        <a:latin typeface="Arial" panose="020B0604020202020204" pitchFamily="34" charset="0"/>
-                        <a:ea typeface="Arial" panose="020B0604020202020204" pitchFamily="34" charset="0"/>
-                      </a:endParaRPr>
-                    </a:p>
-                  </a:txBody>
-                  <a:tcPr marL="68580" marR="68580" marT="0" marB="0"/>
-                </a:tc>
-                <a:tc>
-                  <a:txBody>
-                    <a:bodyPr/>
-                    <a:lstStyle/>
-                    <a:p>
-                      <a:pPr>
-                        <a:spcAft>
-                          <a:spcPts val="0"/>
-                        </a:spcAft>
-                        <a:tabLst>
-                          <a:tab pos="5626100" algn="l"/>
-                        </a:tabLst>
-                      </a:pPr>
-                      <a:r>
-                        <a:rPr lang="pt-BR" sz="1600">
+                      <a:endParaRPr lang="pt-BR" sz="1600" dirty="0">
+                        <a:solidFill>
+                          <a:srgbClr val="000000"/>
+                        </a:solidFill>
+                        <a:effectLst/>
+                        <a:latin typeface="Arial" panose="020B0604020202020204" pitchFamily="34" charset="0"/>
+                        <a:ea typeface="Arial" panose="020B0604020202020204" pitchFamily="34" charset="0"/>
+                      </a:endParaRPr>
+                    </a:p>
+                  </a:txBody>
+                  <a:tcPr marL="68580" marR="68580" marT="0" marB="0"/>
+                </a:tc>
+                <a:tc>
+                  <a:txBody>
+                    <a:bodyPr/>
+                    <a:lstStyle/>
+                    <a:p>
+                      <a:pPr>
+                        <a:spcAft>
+                          <a:spcPts val="0"/>
+                        </a:spcAft>
+                        <a:tabLst>
+                          <a:tab pos="5626100" algn="l"/>
+                        </a:tabLst>
+                      </a:pPr>
+                      <a:r>
+                        <a:rPr lang="pt-BR" sz="1600" dirty="0">
                           <a:effectLst/>
                         </a:rPr>
                         <a:t>Para todo item deve haver um valor de custo.</a:t>
                       </a:r>
-                      <a:endParaRPr lang="pt-BR" sz="1600">
-                        <a:solidFill>
-                          <a:srgbClr val="000000"/>
-                        </a:solidFill>
-                        <a:effectLst/>
-                        <a:latin typeface="Arial" panose="020B0604020202020204" pitchFamily="34" charset="0"/>
-                        <a:ea typeface="Arial" panose="020B0604020202020204" pitchFamily="34" charset="0"/>
-                      </a:endParaRPr>
-                    </a:p>
-                  </a:txBody>
-                  <a:tcPr marL="68580" marR="68580" marT="0" marB="0"/>
-                </a:tc>
-                <a:tc>
-                  <a:txBody>
-                    <a:bodyPr/>
-                    <a:lstStyle/>
-                    <a:p>
-                      <a:pPr>
-                        <a:spcAft>
-                          <a:spcPts val="0"/>
-                        </a:spcAft>
-                        <a:tabLst>
-                          <a:tab pos="5626100" algn="l"/>
-                        </a:tabLst>
-                      </a:pPr>
-                      <a:endParaRPr lang="pt-BR" sz="1600">
-                        <a:solidFill>
-                          <a:srgbClr val="000000"/>
-                        </a:solidFill>
-                        <a:effectLst/>
-                        <a:latin typeface="Arial" panose="020B0604020202020204" pitchFamily="34" charset="0"/>
-                        <a:ea typeface="Arial" panose="020B0604020202020204" pitchFamily="34" charset="0"/>
-                      </a:endParaRPr>
+                      <a:endParaRPr lang="pt-BR" sz="1600" dirty="0">
+                        <a:solidFill>
+                          <a:srgbClr val="000000"/>
+                        </a:solidFill>
+                        <a:effectLst/>
+                        <a:latin typeface="Arial" panose="020B0604020202020204" pitchFamily="34" charset="0"/>
+                        <a:ea typeface="Arial" panose="020B0604020202020204" pitchFamily="34" charset="0"/>
+                      </a:endParaRPr>
+                    </a:p>
+                  </a:txBody>
+                  <a:tcPr marL="68580" marR="68580" marT="0" marB="0"/>
+                </a:tc>
+                <a:tc>
+                  <a:txBody>
+                    <a:bodyPr/>
+                    <a:lstStyle/>
+                    <a:p>
+                      <a:pPr>
+                        <a:spcAft>
+                          <a:spcPts val="0"/>
+                        </a:spcAft>
+                        <a:tabLst>
+                          <a:tab pos="5626100" algn="l"/>
+                        </a:tabLst>
+                      </a:pPr>
+                      <a:r>
+                        <a:rPr lang="pt-BR" sz="1600" dirty="0">
+                          <a:solidFill>
+                            <a:srgbClr val="000000"/>
+                          </a:solidFill>
+                          <a:effectLst/>
+                          <a:latin typeface="Arial" panose="020B0604020202020204" pitchFamily="34" charset="0"/>
+                          <a:ea typeface="Arial" panose="020B0604020202020204" pitchFamily="34" charset="0"/>
+                        </a:rPr>
+                        <a:t>OK</a:t>
+                      </a:r>
                     </a:p>
                   </a:txBody>
                   <a:tcPr marL="68580" marR="68580" marT="0" marB="0"/>
@@ -8983,43 +9042,43 @@
                         </a:tabLst>
                       </a:pPr>
                       <a:r>
-                        <a:rPr lang="pt-BR" sz="1600">
+                        <a:rPr lang="pt-BR" sz="1600" dirty="0">
                           <a:effectLst/>
                         </a:rPr>
                         <a:t>RNF0055</a:t>
                       </a:r>
-                      <a:endParaRPr lang="pt-BR" sz="1600">
-                        <a:solidFill>
-                          <a:srgbClr val="000000"/>
-                        </a:solidFill>
-                        <a:effectLst/>
-                        <a:latin typeface="Arial" panose="020B0604020202020204" pitchFamily="34" charset="0"/>
-                        <a:ea typeface="Arial" panose="020B0604020202020204" pitchFamily="34" charset="0"/>
-                      </a:endParaRPr>
-                    </a:p>
-                  </a:txBody>
-                  <a:tcPr marL="68580" marR="68580" marT="0" marB="0"/>
-                </a:tc>
-                <a:tc>
-                  <a:txBody>
-                    <a:bodyPr/>
-                    <a:lstStyle/>
-                    <a:p>
-                      <a:pPr>
-                        <a:spcAft>
-                          <a:spcPts val="0"/>
-                        </a:spcAft>
-                        <a:tabLst>
-                          <a:tab pos="5626100" algn="l"/>
-                        </a:tabLst>
-                      </a:pPr>
-                      <a:r>
-                        <a:rPr lang="pt-BR" sz="1600">
+                      <a:endParaRPr lang="pt-BR" sz="1600" dirty="0">
+                        <a:solidFill>
+                          <a:srgbClr val="000000"/>
+                        </a:solidFill>
+                        <a:effectLst/>
+                        <a:latin typeface="Arial" panose="020B0604020202020204" pitchFamily="34" charset="0"/>
+                        <a:ea typeface="Arial" panose="020B0604020202020204" pitchFamily="34" charset="0"/>
+                      </a:endParaRPr>
+                    </a:p>
+                  </a:txBody>
+                  <a:tcPr marL="68580" marR="68580" marT="0" marB="0"/>
+                </a:tc>
+                <a:tc>
+                  <a:txBody>
+                    <a:bodyPr/>
+                    <a:lstStyle/>
+                    <a:p>
+                      <a:pPr>
+                        <a:spcAft>
+                          <a:spcPts val="0"/>
+                        </a:spcAft>
+                        <a:tabLst>
+                          <a:tab pos="5626100" algn="l"/>
+                        </a:tabLst>
+                      </a:pPr>
+                      <a:r>
+                        <a:rPr lang="pt-BR" sz="1600" dirty="0">
                           <a:effectLst/>
                         </a:rPr>
                         <a:t>Data de entrada</a:t>
                       </a:r>
-                      <a:endParaRPr lang="pt-BR" sz="1600">
+                      <a:endParaRPr lang="pt-BR" sz="1600" dirty="0">
                         <a:solidFill>
                           <a:srgbClr val="000000"/>
                         </a:solidFill>
@@ -9075,14 +9134,17 @@
                           <a:tab pos="5626100" algn="l"/>
                         </a:tabLst>
                       </a:pPr>
-                      <a:endParaRPr lang="pt-BR" sz="1600" dirty="0">
-                        <a:solidFill>
-                          <a:srgbClr val="000000"/>
-                        </a:solidFill>
-                        <a:effectLst/>
-                        <a:latin typeface="Arial" panose="020B0604020202020204" pitchFamily="34" charset="0"/>
-                        <a:ea typeface="Arial" panose="020B0604020202020204" pitchFamily="34" charset="0"/>
-                      </a:endParaRPr>
+                      <a:r>
+                        <a:rPr lang="pt-BR" sz="1600" dirty="0">
+                          <a:solidFill>
+                            <a:srgbClr val="000000"/>
+                          </a:solidFill>
+                          <a:effectLst/>
+                          <a:latin typeface="Arial" panose="020B0604020202020204" pitchFamily="34" charset="0"/>
+                          <a:ea typeface="Arial" panose="020B0604020202020204" pitchFamily="34" charset="0"/>
+                        </a:rPr>
+                        <a:t>-</a:t>
+                      </a:r>
                     </a:p>
                   </a:txBody>
                   <a:tcPr marL="68580" marR="68580" marT="0" marB="0"/>
@@ -9171,7 +9233,7 @@
             <p:ph idx="1"/>
             <p:extLst>
               <p:ext uri="{D42A27DB-BD31-4B8C-83A1-F6EECF244321}">
-                <p14:modId xmlns:p14="http://schemas.microsoft.com/office/powerpoint/2010/main" val="1231910880"/>
+                <p14:modId xmlns:p14="http://schemas.microsoft.com/office/powerpoint/2010/main" val="1644536787"/>
               </p:ext>
             </p:extLst>
           </p:nvPr>
@@ -9281,7 +9343,7 @@
                           <a:tab pos="5626100" algn="l"/>
                         </a:tabLst>
                       </a:pPr>
-                      <a:endParaRPr lang="pt-BR" sz="1800">
+                      <a:endParaRPr lang="pt-BR" sz="1800" dirty="0">
                         <a:solidFill>
                           <a:srgbClr val="000000"/>
                         </a:solidFill>
@@ -9400,14 +9462,17 @@
                           <a:tab pos="5626100" algn="l"/>
                         </a:tabLst>
                       </a:pPr>
-                      <a:endParaRPr lang="pt-BR" sz="1800">
-                        <a:solidFill>
-                          <a:srgbClr val="000000"/>
-                        </a:solidFill>
-                        <a:effectLst/>
-                        <a:latin typeface="Arial" panose="020B0604020202020204" pitchFamily="34" charset="0"/>
-                        <a:ea typeface="Arial" panose="020B0604020202020204" pitchFamily="34" charset="0"/>
-                      </a:endParaRPr>
+                      <a:r>
+                        <a:rPr lang="pt-BR" sz="1800" dirty="0">
+                          <a:solidFill>
+                            <a:srgbClr val="000000"/>
+                          </a:solidFill>
+                          <a:effectLst/>
+                          <a:latin typeface="Arial" panose="020B0604020202020204" pitchFamily="34" charset="0"/>
+                          <a:ea typeface="Arial" panose="020B0604020202020204" pitchFamily="34" charset="0"/>
+                        </a:rPr>
+                        <a:t>OK</a:t>
+                      </a:r>
                     </a:p>
                   </a:txBody>
                   <a:tcPr marL="68580" marR="68580" marT="0" marB="0"/>
@@ -9433,106 +9498,109 @@
                         </a:tabLst>
                       </a:pPr>
                       <a:r>
-                        <a:rPr lang="pt-BR" sz="1800">
+                        <a:rPr lang="pt-BR" sz="1800" dirty="0">
                           <a:effectLst/>
                         </a:rPr>
                         <a:t>RF0012</a:t>
                       </a:r>
-                      <a:endParaRPr lang="pt-BR" sz="1800">
-                        <a:solidFill>
-                          <a:srgbClr val="000000"/>
-                        </a:solidFill>
-                        <a:effectLst/>
-                        <a:latin typeface="Arial" panose="020B0604020202020204" pitchFamily="34" charset="0"/>
-                        <a:ea typeface="Arial" panose="020B0604020202020204" pitchFamily="34" charset="0"/>
-                      </a:endParaRPr>
-                    </a:p>
-                  </a:txBody>
-                  <a:tcPr marL="68580" marR="68580" marT="0" marB="0"/>
-                </a:tc>
-                <a:tc>
-                  <a:txBody>
-                    <a:bodyPr/>
-                    <a:lstStyle/>
-                    <a:p>
-                      <a:pPr>
-                        <a:spcAft>
-                          <a:spcPts val="0"/>
-                        </a:spcAft>
-                        <a:tabLst>
-                          <a:tab pos="5626100" algn="l"/>
-                        </a:tabLst>
-                      </a:pPr>
-                      <a:r>
-                        <a:rPr lang="pt-BR" sz="1800">
+                      <a:endParaRPr lang="pt-BR" sz="1800" dirty="0">
+                        <a:solidFill>
+                          <a:srgbClr val="000000"/>
+                        </a:solidFill>
+                        <a:effectLst/>
+                        <a:latin typeface="Arial" panose="020B0604020202020204" pitchFamily="34" charset="0"/>
+                        <a:ea typeface="Arial" panose="020B0604020202020204" pitchFamily="34" charset="0"/>
+                      </a:endParaRPr>
+                    </a:p>
+                  </a:txBody>
+                  <a:tcPr marL="68580" marR="68580" marT="0" marB="0"/>
+                </a:tc>
+                <a:tc>
+                  <a:txBody>
+                    <a:bodyPr/>
+                    <a:lstStyle/>
+                    <a:p>
+                      <a:pPr>
+                        <a:spcAft>
+                          <a:spcPts val="0"/>
+                        </a:spcAft>
+                        <a:tabLst>
+                          <a:tab pos="5626100" algn="l"/>
+                        </a:tabLst>
+                      </a:pPr>
+                      <a:r>
+                        <a:rPr lang="pt-BR" sz="1800" dirty="0">
                           <a:effectLst/>
                         </a:rPr>
                         <a:t>Inativar cadastro de bebida</a:t>
                       </a:r>
-                      <a:endParaRPr lang="pt-BR" sz="1800">
-                        <a:solidFill>
-                          <a:srgbClr val="000000"/>
-                        </a:solidFill>
-                        <a:effectLst/>
-                        <a:latin typeface="Arial" panose="020B0604020202020204" pitchFamily="34" charset="0"/>
-                        <a:ea typeface="Arial" panose="020B0604020202020204" pitchFamily="34" charset="0"/>
-                      </a:endParaRPr>
-                    </a:p>
-                  </a:txBody>
-                  <a:tcPr marL="68580" marR="68580" marT="0" marB="0"/>
-                </a:tc>
-                <a:tc>
-                  <a:txBody>
-                    <a:bodyPr/>
-                    <a:lstStyle/>
-                    <a:p>
-                      <a:pPr>
-                        <a:spcAft>
-                          <a:spcPts val="0"/>
-                        </a:spcAft>
-                        <a:tabLst>
-                          <a:tab pos="5626100" algn="l"/>
-                        </a:tabLst>
-                      </a:pPr>
-                      <a:r>
-                        <a:rPr lang="pt-BR" sz="1800">
+                      <a:endParaRPr lang="pt-BR" sz="1800" dirty="0">
+                        <a:solidFill>
+                          <a:srgbClr val="000000"/>
+                        </a:solidFill>
+                        <a:effectLst/>
+                        <a:latin typeface="Arial" panose="020B0604020202020204" pitchFamily="34" charset="0"/>
+                        <a:ea typeface="Arial" panose="020B0604020202020204" pitchFamily="34" charset="0"/>
+                      </a:endParaRPr>
+                    </a:p>
+                  </a:txBody>
+                  <a:tcPr marL="68580" marR="68580" marT="0" marB="0"/>
+                </a:tc>
+                <a:tc>
+                  <a:txBody>
+                    <a:bodyPr/>
+                    <a:lstStyle/>
+                    <a:p>
+                      <a:pPr>
+                        <a:spcAft>
+                          <a:spcPts val="0"/>
+                        </a:spcAft>
+                        <a:tabLst>
+                          <a:tab pos="5626100" algn="l"/>
+                        </a:tabLst>
+                      </a:pPr>
+                      <a:r>
+                        <a:rPr lang="pt-BR" sz="1800" dirty="0">
                           <a:effectLst/>
                         </a:rPr>
                         <a:t>O sistema deve possibilitar que bebidas sejam inativadas.</a:t>
                       </a:r>
-                      <a:endParaRPr lang="pt-BR" sz="1800">
-                        <a:solidFill>
-                          <a:srgbClr val="000000"/>
-                        </a:solidFill>
-                        <a:effectLst/>
-                        <a:latin typeface="Arial" panose="020B0604020202020204" pitchFamily="34" charset="0"/>
-                        <a:ea typeface="Arial" panose="020B0604020202020204" pitchFamily="34" charset="0"/>
-                      </a:endParaRPr>
-                    </a:p>
-                  </a:txBody>
-                  <a:tcPr marL="68580" marR="68580" marT="0" marB="0"/>
-                </a:tc>
-                <a:tc>
-                  <a:txBody>
-                    <a:bodyPr/>
-                    <a:lstStyle/>
-                    <a:p>
-                      <a:pPr>
-                        <a:spcAft>
-                          <a:spcPts val="0"/>
-                        </a:spcAft>
-                        <a:tabLst>
-                          <a:tab pos="5626100" algn="l"/>
-                        </a:tabLst>
-                      </a:pPr>
-                      <a:endParaRPr lang="pt-BR" sz="1800">
-                        <a:solidFill>
-                          <a:srgbClr val="000000"/>
-                        </a:solidFill>
-                        <a:effectLst/>
-                        <a:latin typeface="Arial" panose="020B0604020202020204" pitchFamily="34" charset="0"/>
-                        <a:ea typeface="Arial" panose="020B0604020202020204" pitchFamily="34" charset="0"/>
-                      </a:endParaRPr>
+                      <a:endParaRPr lang="pt-BR" sz="1800" dirty="0">
+                        <a:solidFill>
+                          <a:srgbClr val="000000"/>
+                        </a:solidFill>
+                        <a:effectLst/>
+                        <a:latin typeface="Arial" panose="020B0604020202020204" pitchFamily="34" charset="0"/>
+                        <a:ea typeface="Arial" panose="020B0604020202020204" pitchFamily="34" charset="0"/>
+                      </a:endParaRPr>
+                    </a:p>
+                  </a:txBody>
+                  <a:tcPr marL="68580" marR="68580" marT="0" marB="0"/>
+                </a:tc>
+                <a:tc>
+                  <a:txBody>
+                    <a:bodyPr/>
+                    <a:lstStyle/>
+                    <a:p>
+                      <a:pPr>
+                        <a:spcAft>
+                          <a:spcPts val="0"/>
+                        </a:spcAft>
+                        <a:tabLst>
+                          <a:tab pos="5626100" algn="l"/>
+                        </a:tabLst>
+                      </a:pPr>
+                      <a:r>
+                        <a:rPr lang="pt-BR" sz="1800" dirty="0">
+                          <a:solidFill>
+                            <a:srgbClr val="000000"/>
+                          </a:solidFill>
+                          <a:effectLst/>
+                          <a:latin typeface="Arial" panose="020B0604020202020204" pitchFamily="34" charset="0"/>
+                          <a:ea typeface="Arial" panose="020B0604020202020204" pitchFamily="34" charset="0"/>
+                        </a:rPr>
+                        <a:t>OK</a:t>
+                      </a:r>
                     </a:p>
                   </a:txBody>
                   <a:tcPr marL="68580" marR="68580" marT="0" marB="0"/>
@@ -9558,12 +9626,12 @@
                         </a:tabLst>
                       </a:pPr>
                       <a:r>
-                        <a:rPr lang="pt-BR" sz="1800">
+                        <a:rPr lang="pt-BR" sz="1800" dirty="0">
                           <a:effectLst/>
                         </a:rPr>
                         <a:t>RF0013</a:t>
                       </a:r>
-                      <a:endParaRPr lang="pt-BR" sz="1800">
+                      <a:endParaRPr lang="pt-BR" sz="1800" dirty="0">
                         <a:solidFill>
                           <a:srgbClr val="000000"/>
                         </a:solidFill>
@@ -9620,36 +9688,11 @@
                         </a:tabLst>
                       </a:pPr>
                       <a:r>
-                        <a:rPr lang="pt-BR" sz="1800">
+                        <a:rPr lang="pt-BR" sz="1800" dirty="0">
                           <a:effectLst/>
                         </a:rPr>
                         <a:t>O sistema deve inativar bebidas sem estoque e que não possuem venda com valor inferior a parâmetro predefinido no sistema.</a:t>
                       </a:r>
-                      <a:endParaRPr lang="pt-BR" sz="1800">
-                        <a:solidFill>
-                          <a:srgbClr val="000000"/>
-                        </a:solidFill>
-                        <a:effectLst/>
-                        <a:latin typeface="Arial" panose="020B0604020202020204" pitchFamily="34" charset="0"/>
-                        <a:ea typeface="Arial" panose="020B0604020202020204" pitchFamily="34" charset="0"/>
-                      </a:endParaRPr>
-                    </a:p>
-                  </a:txBody>
-                  <a:tcPr marL="68580" marR="68580" marT="0" marB="0"/>
-                </a:tc>
-                <a:tc>
-                  <a:txBody>
-                    <a:bodyPr/>
-                    <a:lstStyle/>
-                    <a:p>
-                      <a:pPr>
-                        <a:spcAft>
-                          <a:spcPts val="0"/>
-                        </a:spcAft>
-                        <a:tabLst>
-                          <a:tab pos="5626100" algn="l"/>
-                        </a:tabLst>
-                      </a:pPr>
                       <a:endParaRPr lang="pt-BR" sz="1800" dirty="0">
                         <a:solidFill>
                           <a:srgbClr val="000000"/>
@@ -9658,6 +9701,34 @@
                         <a:latin typeface="Arial" panose="020B0604020202020204" pitchFamily="34" charset="0"/>
                         <a:ea typeface="Arial" panose="020B0604020202020204" pitchFamily="34" charset="0"/>
                       </a:endParaRPr>
+                    </a:p>
+                  </a:txBody>
+                  <a:tcPr marL="68580" marR="68580" marT="0" marB="0"/>
+                </a:tc>
+                <a:tc>
+                  <a:txBody>
+                    <a:bodyPr/>
+                    <a:lstStyle/>
+                    <a:p>
+                      <a:pPr>
+                        <a:spcAft>
+                          <a:spcPts val="0"/>
+                        </a:spcAft>
+                        <a:tabLst>
+                          <a:tab pos="5626100" algn="l"/>
+                        </a:tabLst>
+                      </a:pPr>
+                      <a:r>
+                        <a:rPr lang="pt-BR" sz="1800" dirty="0">
+                          <a:solidFill>
+                            <a:srgbClr val="000000"/>
+                          </a:solidFill>
+                          <a:effectLst/>
+                          <a:latin typeface="Arial" panose="020B0604020202020204" pitchFamily="34" charset="0"/>
+                          <a:ea typeface="Arial" panose="020B0604020202020204" pitchFamily="34" charset="0"/>
+                        </a:rPr>
+                        <a:t>-</a:t>
+                      </a:r>
                     </a:p>
                   </a:txBody>
                   <a:tcPr marL="68580" marR="68580" marT="0" marB="0"/>
@@ -9683,106 +9754,109 @@
                         </a:tabLst>
                       </a:pPr>
                       <a:r>
-                        <a:rPr lang="pt-BR" sz="1800">
+                        <a:rPr lang="pt-BR" sz="1800" dirty="0">
                           <a:effectLst/>
                         </a:rPr>
                         <a:t>RF0014</a:t>
                       </a:r>
-                      <a:endParaRPr lang="pt-BR" sz="1800">
-                        <a:solidFill>
-                          <a:srgbClr val="000000"/>
-                        </a:solidFill>
-                        <a:effectLst/>
-                        <a:latin typeface="Arial" panose="020B0604020202020204" pitchFamily="34" charset="0"/>
-                        <a:ea typeface="Arial" panose="020B0604020202020204" pitchFamily="34" charset="0"/>
-                      </a:endParaRPr>
-                    </a:p>
-                  </a:txBody>
-                  <a:tcPr marL="68580" marR="68580" marT="0" marB="0"/>
-                </a:tc>
-                <a:tc>
-                  <a:txBody>
-                    <a:bodyPr/>
-                    <a:lstStyle/>
-                    <a:p>
-                      <a:pPr>
-                        <a:spcAft>
-                          <a:spcPts val="0"/>
-                        </a:spcAft>
-                        <a:tabLst>
-                          <a:tab pos="5626100" algn="l"/>
-                        </a:tabLst>
-                      </a:pPr>
-                      <a:r>
-                        <a:rPr lang="pt-BR" sz="1800">
+                      <a:endParaRPr lang="pt-BR" sz="1800" dirty="0">
+                        <a:solidFill>
+                          <a:srgbClr val="000000"/>
+                        </a:solidFill>
+                        <a:effectLst/>
+                        <a:latin typeface="Arial" panose="020B0604020202020204" pitchFamily="34" charset="0"/>
+                        <a:ea typeface="Arial" panose="020B0604020202020204" pitchFamily="34" charset="0"/>
+                      </a:endParaRPr>
+                    </a:p>
+                  </a:txBody>
+                  <a:tcPr marL="68580" marR="68580" marT="0" marB="0"/>
+                </a:tc>
+                <a:tc>
+                  <a:txBody>
+                    <a:bodyPr/>
+                    <a:lstStyle/>
+                    <a:p>
+                      <a:pPr>
+                        <a:spcAft>
+                          <a:spcPts val="0"/>
+                        </a:spcAft>
+                        <a:tabLst>
+                          <a:tab pos="5626100" algn="l"/>
+                        </a:tabLst>
+                      </a:pPr>
+                      <a:r>
+                        <a:rPr lang="pt-BR" sz="1800" dirty="0">
                           <a:effectLst/>
                         </a:rPr>
                         <a:t>Alterar cadastro de bebida</a:t>
                       </a:r>
-                      <a:endParaRPr lang="pt-BR" sz="1800">
-                        <a:solidFill>
-                          <a:srgbClr val="000000"/>
-                        </a:solidFill>
-                        <a:effectLst/>
-                        <a:latin typeface="Arial" panose="020B0604020202020204" pitchFamily="34" charset="0"/>
-                        <a:ea typeface="Arial" panose="020B0604020202020204" pitchFamily="34" charset="0"/>
-                      </a:endParaRPr>
-                    </a:p>
-                  </a:txBody>
-                  <a:tcPr marL="68580" marR="68580" marT="0" marB="0"/>
-                </a:tc>
-                <a:tc>
-                  <a:txBody>
-                    <a:bodyPr/>
-                    <a:lstStyle/>
-                    <a:p>
-                      <a:pPr>
-                        <a:spcAft>
-                          <a:spcPts val="0"/>
-                        </a:spcAft>
-                        <a:tabLst>
-                          <a:tab pos="5626100" algn="l"/>
-                        </a:tabLst>
-                      </a:pPr>
-                      <a:r>
-                        <a:rPr lang="pt-BR" sz="1800">
+                      <a:endParaRPr lang="pt-BR" sz="1800" dirty="0">
+                        <a:solidFill>
+                          <a:srgbClr val="000000"/>
+                        </a:solidFill>
+                        <a:effectLst/>
+                        <a:latin typeface="Arial" panose="020B0604020202020204" pitchFamily="34" charset="0"/>
+                        <a:ea typeface="Arial" panose="020B0604020202020204" pitchFamily="34" charset="0"/>
+                      </a:endParaRPr>
+                    </a:p>
+                  </a:txBody>
+                  <a:tcPr marL="68580" marR="68580" marT="0" marB="0"/>
+                </a:tc>
+                <a:tc>
+                  <a:txBody>
+                    <a:bodyPr/>
+                    <a:lstStyle/>
+                    <a:p>
+                      <a:pPr>
+                        <a:spcAft>
+                          <a:spcPts val="0"/>
+                        </a:spcAft>
+                        <a:tabLst>
+                          <a:tab pos="5626100" algn="l"/>
+                        </a:tabLst>
+                      </a:pPr>
+                      <a:r>
+                        <a:rPr lang="pt-BR" sz="1800" dirty="0">
                           <a:effectLst/>
                         </a:rPr>
                         <a:t>O sistema deve possibilitar a alteração de dados cadastrais para as bebidas.</a:t>
                       </a:r>
-                      <a:endParaRPr lang="pt-BR" sz="1800">
-                        <a:solidFill>
-                          <a:srgbClr val="000000"/>
-                        </a:solidFill>
-                        <a:effectLst/>
-                        <a:latin typeface="Arial" panose="020B0604020202020204" pitchFamily="34" charset="0"/>
-                        <a:ea typeface="Arial" panose="020B0604020202020204" pitchFamily="34" charset="0"/>
-                      </a:endParaRPr>
-                    </a:p>
-                  </a:txBody>
-                  <a:tcPr marL="68580" marR="68580" marT="0" marB="0"/>
-                </a:tc>
-                <a:tc>
-                  <a:txBody>
-                    <a:bodyPr/>
-                    <a:lstStyle/>
-                    <a:p>
-                      <a:pPr>
-                        <a:spcAft>
-                          <a:spcPts val="0"/>
-                        </a:spcAft>
-                        <a:tabLst>
-                          <a:tab pos="5626100" algn="l"/>
-                        </a:tabLst>
-                      </a:pPr>
-                      <a:endParaRPr lang="pt-BR" sz="1800">
-                        <a:solidFill>
-                          <a:srgbClr val="000000"/>
-                        </a:solidFill>
-                        <a:effectLst/>
-                        <a:latin typeface="Arial" panose="020B0604020202020204" pitchFamily="34" charset="0"/>
-                        <a:ea typeface="Arial" panose="020B0604020202020204" pitchFamily="34" charset="0"/>
-                      </a:endParaRPr>
+                      <a:endParaRPr lang="pt-BR" sz="1800" dirty="0">
+                        <a:solidFill>
+                          <a:srgbClr val="000000"/>
+                        </a:solidFill>
+                        <a:effectLst/>
+                        <a:latin typeface="Arial" panose="020B0604020202020204" pitchFamily="34" charset="0"/>
+                        <a:ea typeface="Arial" panose="020B0604020202020204" pitchFamily="34" charset="0"/>
+                      </a:endParaRPr>
+                    </a:p>
+                  </a:txBody>
+                  <a:tcPr marL="68580" marR="68580" marT="0" marB="0"/>
+                </a:tc>
+                <a:tc>
+                  <a:txBody>
+                    <a:bodyPr/>
+                    <a:lstStyle/>
+                    <a:p>
+                      <a:pPr>
+                        <a:spcAft>
+                          <a:spcPts val="0"/>
+                        </a:spcAft>
+                        <a:tabLst>
+                          <a:tab pos="5626100" algn="l"/>
+                        </a:tabLst>
+                      </a:pPr>
+                      <a:r>
+                        <a:rPr lang="pt-BR" sz="1800" dirty="0">
+                          <a:solidFill>
+                            <a:srgbClr val="000000"/>
+                          </a:solidFill>
+                          <a:effectLst/>
+                          <a:latin typeface="Arial" panose="020B0604020202020204" pitchFamily="34" charset="0"/>
+                          <a:ea typeface="Arial" panose="020B0604020202020204" pitchFamily="34" charset="0"/>
+                        </a:rPr>
+                        <a:t>OK</a:t>
+                      </a:r>
                     </a:p>
                   </a:txBody>
                   <a:tcPr marL="68580" marR="68580" marT="0" marB="0"/>
@@ -9808,106 +9882,109 @@
                         </a:tabLst>
                       </a:pPr>
                       <a:r>
-                        <a:rPr lang="pt-BR" sz="1800">
+                        <a:rPr lang="pt-BR" sz="1800" dirty="0">
                           <a:effectLst/>
                         </a:rPr>
                         <a:t>RF0015</a:t>
                       </a:r>
-                      <a:endParaRPr lang="pt-BR" sz="1800">
-                        <a:solidFill>
-                          <a:srgbClr val="000000"/>
-                        </a:solidFill>
-                        <a:effectLst/>
-                        <a:latin typeface="Arial" panose="020B0604020202020204" pitchFamily="34" charset="0"/>
-                        <a:ea typeface="Arial" panose="020B0604020202020204" pitchFamily="34" charset="0"/>
-                      </a:endParaRPr>
-                    </a:p>
-                  </a:txBody>
-                  <a:tcPr marL="68580" marR="68580" marT="0" marB="0"/>
-                </a:tc>
-                <a:tc>
-                  <a:txBody>
-                    <a:bodyPr/>
-                    <a:lstStyle/>
-                    <a:p>
-                      <a:pPr>
-                        <a:spcAft>
-                          <a:spcPts val="0"/>
-                        </a:spcAft>
-                        <a:tabLst>
-                          <a:tab pos="5626100" algn="l"/>
-                        </a:tabLst>
-                      </a:pPr>
-                      <a:r>
-                        <a:rPr lang="pt-BR" sz="1800">
+                      <a:endParaRPr lang="pt-BR" sz="1800" dirty="0">
+                        <a:solidFill>
+                          <a:srgbClr val="000000"/>
+                        </a:solidFill>
+                        <a:effectLst/>
+                        <a:latin typeface="Arial" panose="020B0604020202020204" pitchFamily="34" charset="0"/>
+                        <a:ea typeface="Arial" panose="020B0604020202020204" pitchFamily="34" charset="0"/>
+                      </a:endParaRPr>
+                    </a:p>
+                  </a:txBody>
+                  <a:tcPr marL="68580" marR="68580" marT="0" marB="0"/>
+                </a:tc>
+                <a:tc>
+                  <a:txBody>
+                    <a:bodyPr/>
+                    <a:lstStyle/>
+                    <a:p>
+                      <a:pPr>
+                        <a:spcAft>
+                          <a:spcPts val="0"/>
+                        </a:spcAft>
+                        <a:tabLst>
+                          <a:tab pos="5626100" algn="l"/>
+                        </a:tabLst>
+                      </a:pPr>
+                      <a:r>
+                        <a:rPr lang="pt-BR" sz="1800" dirty="0">
                           <a:effectLst/>
                         </a:rPr>
                         <a:t>Consulta de bebida</a:t>
                       </a:r>
-                      <a:endParaRPr lang="pt-BR" sz="1800">
-                        <a:solidFill>
-                          <a:srgbClr val="000000"/>
-                        </a:solidFill>
-                        <a:effectLst/>
-                        <a:latin typeface="Arial" panose="020B0604020202020204" pitchFamily="34" charset="0"/>
-                        <a:ea typeface="Arial" panose="020B0604020202020204" pitchFamily="34" charset="0"/>
-                      </a:endParaRPr>
-                    </a:p>
-                  </a:txBody>
-                  <a:tcPr marL="68580" marR="68580" marT="0" marB="0"/>
-                </a:tc>
-                <a:tc>
-                  <a:txBody>
-                    <a:bodyPr/>
-                    <a:lstStyle/>
-                    <a:p>
-                      <a:pPr>
-                        <a:spcAft>
-                          <a:spcPts val="0"/>
-                        </a:spcAft>
-                        <a:tabLst>
-                          <a:tab pos="5626100" algn="l"/>
-                        </a:tabLst>
-                      </a:pPr>
-                      <a:r>
-                        <a:rPr lang="pt-BR" sz="1800">
+                      <a:endParaRPr lang="pt-BR" sz="1800" dirty="0">
+                        <a:solidFill>
+                          <a:srgbClr val="000000"/>
+                        </a:solidFill>
+                        <a:effectLst/>
+                        <a:latin typeface="Arial" panose="020B0604020202020204" pitchFamily="34" charset="0"/>
+                        <a:ea typeface="Arial" panose="020B0604020202020204" pitchFamily="34" charset="0"/>
+                      </a:endParaRPr>
+                    </a:p>
+                  </a:txBody>
+                  <a:tcPr marL="68580" marR="68580" marT="0" marB="0"/>
+                </a:tc>
+                <a:tc>
+                  <a:txBody>
+                    <a:bodyPr/>
+                    <a:lstStyle/>
+                    <a:p>
+                      <a:pPr>
+                        <a:spcAft>
+                          <a:spcPts val="0"/>
+                        </a:spcAft>
+                        <a:tabLst>
+                          <a:tab pos="5626100" algn="l"/>
+                        </a:tabLst>
+                      </a:pPr>
+                      <a:r>
+                        <a:rPr lang="pt-BR" sz="1800" dirty="0">
                           <a:effectLst/>
                         </a:rPr>
                         <a:t>O sistema deve possibilitar que uma bebida seja consultada com base em um filtro definido pelo usuário. Todos os campos utilizados para identificação da bebida podem ser utilizados como filtro, tanto de forma combinada como de forma isolada.</a:t>
                       </a:r>
-                      <a:endParaRPr lang="pt-BR" sz="1800">
-                        <a:solidFill>
-                          <a:srgbClr val="000000"/>
-                        </a:solidFill>
-                        <a:effectLst/>
-                        <a:latin typeface="Arial" panose="020B0604020202020204" pitchFamily="34" charset="0"/>
-                        <a:ea typeface="Arial" panose="020B0604020202020204" pitchFamily="34" charset="0"/>
-                      </a:endParaRPr>
-                    </a:p>
-                  </a:txBody>
-                  <a:tcPr marL="68580" marR="68580" marT="0" marB="0"/>
-                </a:tc>
-                <a:tc>
-                  <a:txBody>
-                    <a:bodyPr/>
-                    <a:lstStyle/>
-                    <a:p>
-                      <a:pPr>
-                        <a:spcAft>
-                          <a:spcPts val="0"/>
-                        </a:spcAft>
-                        <a:tabLst>
-                          <a:tab pos="5626100" algn="l"/>
-                        </a:tabLst>
-                      </a:pPr>
-                      <a:endParaRPr lang="pt-BR" sz="1800">
-                        <a:solidFill>
-                          <a:srgbClr val="000000"/>
-                        </a:solidFill>
-                        <a:effectLst/>
-                        <a:latin typeface="Arial" panose="020B0604020202020204" pitchFamily="34" charset="0"/>
-                        <a:ea typeface="Arial" panose="020B0604020202020204" pitchFamily="34" charset="0"/>
-                      </a:endParaRPr>
+                      <a:endParaRPr lang="pt-BR" sz="1800" dirty="0">
+                        <a:solidFill>
+                          <a:srgbClr val="000000"/>
+                        </a:solidFill>
+                        <a:effectLst/>
+                        <a:latin typeface="Arial" panose="020B0604020202020204" pitchFamily="34" charset="0"/>
+                        <a:ea typeface="Arial" panose="020B0604020202020204" pitchFamily="34" charset="0"/>
+                      </a:endParaRPr>
+                    </a:p>
+                  </a:txBody>
+                  <a:tcPr marL="68580" marR="68580" marT="0" marB="0"/>
+                </a:tc>
+                <a:tc>
+                  <a:txBody>
+                    <a:bodyPr/>
+                    <a:lstStyle/>
+                    <a:p>
+                      <a:pPr>
+                        <a:spcAft>
+                          <a:spcPts val="0"/>
+                        </a:spcAft>
+                        <a:tabLst>
+                          <a:tab pos="5626100" algn="l"/>
+                        </a:tabLst>
+                      </a:pPr>
+                      <a:r>
+                        <a:rPr lang="pt-BR" sz="1800" dirty="0">
+                          <a:solidFill>
+                            <a:srgbClr val="000000"/>
+                          </a:solidFill>
+                          <a:effectLst/>
+                          <a:latin typeface="Arial" panose="020B0604020202020204" pitchFamily="34" charset="0"/>
+                          <a:ea typeface="Arial" panose="020B0604020202020204" pitchFamily="34" charset="0"/>
+                        </a:rPr>
+                        <a:t>OK</a:t>
+                      </a:r>
                     </a:p>
                   </a:txBody>
                   <a:tcPr marL="68580" marR="68580" marT="0" marB="0"/>
@@ -9933,43 +10010,43 @@
                         </a:tabLst>
                       </a:pPr>
                       <a:r>
-                        <a:rPr lang="pt-BR" sz="1800">
+                        <a:rPr lang="pt-BR" sz="1800" dirty="0">
                           <a:effectLst/>
                         </a:rPr>
                         <a:t>RF0016</a:t>
                       </a:r>
-                      <a:endParaRPr lang="pt-BR" sz="1800">
-                        <a:solidFill>
-                          <a:srgbClr val="000000"/>
-                        </a:solidFill>
-                        <a:effectLst/>
-                        <a:latin typeface="Arial" panose="020B0604020202020204" pitchFamily="34" charset="0"/>
-                        <a:ea typeface="Arial" panose="020B0604020202020204" pitchFamily="34" charset="0"/>
-                      </a:endParaRPr>
-                    </a:p>
-                  </a:txBody>
-                  <a:tcPr marL="68580" marR="68580" marT="0" marB="0"/>
-                </a:tc>
-                <a:tc>
-                  <a:txBody>
-                    <a:bodyPr/>
-                    <a:lstStyle/>
-                    <a:p>
-                      <a:pPr>
-                        <a:spcAft>
-                          <a:spcPts val="0"/>
-                        </a:spcAft>
-                        <a:tabLst>
-                          <a:tab pos="5626100" algn="l"/>
-                        </a:tabLst>
-                      </a:pPr>
-                      <a:r>
-                        <a:rPr lang="pt-BR" sz="1800">
+                      <a:endParaRPr lang="pt-BR" sz="1800" dirty="0">
+                        <a:solidFill>
+                          <a:srgbClr val="000000"/>
+                        </a:solidFill>
+                        <a:effectLst/>
+                        <a:latin typeface="Arial" panose="020B0604020202020204" pitchFamily="34" charset="0"/>
+                        <a:ea typeface="Arial" panose="020B0604020202020204" pitchFamily="34" charset="0"/>
+                      </a:endParaRPr>
+                    </a:p>
+                  </a:txBody>
+                  <a:tcPr marL="68580" marR="68580" marT="0" marB="0"/>
+                </a:tc>
+                <a:tc>
+                  <a:txBody>
+                    <a:bodyPr/>
+                    <a:lstStyle/>
+                    <a:p>
+                      <a:pPr>
+                        <a:spcAft>
+                          <a:spcPts val="0"/>
+                        </a:spcAft>
+                        <a:tabLst>
+                          <a:tab pos="5626100" algn="l"/>
+                        </a:tabLst>
+                      </a:pPr>
+                      <a:r>
+                        <a:rPr lang="pt-BR" sz="1800" dirty="0">
                           <a:effectLst/>
                         </a:rPr>
                         <a:t>Ativar cadastro de bebida</a:t>
                       </a:r>
-                      <a:endParaRPr lang="pt-BR" sz="1800">
+                      <a:endParaRPr lang="pt-BR" sz="1800" dirty="0">
                         <a:solidFill>
                           <a:srgbClr val="000000"/>
                         </a:solidFill>
@@ -10025,14 +10102,17 @@
                           <a:tab pos="5626100" algn="l"/>
                         </a:tabLst>
                       </a:pPr>
-                      <a:endParaRPr lang="pt-BR" sz="1800" dirty="0">
-                        <a:solidFill>
-                          <a:srgbClr val="000000"/>
-                        </a:solidFill>
-                        <a:effectLst/>
-                        <a:latin typeface="Arial" panose="020B0604020202020204" pitchFamily="34" charset="0"/>
-                        <a:ea typeface="Arial" panose="020B0604020202020204" pitchFamily="34" charset="0"/>
-                      </a:endParaRPr>
+                      <a:r>
+                        <a:rPr lang="pt-BR" sz="1800" dirty="0">
+                          <a:solidFill>
+                            <a:srgbClr val="000000"/>
+                          </a:solidFill>
+                          <a:effectLst/>
+                          <a:latin typeface="Arial" panose="020B0604020202020204" pitchFamily="34" charset="0"/>
+                          <a:ea typeface="Arial" panose="020B0604020202020204" pitchFamily="34" charset="0"/>
+                        </a:rPr>
+                        <a:t>OK</a:t>
+                      </a:r>
                     </a:p>
                   </a:txBody>
                   <a:tcPr marL="68580" marR="68580" marT="0" marB="0"/>
@@ -10093,7 +10173,7 @@
             <p:ph idx="1"/>
             <p:extLst>
               <p:ext uri="{D42A27DB-BD31-4B8C-83A1-F6EECF244321}">
-                <p14:modId xmlns:p14="http://schemas.microsoft.com/office/powerpoint/2010/main" val="1192055502"/>
+                <p14:modId xmlns:p14="http://schemas.microsoft.com/office/powerpoint/2010/main" val="3161822614"/>
               </p:ext>
             </p:extLst>
           </p:nvPr>
@@ -10322,14 +10402,17 @@
                           <a:tab pos="5626100" algn="l"/>
                         </a:tabLst>
                       </a:pPr>
-                      <a:endParaRPr lang="pt-BR" sz="1600">
-                        <a:solidFill>
-                          <a:srgbClr val="000000"/>
-                        </a:solidFill>
-                        <a:effectLst/>
-                        <a:latin typeface="Arial" panose="020B0604020202020204" pitchFamily="34" charset="0"/>
-                        <a:ea typeface="Arial" panose="020B0604020202020204" pitchFamily="34" charset="0"/>
-                      </a:endParaRPr>
+                      <a:r>
+                        <a:rPr lang="pt-BR" sz="1600" dirty="0">
+                          <a:solidFill>
+                            <a:srgbClr val="000000"/>
+                          </a:solidFill>
+                          <a:effectLst/>
+                          <a:latin typeface="Arial" panose="020B0604020202020204" pitchFamily="34" charset="0"/>
+                          <a:ea typeface="Arial" panose="020B0604020202020204" pitchFamily="34" charset="0"/>
+                        </a:rPr>
+                        <a:t>OK</a:t>
+                      </a:r>
                     </a:p>
                   </a:txBody>
                   <a:tcPr marL="62093" marR="62093" marT="0" marB="0"/>
@@ -10352,12 +10435,12 @@
                         </a:spcAft>
                       </a:pPr>
                       <a:r>
-                        <a:rPr lang="pt-BR" sz="1600">
+                        <a:rPr lang="pt-BR" sz="1600" dirty="0">
                           <a:effectLst/>
                         </a:rPr>
                         <a:t>RF0022</a:t>
                       </a:r>
-                      <a:endParaRPr lang="pt-BR" sz="1600">
+                      <a:endParaRPr lang="pt-BR" sz="1600" dirty="0">
                         <a:solidFill>
                           <a:srgbClr val="000000"/>
                         </a:solidFill>
@@ -10380,12 +10463,12 @@
                         </a:spcAft>
                       </a:pPr>
                       <a:r>
-                        <a:rPr lang="pt-BR" sz="1600">
+                        <a:rPr lang="pt-BR" sz="1600" dirty="0">
                           <a:effectLst/>
                         </a:rPr>
                         <a:t>Alterar cliente</a:t>
                       </a:r>
-                      <a:endParaRPr lang="pt-BR" sz="1600">
+                      <a:endParaRPr lang="pt-BR" sz="1600" dirty="0">
                         <a:solidFill>
                           <a:srgbClr val="000000"/>
                         </a:solidFill>
@@ -10411,12 +10494,12 @@
                         </a:tabLst>
                       </a:pPr>
                       <a:r>
-                        <a:rPr lang="pt-BR" sz="1600">
+                        <a:rPr lang="pt-BR" sz="1600" dirty="0">
                           <a:effectLst/>
                         </a:rPr>
                         <a:t>O sistema deve possibilitar a alteração de dados cadastrais de clientes.</a:t>
                       </a:r>
-                      <a:endParaRPr lang="pt-BR" sz="1600">
+                      <a:endParaRPr lang="pt-BR" sz="1600" dirty="0">
                         <a:solidFill>
                           <a:srgbClr val="000000"/>
                         </a:solidFill>
@@ -10441,14 +10524,17 @@
                           <a:tab pos="5626100" algn="l"/>
                         </a:tabLst>
                       </a:pPr>
-                      <a:endParaRPr lang="pt-BR" sz="1600">
-                        <a:solidFill>
-                          <a:srgbClr val="000000"/>
-                        </a:solidFill>
-                        <a:effectLst/>
-                        <a:latin typeface="Arial" panose="020B0604020202020204" pitchFamily="34" charset="0"/>
-                        <a:ea typeface="Arial" panose="020B0604020202020204" pitchFamily="34" charset="0"/>
-                      </a:endParaRPr>
+                      <a:r>
+                        <a:rPr lang="pt-BR" sz="1600" dirty="0">
+                          <a:solidFill>
+                            <a:srgbClr val="000000"/>
+                          </a:solidFill>
+                          <a:effectLst/>
+                          <a:latin typeface="Arial" panose="020B0604020202020204" pitchFamily="34" charset="0"/>
+                          <a:ea typeface="Arial" panose="020B0604020202020204" pitchFamily="34" charset="0"/>
+                        </a:rPr>
+                        <a:t>OK</a:t>
+                      </a:r>
                     </a:p>
                   </a:txBody>
                   <a:tcPr marL="62093" marR="62093" marT="0" marB="0"/>
@@ -10471,12 +10557,12 @@
                         </a:spcAft>
                       </a:pPr>
                       <a:r>
-                        <a:rPr lang="pt-BR" sz="1600">
+                        <a:rPr lang="pt-BR" sz="1600" dirty="0">
                           <a:effectLst/>
                         </a:rPr>
                         <a:t>RF0023</a:t>
                       </a:r>
-                      <a:endParaRPr lang="pt-BR" sz="1600">
+                      <a:endParaRPr lang="pt-BR" sz="1600" dirty="0">
                         <a:solidFill>
                           <a:srgbClr val="000000"/>
                         </a:solidFill>
@@ -10502,12 +10588,12 @@
                         </a:tabLst>
                       </a:pPr>
                       <a:r>
-                        <a:rPr lang="pt-BR" sz="1600">
+                        <a:rPr lang="pt-BR" sz="1600" dirty="0">
                           <a:effectLst/>
                         </a:rPr>
                         <a:t>Inativar cadastro de cliente</a:t>
                       </a:r>
-                      <a:endParaRPr lang="pt-BR" sz="1600">
+                      <a:endParaRPr lang="pt-BR" sz="1600" dirty="0">
                         <a:solidFill>
                           <a:srgbClr val="000000"/>
                         </a:solidFill>
@@ -10563,14 +10649,17 @@
                           <a:tab pos="5626100" algn="l"/>
                         </a:tabLst>
                       </a:pPr>
-                      <a:endParaRPr lang="pt-BR" sz="1600">
-                        <a:solidFill>
-                          <a:srgbClr val="000000"/>
-                        </a:solidFill>
-                        <a:effectLst/>
-                        <a:latin typeface="Arial" panose="020B0604020202020204" pitchFamily="34" charset="0"/>
-                        <a:ea typeface="Arial" panose="020B0604020202020204" pitchFamily="34" charset="0"/>
-                      </a:endParaRPr>
+                      <a:r>
+                        <a:rPr lang="pt-BR" sz="1600" dirty="0">
+                          <a:solidFill>
+                            <a:srgbClr val="000000"/>
+                          </a:solidFill>
+                          <a:effectLst/>
+                          <a:latin typeface="Arial" panose="020B0604020202020204" pitchFamily="34" charset="0"/>
+                          <a:ea typeface="Arial" panose="020B0604020202020204" pitchFamily="34" charset="0"/>
+                        </a:rPr>
+                        <a:t>OK</a:t>
+                      </a:r>
                     </a:p>
                   </a:txBody>
                   <a:tcPr marL="62093" marR="62093" marT="0" marB="0"/>
@@ -10593,12 +10682,12 @@
                         </a:spcAft>
                       </a:pPr>
                       <a:r>
-                        <a:rPr lang="pt-BR" sz="1600">
+                        <a:rPr lang="pt-BR" sz="1600" dirty="0">
                           <a:effectLst/>
                         </a:rPr>
                         <a:t>RF0024</a:t>
                       </a:r>
-                      <a:endParaRPr lang="pt-BR" sz="1600">
+                      <a:endParaRPr lang="pt-BR" sz="1600" dirty="0">
                         <a:solidFill>
                           <a:srgbClr val="000000"/>
                         </a:solidFill>
@@ -10624,12 +10713,12 @@
                         </a:tabLst>
                       </a:pPr>
                       <a:r>
-                        <a:rPr lang="pt-BR" sz="1600">
+                        <a:rPr lang="pt-BR" sz="1600" dirty="0">
                           <a:effectLst/>
                         </a:rPr>
                         <a:t>Consulta de clientes</a:t>
                       </a:r>
-                      <a:endParaRPr lang="pt-BR" sz="1600">
+                      <a:endParaRPr lang="pt-BR" sz="1600" dirty="0">
                         <a:solidFill>
                           <a:srgbClr val="000000"/>
                         </a:solidFill>
@@ -10685,14 +10774,17 @@
                           <a:tab pos="5626100" algn="l"/>
                         </a:tabLst>
                       </a:pPr>
-                      <a:endParaRPr lang="pt-BR" sz="1600" dirty="0">
-                        <a:solidFill>
-                          <a:srgbClr val="000000"/>
-                        </a:solidFill>
-                        <a:effectLst/>
-                        <a:latin typeface="Arial" panose="020B0604020202020204" pitchFamily="34" charset="0"/>
-                        <a:ea typeface="Arial" panose="020B0604020202020204" pitchFamily="34" charset="0"/>
-                      </a:endParaRPr>
+                      <a:r>
+                        <a:rPr lang="pt-BR" sz="1600" dirty="0">
+                          <a:solidFill>
+                            <a:srgbClr val="000000"/>
+                          </a:solidFill>
+                          <a:effectLst/>
+                          <a:latin typeface="Arial" panose="020B0604020202020204" pitchFamily="34" charset="0"/>
+                          <a:ea typeface="Arial" panose="020B0604020202020204" pitchFamily="34" charset="0"/>
+                        </a:rPr>
+                        <a:t>OK</a:t>
+                      </a:r>
                     </a:p>
                   </a:txBody>
                   <a:tcPr marL="62093" marR="62093" marT="0" marB="0"/>
@@ -10715,12 +10807,12 @@
                         </a:spcAft>
                       </a:pPr>
                       <a:r>
-                        <a:rPr lang="pt-BR" sz="1600">
+                        <a:rPr lang="pt-BR" sz="1600" dirty="0">
                           <a:effectLst/>
                         </a:rPr>
                         <a:t>RF0025</a:t>
                       </a:r>
-                      <a:endParaRPr lang="pt-BR" sz="1600">
+                      <a:endParaRPr lang="pt-BR" sz="1600" dirty="0">
                         <a:solidFill>
                           <a:srgbClr val="000000"/>
                         </a:solidFill>
@@ -10743,12 +10835,12 @@
                         </a:spcAft>
                       </a:pPr>
                       <a:r>
-                        <a:rPr lang="pt-BR" sz="1600">
+                        <a:rPr lang="pt-BR" sz="1600" dirty="0">
                           <a:effectLst/>
                         </a:rPr>
                         <a:t>Consulta de transações</a:t>
                       </a:r>
-                      <a:endParaRPr lang="pt-BR" sz="1600">
+                      <a:endParaRPr lang="pt-BR" sz="1600" dirty="0">
                         <a:solidFill>
                           <a:srgbClr val="000000"/>
                         </a:solidFill>
@@ -10774,12 +10866,12 @@
                         </a:tabLst>
                       </a:pPr>
                       <a:r>
-                        <a:rPr lang="pt-BR" sz="1600">
+                        <a:rPr lang="pt-BR" sz="1600" dirty="0">
                           <a:effectLst/>
                         </a:rPr>
                         <a:t>O sistema deve disponibilizar no cadastro de clientes a consulta de todas transações já realizadas pelo mesmo.</a:t>
                       </a:r>
-                      <a:endParaRPr lang="pt-BR" sz="1600">
+                      <a:endParaRPr lang="pt-BR" sz="1600" dirty="0">
                         <a:solidFill>
                           <a:srgbClr val="000000"/>
                         </a:solidFill>
@@ -10804,14 +10896,17 @@
                           <a:tab pos="5626100" algn="l"/>
                         </a:tabLst>
                       </a:pPr>
-                      <a:endParaRPr lang="pt-BR" sz="1600">
-                        <a:solidFill>
-                          <a:srgbClr val="000000"/>
-                        </a:solidFill>
-                        <a:effectLst/>
-                        <a:latin typeface="Arial" panose="020B0604020202020204" pitchFamily="34" charset="0"/>
-                        <a:ea typeface="Arial" panose="020B0604020202020204" pitchFamily="34" charset="0"/>
-                      </a:endParaRPr>
+                      <a:r>
+                        <a:rPr lang="pt-BR" sz="1600" dirty="0">
+                          <a:solidFill>
+                            <a:srgbClr val="000000"/>
+                          </a:solidFill>
+                          <a:effectLst/>
+                          <a:latin typeface="Arial" panose="020B0604020202020204" pitchFamily="34" charset="0"/>
+                          <a:ea typeface="Arial" panose="020B0604020202020204" pitchFamily="34" charset="0"/>
+                        </a:rPr>
+                        <a:t>OK</a:t>
+                      </a:r>
                     </a:p>
                   </a:txBody>
                   <a:tcPr marL="62093" marR="62093" marT="0" marB="0"/>
@@ -10834,12 +10929,12 @@
                         </a:spcAft>
                       </a:pPr>
                       <a:r>
-                        <a:rPr lang="pt-BR" sz="1600">
+                        <a:rPr lang="pt-BR" sz="1600" dirty="0">
                           <a:effectLst/>
                         </a:rPr>
                         <a:t>RF0026</a:t>
                       </a:r>
-                      <a:endParaRPr lang="pt-BR" sz="1600">
+                      <a:endParaRPr lang="pt-BR" sz="1600" dirty="0">
                         <a:solidFill>
                           <a:srgbClr val="000000"/>
                         </a:solidFill>
@@ -10862,12 +10957,12 @@
                         </a:spcAft>
                       </a:pPr>
                       <a:r>
-                        <a:rPr lang="pt-BR" sz="1600">
+                        <a:rPr lang="pt-BR" sz="1600" dirty="0">
                           <a:effectLst/>
                         </a:rPr>
                         <a:t>Cadastro de endereços de entrega</a:t>
                       </a:r>
-                      <a:endParaRPr lang="pt-BR" sz="1600">
+                      <a:endParaRPr lang="pt-BR" sz="1600" dirty="0">
                         <a:solidFill>
                           <a:srgbClr val="000000"/>
                         </a:solidFill>
@@ -10893,12 +10988,12 @@
                         </a:tabLst>
                       </a:pPr>
                       <a:r>
-                        <a:rPr lang="pt-BR" sz="1600">
+                        <a:rPr lang="pt-BR" sz="1600" dirty="0">
                           <a:effectLst/>
                         </a:rPr>
                         <a:t>Deve ser possível associar diversos endereços de entrega ao cadastro de um cliente. Cada cadastro de endereço deve ser identificado com um nome composto de uma frase curta. </a:t>
                       </a:r>
-                      <a:endParaRPr lang="pt-BR" sz="1600">
+                      <a:endParaRPr lang="pt-BR" sz="1600" dirty="0">
                         <a:solidFill>
                           <a:srgbClr val="000000"/>
                         </a:solidFill>
@@ -10923,14 +11018,17 @@
                           <a:tab pos="5626100" algn="l"/>
                         </a:tabLst>
                       </a:pPr>
-                      <a:endParaRPr lang="pt-BR" sz="1600">
-                        <a:solidFill>
-                          <a:srgbClr val="000000"/>
-                        </a:solidFill>
-                        <a:effectLst/>
-                        <a:latin typeface="Arial" panose="020B0604020202020204" pitchFamily="34" charset="0"/>
-                        <a:ea typeface="Arial" panose="020B0604020202020204" pitchFamily="34" charset="0"/>
-                      </a:endParaRPr>
+                      <a:r>
+                        <a:rPr lang="pt-BR" sz="1600" dirty="0">
+                          <a:solidFill>
+                            <a:srgbClr val="000000"/>
+                          </a:solidFill>
+                          <a:effectLst/>
+                          <a:latin typeface="Arial" panose="020B0604020202020204" pitchFamily="34" charset="0"/>
+                          <a:ea typeface="Arial" panose="020B0604020202020204" pitchFamily="34" charset="0"/>
+                        </a:rPr>
+                        <a:t>OK</a:t>
+                      </a:r>
                     </a:p>
                   </a:txBody>
                   <a:tcPr marL="62093" marR="62093" marT="0" marB="0"/>
@@ -10953,12 +11051,12 @@
                         </a:spcAft>
                       </a:pPr>
                       <a:r>
-                        <a:rPr lang="pt-BR" sz="1600">
+                        <a:rPr lang="pt-BR" sz="1600" dirty="0">
                           <a:effectLst/>
                         </a:rPr>
                         <a:t>RF0027</a:t>
                       </a:r>
-                      <a:endParaRPr lang="pt-BR" sz="1600">
+                      <a:endParaRPr lang="pt-BR" sz="1600" dirty="0">
                         <a:solidFill>
                           <a:srgbClr val="000000"/>
                         </a:solidFill>
@@ -10981,12 +11079,12 @@
                         </a:spcAft>
                       </a:pPr>
                       <a:r>
-                        <a:rPr lang="pt-BR" sz="1600">
+                        <a:rPr lang="pt-BR" sz="1600" dirty="0">
                           <a:effectLst/>
                         </a:rPr>
                         <a:t>Cadastro de cartões de crédito</a:t>
                       </a:r>
-                      <a:endParaRPr lang="pt-BR" sz="1600">
+                      <a:endParaRPr lang="pt-BR" sz="1600" dirty="0">
                         <a:solidFill>
                           <a:srgbClr val="000000"/>
                         </a:solidFill>
@@ -11012,12 +11110,12 @@
                         </a:tabLst>
                       </a:pPr>
                       <a:r>
-                        <a:rPr lang="pt-BR" sz="1600">
+                        <a:rPr lang="pt-BR" sz="1600" dirty="0">
                           <a:effectLst/>
                         </a:rPr>
                         <a:t>Deve ser possível associar diversos cartões de crédito ao cadastro de um cliente. Deve haver um cartão de crédito configurado como preferencial. </a:t>
                       </a:r>
-                      <a:endParaRPr lang="pt-BR" sz="1600">
+                      <a:endParaRPr lang="pt-BR" sz="1600" dirty="0">
                         <a:solidFill>
                           <a:srgbClr val="000000"/>
                         </a:solidFill>
@@ -11042,14 +11140,17 @@
                           <a:tab pos="5626100" algn="l"/>
                         </a:tabLst>
                       </a:pPr>
-                      <a:endParaRPr lang="pt-BR" sz="1600">
-                        <a:solidFill>
-                          <a:srgbClr val="000000"/>
-                        </a:solidFill>
-                        <a:effectLst/>
-                        <a:latin typeface="Arial" panose="020B0604020202020204" pitchFamily="34" charset="0"/>
-                        <a:ea typeface="Arial" panose="020B0604020202020204" pitchFamily="34" charset="0"/>
-                      </a:endParaRPr>
+                      <a:r>
+                        <a:rPr lang="pt-BR" sz="1600" dirty="0">
+                          <a:solidFill>
+                            <a:srgbClr val="000000"/>
+                          </a:solidFill>
+                          <a:effectLst/>
+                          <a:latin typeface="Arial" panose="020B0604020202020204" pitchFamily="34" charset="0"/>
+                          <a:ea typeface="Arial" panose="020B0604020202020204" pitchFamily="34" charset="0"/>
+                        </a:rPr>
+                        <a:t>OK</a:t>
+                      </a:r>
                     </a:p>
                   </a:txBody>
                   <a:tcPr marL="62093" marR="62093" marT="0" marB="0"/>
@@ -11072,12 +11173,12 @@
                         </a:spcAft>
                       </a:pPr>
                       <a:r>
-                        <a:rPr lang="pt-BR" sz="1600">
+                        <a:rPr lang="pt-BR" sz="1600" dirty="0">
                           <a:effectLst/>
                         </a:rPr>
                         <a:t>RF0028</a:t>
                       </a:r>
-                      <a:endParaRPr lang="pt-BR" sz="1600">
+                      <a:endParaRPr lang="pt-BR" sz="1600" dirty="0">
                         <a:solidFill>
                           <a:srgbClr val="000000"/>
                         </a:solidFill>
@@ -11100,12 +11201,12 @@
                         </a:spcAft>
                       </a:pPr>
                       <a:r>
-                        <a:rPr lang="pt-BR" sz="1600">
+                        <a:rPr lang="pt-BR" sz="1600" dirty="0">
                           <a:effectLst/>
                         </a:rPr>
                         <a:t>Alteração apenas de senha</a:t>
                       </a:r>
-                      <a:endParaRPr lang="pt-BR" sz="1600">
+                      <a:endParaRPr lang="pt-BR" sz="1600" dirty="0">
                         <a:solidFill>
                           <a:srgbClr val="000000"/>
                         </a:solidFill>
@@ -11161,14 +11262,17 @@
                           <a:tab pos="5626100" algn="l"/>
                         </a:tabLst>
                       </a:pPr>
-                      <a:endParaRPr lang="pt-BR" sz="1600" dirty="0">
-                        <a:solidFill>
-                          <a:srgbClr val="000000"/>
-                        </a:solidFill>
-                        <a:effectLst/>
-                        <a:latin typeface="Arial" panose="020B0604020202020204" pitchFamily="34" charset="0"/>
-                        <a:ea typeface="Arial" panose="020B0604020202020204" pitchFamily="34" charset="0"/>
-                      </a:endParaRPr>
+                      <a:r>
+                        <a:rPr lang="pt-BR" sz="1600" dirty="0">
+                          <a:solidFill>
+                            <a:srgbClr val="000000"/>
+                          </a:solidFill>
+                          <a:effectLst/>
+                          <a:latin typeface="Arial" panose="020B0604020202020204" pitchFamily="34" charset="0"/>
+                          <a:ea typeface="Arial" panose="020B0604020202020204" pitchFamily="34" charset="0"/>
+                        </a:rPr>
+                        <a:t>OK</a:t>
+                      </a:r>
                     </a:p>
                   </a:txBody>
                   <a:tcPr marL="62093" marR="62093" marT="0" marB="0"/>
@@ -11228,14 +11332,14 @@
           <p:nvPr>
             <p:extLst>
               <p:ext uri="{D42A27DB-BD31-4B8C-83A1-F6EECF244321}">
-                <p14:modId xmlns:p14="http://schemas.microsoft.com/office/powerpoint/2010/main" val="1621441523"/>
+                <p14:modId xmlns:p14="http://schemas.microsoft.com/office/powerpoint/2010/main" val="2844868521"/>
               </p:ext>
             </p:extLst>
           </p:nvPr>
         </p:nvGraphicFramePr>
         <p:xfrm>
           <a:off x="370676" y="252209"/>
-          <a:ext cx="11450648" cy="6353582"/>
+          <a:ext cx="11450648" cy="5865902"/>
         </p:xfrm>
         <a:graphic>
           <a:graphicData uri="http://schemas.openxmlformats.org/drawingml/2006/table">
@@ -11451,14 +11555,17 @@
                           <a:tab pos="5626100" algn="l"/>
                         </a:tabLst>
                       </a:pPr>
-                      <a:endParaRPr lang="pt-BR" sz="1600">
-                        <a:solidFill>
-                          <a:srgbClr val="000000"/>
-                        </a:solidFill>
-                        <a:effectLst/>
-                        <a:latin typeface="Arial" panose="020B0604020202020204" pitchFamily="34" charset="0"/>
-                        <a:ea typeface="Arial" panose="020B0604020202020204" pitchFamily="34" charset="0"/>
-                      </a:endParaRPr>
+                      <a:r>
+                        <a:rPr lang="pt-BR" sz="1600" dirty="0">
+                          <a:solidFill>
+                            <a:srgbClr val="000000"/>
+                          </a:solidFill>
+                          <a:effectLst/>
+                          <a:latin typeface="Arial" panose="020B0604020202020204" pitchFamily="34" charset="0"/>
+                          <a:ea typeface="Arial" panose="020B0604020202020204" pitchFamily="34" charset="0"/>
+                        </a:rPr>
+                        <a:t>OK</a:t>
+                      </a:r>
                     </a:p>
                   </a:txBody>
                   <a:tcPr marL="43120" marR="43120" marT="0" marB="0"/>
@@ -11481,12 +11588,12 @@
                         </a:spcAft>
                       </a:pPr>
                       <a:r>
-                        <a:rPr lang="pt-BR" sz="1600">
+                        <a:rPr lang="pt-BR" sz="1600" dirty="0">
                           <a:effectLst/>
                         </a:rPr>
                         <a:t>RF0032</a:t>
                       </a:r>
-                      <a:endParaRPr lang="pt-BR" sz="1600">
+                      <a:endParaRPr lang="pt-BR" sz="1600" dirty="0">
                         <a:solidFill>
                           <a:srgbClr val="000000"/>
                         </a:solidFill>
@@ -11509,12 +11616,12 @@
                         </a:spcAft>
                       </a:pPr>
                       <a:r>
-                        <a:rPr lang="pt-BR" sz="1600">
+                        <a:rPr lang="pt-BR" sz="1600" dirty="0">
                           <a:effectLst/>
                         </a:rPr>
                         <a:t>Definir quantidade de itens no para o carrinho</a:t>
                       </a:r>
-                      <a:endParaRPr lang="pt-BR" sz="1600">
+                      <a:endParaRPr lang="pt-BR" sz="1600" dirty="0">
                         <a:solidFill>
                           <a:srgbClr val="000000"/>
                         </a:solidFill>
@@ -11570,14 +11677,17 @@
                           <a:tab pos="5626100" algn="l"/>
                         </a:tabLst>
                       </a:pPr>
-                      <a:endParaRPr lang="pt-BR" sz="1600" dirty="0">
-                        <a:solidFill>
-                          <a:srgbClr val="000000"/>
-                        </a:solidFill>
-                        <a:effectLst/>
-                        <a:latin typeface="Arial" panose="020B0604020202020204" pitchFamily="34" charset="0"/>
-                        <a:ea typeface="Arial" panose="020B0604020202020204" pitchFamily="34" charset="0"/>
-                      </a:endParaRPr>
+                      <a:r>
+                        <a:rPr lang="pt-BR" sz="1600" dirty="0">
+                          <a:solidFill>
+                            <a:srgbClr val="000000"/>
+                          </a:solidFill>
+                          <a:effectLst/>
+                          <a:latin typeface="Arial" panose="020B0604020202020204" pitchFamily="34" charset="0"/>
+                          <a:ea typeface="Arial" panose="020B0604020202020204" pitchFamily="34" charset="0"/>
+                        </a:rPr>
+                        <a:t>OK</a:t>
+                      </a:r>
                     </a:p>
                   </a:txBody>
                   <a:tcPr marL="43120" marR="43120" marT="0" marB="0"/>
@@ -11600,12 +11710,12 @@
                         </a:spcAft>
                       </a:pPr>
                       <a:r>
-                        <a:rPr lang="pt-BR" sz="1600">
+                        <a:rPr lang="pt-BR" sz="1600" dirty="0">
                           <a:effectLst/>
                         </a:rPr>
                         <a:t>RF0033</a:t>
                       </a:r>
-                      <a:endParaRPr lang="pt-BR" sz="1600">
+                      <a:endParaRPr lang="pt-BR" sz="1600" dirty="0">
                         <a:solidFill>
                           <a:srgbClr val="000000"/>
                         </a:solidFill>
@@ -11628,12 +11738,12 @@
                         </a:spcAft>
                       </a:pPr>
                       <a:r>
-                        <a:rPr lang="pt-BR" sz="1600">
+                        <a:rPr lang="pt-BR" sz="1600" dirty="0">
                           <a:effectLst/>
                         </a:rPr>
                         <a:t>Realizar compra</a:t>
                       </a:r>
-                      <a:endParaRPr lang="pt-BR" sz="1600">
+                      <a:endParaRPr lang="pt-BR" sz="1600" dirty="0">
                         <a:solidFill>
                           <a:srgbClr val="000000"/>
                         </a:solidFill>
@@ -11659,12 +11769,12 @@
                         </a:tabLst>
                       </a:pPr>
                       <a:r>
-                        <a:rPr lang="pt-BR" sz="1600">
+                        <a:rPr lang="pt-BR" sz="1600" dirty="0">
                           <a:effectLst/>
                         </a:rPr>
                         <a:t>Deve ser possível a partir de um carrinho de compra realizar uma compra.</a:t>
                       </a:r>
-                      <a:endParaRPr lang="pt-BR" sz="1600">
+                      <a:endParaRPr lang="pt-BR" sz="1600" dirty="0">
                         <a:solidFill>
                           <a:srgbClr val="000000"/>
                         </a:solidFill>
@@ -11689,14 +11799,17 @@
                           <a:tab pos="5626100" algn="l"/>
                         </a:tabLst>
                       </a:pPr>
-                      <a:endParaRPr lang="pt-BR" sz="1600">
-                        <a:solidFill>
-                          <a:srgbClr val="000000"/>
-                        </a:solidFill>
-                        <a:effectLst/>
-                        <a:latin typeface="Arial" panose="020B0604020202020204" pitchFamily="34" charset="0"/>
-                        <a:ea typeface="Arial" panose="020B0604020202020204" pitchFamily="34" charset="0"/>
-                      </a:endParaRPr>
+                      <a:r>
+                        <a:rPr lang="pt-BR" sz="1600" dirty="0">
+                          <a:solidFill>
+                            <a:srgbClr val="000000"/>
+                          </a:solidFill>
+                          <a:effectLst/>
+                          <a:latin typeface="Arial" panose="020B0604020202020204" pitchFamily="34" charset="0"/>
+                          <a:ea typeface="Arial" panose="020B0604020202020204" pitchFamily="34" charset="0"/>
+                        </a:rPr>
+                        <a:t>OK</a:t>
+                      </a:r>
                     </a:p>
                   </a:txBody>
                   <a:tcPr marL="43120" marR="43120" marT="0" marB="0"/>
@@ -11719,12 +11832,12 @@
                         </a:spcAft>
                       </a:pPr>
                       <a:r>
-                        <a:rPr lang="pt-BR" sz="1600">
+                        <a:rPr lang="pt-BR" sz="1600" dirty="0">
                           <a:effectLst/>
                         </a:rPr>
                         <a:t>RF0034</a:t>
                       </a:r>
-                      <a:endParaRPr lang="pt-BR" sz="1600">
+                      <a:endParaRPr lang="pt-BR" sz="1600" dirty="0">
                         <a:solidFill>
                           <a:srgbClr val="000000"/>
                         </a:solidFill>
@@ -11747,12 +11860,12 @@
                         </a:spcAft>
                       </a:pPr>
                       <a:r>
-                        <a:rPr lang="pt-BR" sz="1600">
+                        <a:rPr lang="pt-BR" sz="1600" dirty="0">
                           <a:effectLst/>
                         </a:rPr>
                         <a:t>Calcular frete</a:t>
                       </a:r>
-                      <a:endParaRPr lang="pt-BR" sz="1600">
+                      <a:endParaRPr lang="pt-BR" sz="1600" dirty="0">
                         <a:solidFill>
                           <a:srgbClr val="000000"/>
                         </a:solidFill>
@@ -11778,12 +11891,12 @@
                         </a:tabLst>
                       </a:pPr>
                       <a:r>
-                        <a:rPr lang="pt-BR" sz="1600">
+                        <a:rPr lang="pt-BR" sz="1600" dirty="0">
                           <a:effectLst/>
                         </a:rPr>
                         <a:t>O sistema deve calcular o frete da compra com base nos itens selecionados e o endereço apontado pelo cliente.</a:t>
                       </a:r>
-                      <a:endParaRPr lang="pt-BR" sz="1600">
+                      <a:endParaRPr lang="pt-BR" sz="1600" dirty="0">
                         <a:solidFill>
                           <a:srgbClr val="000000"/>
                         </a:solidFill>
@@ -11808,14 +11921,17 @@
                           <a:tab pos="5626100" algn="l"/>
                         </a:tabLst>
                       </a:pPr>
-                      <a:endParaRPr lang="pt-BR" sz="1600">
-                        <a:solidFill>
-                          <a:srgbClr val="000000"/>
-                        </a:solidFill>
-                        <a:effectLst/>
-                        <a:latin typeface="Arial" panose="020B0604020202020204" pitchFamily="34" charset="0"/>
-                        <a:ea typeface="Arial" panose="020B0604020202020204" pitchFamily="34" charset="0"/>
-                      </a:endParaRPr>
+                      <a:r>
+                        <a:rPr lang="pt-BR" sz="1600" dirty="0">
+                          <a:solidFill>
+                            <a:srgbClr val="000000"/>
+                          </a:solidFill>
+                          <a:effectLst/>
+                          <a:latin typeface="Arial" panose="020B0604020202020204" pitchFamily="34" charset="0"/>
+                          <a:ea typeface="Arial" panose="020B0604020202020204" pitchFamily="34" charset="0"/>
+                        </a:rPr>
+                        <a:t>OK</a:t>
+                      </a:r>
                     </a:p>
                   </a:txBody>
                   <a:tcPr marL="43120" marR="43120" marT="0" marB="0"/>
@@ -11838,12 +11954,12 @@
                         </a:spcAft>
                       </a:pPr>
                       <a:r>
-                        <a:rPr lang="pt-BR" sz="1600">
+                        <a:rPr lang="pt-BR" sz="1600" dirty="0">
                           <a:effectLst/>
                         </a:rPr>
                         <a:t>RF0035</a:t>
                       </a:r>
-                      <a:endParaRPr lang="pt-BR" sz="1600">
+                      <a:endParaRPr lang="pt-BR" sz="1600" dirty="0">
                         <a:solidFill>
                           <a:srgbClr val="000000"/>
                         </a:solidFill>
@@ -11866,12 +11982,12 @@
                         </a:spcAft>
                       </a:pPr>
                       <a:r>
-                        <a:rPr lang="pt-BR" sz="1600">
+                        <a:rPr lang="pt-BR" sz="1600" dirty="0">
                           <a:effectLst/>
                         </a:rPr>
                         <a:t>Selecionar endereço de entrega</a:t>
                       </a:r>
-                      <a:endParaRPr lang="pt-BR" sz="1600">
+                      <a:endParaRPr lang="pt-BR" sz="1600" dirty="0">
                         <a:solidFill>
                           <a:srgbClr val="000000"/>
                         </a:solidFill>
@@ -11897,12 +12013,12 @@
                         </a:tabLst>
                       </a:pPr>
                       <a:r>
-                        <a:rPr lang="pt-BR" sz="1600">
+                        <a:rPr lang="pt-BR" sz="1600" dirty="0">
                           <a:effectLst/>
                         </a:rPr>
                         <a:t>O cliente pode selecionar qualquer endereço de entrega previamente cadastrado em seu perfil ou um novo endereço de entrega pode ser cadastrado. Caso um novo endereço de entrega seja inserido, deve-se dar a possibilidade que o mesmo seja incorporado ao perfil do cliente.</a:t>
                       </a:r>
-                      <a:endParaRPr lang="pt-BR" sz="1600">
+                      <a:endParaRPr lang="pt-BR" sz="1600" dirty="0">
                         <a:solidFill>
                           <a:srgbClr val="000000"/>
                         </a:solidFill>
@@ -11927,14 +12043,17 @@
                           <a:tab pos="5626100" algn="l"/>
                         </a:tabLst>
                       </a:pPr>
-                      <a:endParaRPr lang="pt-BR" sz="1600">
-                        <a:solidFill>
-                          <a:srgbClr val="000000"/>
-                        </a:solidFill>
-                        <a:effectLst/>
-                        <a:latin typeface="Arial" panose="020B0604020202020204" pitchFamily="34" charset="0"/>
-                        <a:ea typeface="Arial" panose="020B0604020202020204" pitchFamily="34" charset="0"/>
-                      </a:endParaRPr>
+                      <a:r>
+                        <a:rPr lang="pt-BR" sz="1600" dirty="0">
+                          <a:solidFill>
+                            <a:srgbClr val="000000"/>
+                          </a:solidFill>
+                          <a:effectLst/>
+                          <a:latin typeface="Arial" panose="020B0604020202020204" pitchFamily="34" charset="0"/>
+                          <a:ea typeface="Arial" panose="020B0604020202020204" pitchFamily="34" charset="0"/>
+                        </a:rPr>
+                        <a:t>OK</a:t>
+                      </a:r>
                     </a:p>
                   </a:txBody>
                   <a:tcPr marL="43120" marR="43120" marT="0" marB="0"/>
@@ -11957,12 +12076,12 @@
                         </a:spcAft>
                       </a:pPr>
                       <a:r>
-                        <a:rPr lang="pt-BR" sz="1600">
+                        <a:rPr lang="pt-BR" sz="1600" dirty="0">
                           <a:effectLst/>
                         </a:rPr>
                         <a:t>RF0036</a:t>
                       </a:r>
-                      <a:endParaRPr lang="pt-BR" sz="1600">
+                      <a:endParaRPr lang="pt-BR" sz="1600" dirty="0">
                         <a:solidFill>
                           <a:srgbClr val="000000"/>
                         </a:solidFill>
@@ -11985,12 +12104,12 @@
                         </a:spcAft>
                       </a:pPr>
                       <a:r>
-                        <a:rPr lang="pt-BR" sz="1600">
+                        <a:rPr lang="pt-BR" sz="1600" dirty="0">
                           <a:effectLst/>
                         </a:rPr>
                         <a:t>Selecionar forma de pagamento</a:t>
                       </a:r>
-                      <a:endParaRPr lang="pt-BR" sz="1600">
+                      <a:endParaRPr lang="pt-BR" sz="1600" dirty="0">
                         <a:solidFill>
                           <a:srgbClr val="000000"/>
                         </a:solidFill>
@@ -12019,7 +12138,7 @@
                         <a:rPr lang="pt-BR" sz="1600" dirty="0">
                           <a:effectLst/>
                         </a:rPr>
-                        <a:t>O cliente pode selecionar qualquer cartão de crédito previamente cadastrado em seu perfil ou um novo cartão de crédito pode ser cadastrado. Caso um novo cartão de crédito seja cadastrado, deve-se dar a possibilidade que o mesmo seja incorporado ao perfil do cliente.</a:t>
+                        <a:t>O cliente pode selecionar qualquer cartão de crédito previamente cadastrado em seu perfil.</a:t>
                       </a:r>
                     </a:p>
                     <a:p>
@@ -12126,14 +12245,17 @@
                           <a:tab pos="5626100" algn="l"/>
                         </a:tabLst>
                       </a:pPr>
-                      <a:endParaRPr lang="pt-BR" sz="1600" dirty="0">
-                        <a:solidFill>
-                          <a:srgbClr val="000000"/>
-                        </a:solidFill>
-                        <a:effectLst/>
-                        <a:latin typeface="Arial" panose="020B0604020202020204" pitchFamily="34" charset="0"/>
-                        <a:ea typeface="Arial" panose="020B0604020202020204" pitchFamily="34" charset="0"/>
-                      </a:endParaRPr>
+                      <a:r>
+                        <a:rPr lang="pt-BR" sz="1600" dirty="0">
+                          <a:solidFill>
+                            <a:srgbClr val="000000"/>
+                          </a:solidFill>
+                          <a:effectLst/>
+                          <a:latin typeface="Arial" panose="020B0604020202020204" pitchFamily="34" charset="0"/>
+                          <a:ea typeface="Arial" panose="020B0604020202020204" pitchFamily="34" charset="0"/>
+                        </a:rPr>
+                        <a:t>OK</a:t>
+                      </a:r>
                     </a:p>
                   </a:txBody>
                   <a:tcPr marL="43120" marR="43120" marT="0" marB="0"/>
@@ -12193,7 +12315,7 @@
           <p:nvPr>
             <p:extLst>
               <p:ext uri="{D42A27DB-BD31-4B8C-83A1-F6EECF244321}">
-                <p14:modId xmlns:p14="http://schemas.microsoft.com/office/powerpoint/2010/main" val="3899414866"/>
+                <p14:modId xmlns:p14="http://schemas.microsoft.com/office/powerpoint/2010/main" val="815709505"/>
               </p:ext>
             </p:extLst>
           </p:nvPr>
@@ -12339,14 +12461,17 @@
                           <a:tab pos="5626100" algn="l"/>
                         </a:tabLst>
                       </a:pPr>
-                      <a:endParaRPr lang="pt-BR" sz="1600">
-                        <a:solidFill>
-                          <a:srgbClr val="000000"/>
-                        </a:solidFill>
-                        <a:effectLst/>
-                        <a:latin typeface="Arial" panose="020B0604020202020204" pitchFamily="34" charset="0"/>
-                        <a:ea typeface="Arial" panose="020B0604020202020204" pitchFamily="34" charset="0"/>
-                      </a:endParaRPr>
+                      <a:r>
+                        <a:rPr lang="pt-BR" sz="1600" dirty="0">
+                          <a:solidFill>
+                            <a:srgbClr val="000000"/>
+                          </a:solidFill>
+                          <a:effectLst/>
+                          <a:latin typeface="Arial" panose="020B0604020202020204" pitchFamily="34" charset="0"/>
+                          <a:ea typeface="Arial" panose="020B0604020202020204" pitchFamily="34" charset="0"/>
+                        </a:rPr>
+                        <a:t>-</a:t>
+                      </a:r>
                     </a:p>
                   </a:txBody>
                   <a:tcPr marL="45657" marR="45657" marT="0" marB="0"/>
@@ -12369,12 +12494,12 @@
                         </a:spcAft>
                       </a:pPr>
                       <a:r>
-                        <a:rPr lang="pt-BR" sz="1600">
+                        <a:rPr lang="pt-BR" sz="1600" dirty="0">
                           <a:effectLst/>
                         </a:rPr>
                         <a:t>RF0038</a:t>
                       </a:r>
-                      <a:endParaRPr lang="pt-BR" sz="1600">
+                      <a:endParaRPr lang="pt-BR" sz="1600" dirty="0">
                         <a:solidFill>
                           <a:srgbClr val="000000"/>
                         </a:solidFill>
@@ -12397,12 +12522,12 @@
                         </a:spcAft>
                       </a:pPr>
                       <a:r>
-                        <a:rPr lang="pt-BR" sz="1600">
+                        <a:rPr lang="pt-BR" sz="1600" dirty="0">
                           <a:effectLst/>
                         </a:rPr>
                         <a:t>Despachar produtos para entrega</a:t>
                       </a:r>
-                      <a:endParaRPr lang="pt-BR" sz="1600">
+                      <a:endParaRPr lang="pt-BR" sz="1600" dirty="0">
                         <a:solidFill>
                           <a:srgbClr val="000000"/>
                         </a:solidFill>
@@ -12428,12 +12553,12 @@
                         </a:tabLst>
                       </a:pPr>
                       <a:r>
-                        <a:rPr lang="pt-BR" sz="1600">
+                        <a:rPr lang="pt-BR" sz="1600" dirty="0">
                           <a:effectLst/>
                         </a:rPr>
                         <a:t>O sistema deve possibilitar que um usuário com perfil de administrador selecione vendas já aprovadas para serem entregues. Assim o status deve ficar EM TRANSITO.</a:t>
                       </a:r>
-                      <a:endParaRPr lang="pt-BR" sz="1600">
+                      <a:endParaRPr lang="pt-BR" sz="1600" dirty="0">
                         <a:solidFill>
                           <a:srgbClr val="000000"/>
                         </a:solidFill>
@@ -12458,14 +12583,17 @@
                           <a:tab pos="5626100" algn="l"/>
                         </a:tabLst>
                       </a:pPr>
-                      <a:endParaRPr lang="pt-BR" sz="1600">
-                        <a:solidFill>
-                          <a:srgbClr val="000000"/>
-                        </a:solidFill>
-                        <a:effectLst/>
-                        <a:latin typeface="Arial" panose="020B0604020202020204" pitchFamily="34" charset="0"/>
-                        <a:ea typeface="Arial" panose="020B0604020202020204" pitchFamily="34" charset="0"/>
-                      </a:endParaRPr>
+                      <a:r>
+                        <a:rPr lang="pt-BR" sz="1600" dirty="0">
+                          <a:solidFill>
+                            <a:srgbClr val="000000"/>
+                          </a:solidFill>
+                          <a:effectLst/>
+                          <a:latin typeface="Arial" panose="020B0604020202020204" pitchFamily="34" charset="0"/>
+                          <a:ea typeface="Arial" panose="020B0604020202020204" pitchFamily="34" charset="0"/>
+                        </a:rPr>
+                        <a:t>-</a:t>
+                      </a:r>
                     </a:p>
                   </a:txBody>
                   <a:tcPr marL="45657" marR="45657" marT="0" marB="0"/>
@@ -12488,12 +12616,12 @@
                         </a:spcAft>
                       </a:pPr>
                       <a:r>
-                        <a:rPr lang="pt-BR" sz="1600">
+                        <a:rPr lang="pt-BR" sz="1600" dirty="0">
                           <a:effectLst/>
                         </a:rPr>
                         <a:t>RF0039</a:t>
                       </a:r>
-                      <a:endParaRPr lang="pt-BR" sz="1600">
+                      <a:endParaRPr lang="pt-BR" sz="1600" dirty="0">
                         <a:solidFill>
                           <a:srgbClr val="000000"/>
                         </a:solidFill>
@@ -12516,12 +12644,12 @@
                         </a:spcAft>
                       </a:pPr>
                       <a:r>
-                        <a:rPr lang="pt-BR" sz="1600">
+                        <a:rPr lang="pt-BR" sz="1600" dirty="0">
                           <a:effectLst/>
                         </a:rPr>
                         <a:t>Produtos entregues</a:t>
                       </a:r>
-                      <a:endParaRPr lang="pt-BR" sz="1600">
+                      <a:endParaRPr lang="pt-BR" sz="1600" dirty="0">
                         <a:solidFill>
                           <a:srgbClr val="000000"/>
                         </a:solidFill>
@@ -12547,12 +12675,12 @@
                         </a:tabLst>
                       </a:pPr>
                       <a:r>
-                        <a:rPr lang="pt-BR" sz="1600">
+                        <a:rPr lang="pt-BR" sz="1600" dirty="0">
                           <a:effectLst/>
                         </a:rPr>
                         <a:t>O sistema deve possibilitar que um usuário com perfil de administrador confirme entrega de uma compra. Assim o status deve ficar ENTREGUE.</a:t>
                       </a:r>
-                      <a:endParaRPr lang="pt-BR" sz="1600">
+                      <a:endParaRPr lang="pt-BR" sz="1600" dirty="0">
                         <a:solidFill>
                           <a:srgbClr val="000000"/>
                         </a:solidFill>
@@ -12577,14 +12705,17 @@
                           <a:tab pos="5626100" algn="l"/>
                         </a:tabLst>
                       </a:pPr>
-                      <a:endParaRPr lang="pt-BR" sz="1600">
-                        <a:solidFill>
-                          <a:srgbClr val="000000"/>
-                        </a:solidFill>
-                        <a:effectLst/>
-                        <a:latin typeface="Arial" panose="020B0604020202020204" pitchFamily="34" charset="0"/>
-                        <a:ea typeface="Arial" panose="020B0604020202020204" pitchFamily="34" charset="0"/>
-                      </a:endParaRPr>
+                      <a:r>
+                        <a:rPr lang="pt-BR" sz="1600" dirty="0">
+                          <a:solidFill>
+                            <a:srgbClr val="000000"/>
+                          </a:solidFill>
+                          <a:effectLst/>
+                          <a:latin typeface="Arial" panose="020B0604020202020204" pitchFamily="34" charset="0"/>
+                          <a:ea typeface="Arial" panose="020B0604020202020204" pitchFamily="34" charset="0"/>
+                        </a:rPr>
+                        <a:t>-</a:t>
+                      </a:r>
                     </a:p>
                   </a:txBody>
                   <a:tcPr marL="45657" marR="45657" marT="0" marB="0"/>
@@ -12607,12 +12738,12 @@
                         </a:spcAft>
                       </a:pPr>
                       <a:r>
-                        <a:rPr lang="pt-BR" sz="1600">
+                        <a:rPr lang="pt-BR" sz="1600" dirty="0">
                           <a:effectLst/>
                         </a:rPr>
                         <a:t>RF0040</a:t>
                       </a:r>
-                      <a:endParaRPr lang="pt-BR" sz="1600">
+                      <a:endParaRPr lang="pt-BR" sz="1600" dirty="0">
                         <a:solidFill>
                           <a:srgbClr val="000000"/>
                         </a:solidFill>
@@ -12635,12 +12766,12 @@
                         </a:spcAft>
                       </a:pPr>
                       <a:r>
-                        <a:rPr lang="pt-BR" sz="1600">
+                        <a:rPr lang="pt-BR" sz="1600" dirty="0">
                           <a:effectLst/>
                         </a:rPr>
                         <a:t>Solicitar troca</a:t>
                       </a:r>
-                      <a:endParaRPr lang="pt-BR" sz="1600">
+                      <a:endParaRPr lang="pt-BR" sz="1600" dirty="0">
                         <a:solidFill>
                           <a:srgbClr val="000000"/>
                         </a:solidFill>
@@ -12666,12 +12797,12 @@
                         </a:tabLst>
                       </a:pPr>
                       <a:r>
-                        <a:rPr lang="pt-BR" sz="1600">
+                        <a:rPr lang="pt-BR" sz="1600" dirty="0">
                           <a:effectLst/>
                         </a:rPr>
                         <a:t>O sistema deve possibilitar que um item de uma compra seja trocado por um cliente através da visualização de pedidos do mesmo.</a:t>
                       </a:r>
-                      <a:endParaRPr lang="pt-BR" sz="1600">
+                      <a:endParaRPr lang="pt-BR" sz="1600" dirty="0">
                         <a:solidFill>
                           <a:srgbClr val="000000"/>
                         </a:solidFill>
@@ -12696,14 +12827,17 @@
                           <a:tab pos="5626100" algn="l"/>
                         </a:tabLst>
                       </a:pPr>
-                      <a:endParaRPr lang="pt-BR" sz="1600">
-                        <a:solidFill>
-                          <a:srgbClr val="000000"/>
-                        </a:solidFill>
-                        <a:effectLst/>
-                        <a:latin typeface="Arial" panose="020B0604020202020204" pitchFamily="34" charset="0"/>
-                        <a:ea typeface="Arial" panose="020B0604020202020204" pitchFamily="34" charset="0"/>
-                      </a:endParaRPr>
+                      <a:r>
+                        <a:rPr lang="pt-BR" sz="1600" dirty="0">
+                          <a:solidFill>
+                            <a:srgbClr val="000000"/>
+                          </a:solidFill>
+                          <a:effectLst/>
+                          <a:latin typeface="Arial" panose="020B0604020202020204" pitchFamily="34" charset="0"/>
+                          <a:ea typeface="Arial" panose="020B0604020202020204" pitchFamily="34" charset="0"/>
+                        </a:rPr>
+                        <a:t>OK</a:t>
+                      </a:r>
                     </a:p>
                   </a:txBody>
                   <a:tcPr marL="45657" marR="45657" marT="0" marB="0"/>
@@ -12726,12 +12860,12 @@
                         </a:spcAft>
                       </a:pPr>
                       <a:r>
-                        <a:rPr lang="pt-BR" sz="1600">
+                        <a:rPr lang="pt-BR" sz="1600" dirty="0">
                           <a:effectLst/>
                         </a:rPr>
                         <a:t>RF0041</a:t>
                       </a:r>
-                      <a:endParaRPr lang="pt-BR" sz="1600">
+                      <a:endParaRPr lang="pt-BR" sz="1600" dirty="0">
                         <a:solidFill>
                           <a:srgbClr val="000000"/>
                         </a:solidFill>
@@ -12754,12 +12888,12 @@
                         </a:spcAft>
                       </a:pPr>
                       <a:r>
-                        <a:rPr lang="pt-BR" sz="1600">
+                        <a:rPr lang="pt-BR" sz="1600" dirty="0">
                           <a:effectLst/>
                         </a:rPr>
                         <a:t>Autorizar trocas</a:t>
                       </a:r>
-                      <a:endParaRPr lang="pt-BR" sz="1600">
+                      <a:endParaRPr lang="pt-BR" sz="1600" dirty="0">
                         <a:solidFill>
                           <a:srgbClr val="000000"/>
                         </a:solidFill>
@@ -12815,14 +12949,17 @@
                           <a:tab pos="5626100" algn="l"/>
                         </a:tabLst>
                       </a:pPr>
-                      <a:endParaRPr lang="pt-BR" sz="1600">
-                        <a:solidFill>
-                          <a:srgbClr val="000000"/>
-                        </a:solidFill>
-                        <a:effectLst/>
-                        <a:latin typeface="Arial" panose="020B0604020202020204" pitchFamily="34" charset="0"/>
-                        <a:ea typeface="Arial" panose="020B0604020202020204" pitchFamily="34" charset="0"/>
-                      </a:endParaRPr>
+                      <a:r>
+                        <a:rPr lang="pt-BR" sz="1600" dirty="0">
+                          <a:solidFill>
+                            <a:srgbClr val="000000"/>
+                          </a:solidFill>
+                          <a:effectLst/>
+                          <a:latin typeface="Arial" panose="020B0604020202020204" pitchFamily="34" charset="0"/>
+                          <a:ea typeface="Arial" panose="020B0604020202020204" pitchFamily="34" charset="0"/>
+                        </a:rPr>
+                        <a:t>-</a:t>
+                      </a:r>
                     </a:p>
                   </a:txBody>
                   <a:tcPr marL="45657" marR="45657" marT="0" marB="0"/>
@@ -12845,12 +12982,12 @@
                         </a:spcAft>
                       </a:pPr>
                       <a:r>
-                        <a:rPr lang="pt-BR" sz="1600">
+                        <a:rPr lang="pt-BR" sz="1600" dirty="0">
                           <a:effectLst/>
                         </a:rPr>
                         <a:t>RF0042</a:t>
                       </a:r>
-                      <a:endParaRPr lang="pt-BR" sz="1600">
+                      <a:endParaRPr lang="pt-BR" sz="1600" dirty="0">
                         <a:solidFill>
                           <a:srgbClr val="000000"/>
                         </a:solidFill>
@@ -12873,12 +13010,12 @@
                         </a:spcAft>
                       </a:pPr>
                       <a:r>
-                        <a:rPr lang="pt-BR" sz="1600">
+                        <a:rPr lang="pt-BR" sz="1600" dirty="0">
                           <a:effectLst/>
                         </a:rPr>
                         <a:t>Visualização de trocas</a:t>
                       </a:r>
-                      <a:endParaRPr lang="pt-BR" sz="1600">
+                      <a:endParaRPr lang="pt-BR" sz="1600" dirty="0">
                         <a:solidFill>
                           <a:srgbClr val="000000"/>
                         </a:solidFill>
@@ -12904,12 +13041,12 @@
                         </a:tabLst>
                       </a:pPr>
                       <a:r>
-                        <a:rPr lang="pt-BR" sz="1600">
+                        <a:rPr lang="pt-BR" sz="1600" dirty="0">
                           <a:effectLst/>
                         </a:rPr>
                         <a:t>O sistema deverá possibilitar que o administrador visualize todos pedidos de troca ou compra com status EM TROCA.</a:t>
                       </a:r>
-                      <a:endParaRPr lang="pt-BR" sz="1600">
+                      <a:endParaRPr lang="pt-BR" sz="1600" dirty="0">
                         <a:solidFill>
                           <a:srgbClr val="000000"/>
                         </a:solidFill>
@@ -12934,14 +13071,17 @@
                           <a:tab pos="5626100" algn="l"/>
                         </a:tabLst>
                       </a:pPr>
-                      <a:endParaRPr lang="pt-BR" sz="1600">
-                        <a:solidFill>
-                          <a:srgbClr val="000000"/>
-                        </a:solidFill>
-                        <a:effectLst/>
-                        <a:latin typeface="Arial" panose="020B0604020202020204" pitchFamily="34" charset="0"/>
-                        <a:ea typeface="Arial" panose="020B0604020202020204" pitchFamily="34" charset="0"/>
-                      </a:endParaRPr>
+                      <a:r>
+                        <a:rPr lang="pt-BR" sz="1600" dirty="0">
+                          <a:solidFill>
+                            <a:srgbClr val="000000"/>
+                          </a:solidFill>
+                          <a:effectLst/>
+                          <a:latin typeface="Arial" panose="020B0604020202020204" pitchFamily="34" charset="0"/>
+                          <a:ea typeface="Arial" panose="020B0604020202020204" pitchFamily="34" charset="0"/>
+                        </a:rPr>
+                        <a:t>-</a:t>
+                      </a:r>
                     </a:p>
                   </a:txBody>
                   <a:tcPr marL="45657" marR="45657" marT="0" marB="0"/>
@@ -12964,12 +13104,12 @@
                         </a:spcAft>
                       </a:pPr>
                       <a:r>
-                        <a:rPr lang="pt-BR" sz="1600">
+                        <a:rPr lang="pt-BR" sz="1600" dirty="0">
                           <a:effectLst/>
                         </a:rPr>
                         <a:t>RF0043</a:t>
                       </a:r>
-                      <a:endParaRPr lang="pt-BR" sz="1600">
+                      <a:endParaRPr lang="pt-BR" sz="1600" dirty="0">
                         <a:solidFill>
                           <a:srgbClr val="000000"/>
                         </a:solidFill>
@@ -12992,12 +13132,12 @@
                         </a:spcAft>
                       </a:pPr>
                       <a:r>
-                        <a:rPr lang="pt-BR" sz="1600">
+                        <a:rPr lang="pt-BR" sz="1600" dirty="0">
                           <a:effectLst/>
                         </a:rPr>
                         <a:t>Confirmar recebimento de itens para troca</a:t>
                       </a:r>
-                      <a:endParaRPr lang="pt-BR" sz="1600">
+                      <a:endParaRPr lang="pt-BR" sz="1600" dirty="0">
                         <a:solidFill>
                           <a:srgbClr val="000000"/>
                         </a:solidFill>
@@ -13101,14 +13241,17 @@
                           <a:tab pos="5626100" algn="l"/>
                         </a:tabLst>
                       </a:pPr>
-                      <a:endParaRPr lang="pt-BR" sz="1600">
-                        <a:solidFill>
-                          <a:srgbClr val="000000"/>
-                        </a:solidFill>
-                        <a:effectLst/>
-                        <a:latin typeface="Arial" panose="020B0604020202020204" pitchFamily="34" charset="0"/>
-                        <a:ea typeface="Arial" panose="020B0604020202020204" pitchFamily="34" charset="0"/>
-                      </a:endParaRPr>
+                      <a:r>
+                        <a:rPr lang="pt-BR" sz="1600" dirty="0">
+                          <a:solidFill>
+                            <a:srgbClr val="000000"/>
+                          </a:solidFill>
+                          <a:effectLst/>
+                          <a:latin typeface="Arial" panose="020B0604020202020204" pitchFamily="34" charset="0"/>
+                          <a:ea typeface="Arial" panose="020B0604020202020204" pitchFamily="34" charset="0"/>
+                        </a:rPr>
+                        <a:t>-</a:t>
+                      </a:r>
                     </a:p>
                   </a:txBody>
                   <a:tcPr marL="45657" marR="45657" marT="0" marB="0"/>
@@ -13131,12 +13274,12 @@
                         </a:spcAft>
                       </a:pPr>
                       <a:r>
-                        <a:rPr lang="pt-BR" sz="1600">
+                        <a:rPr lang="pt-BR" sz="1600" dirty="0">
                           <a:effectLst/>
                         </a:rPr>
                         <a:t>RF0044</a:t>
                       </a:r>
-                      <a:endParaRPr lang="pt-BR" sz="1600">
+                      <a:endParaRPr lang="pt-BR" sz="1600" dirty="0">
                         <a:solidFill>
                           <a:srgbClr val="000000"/>
                         </a:solidFill>
@@ -13159,12 +13302,12 @@
                         </a:spcAft>
                       </a:pPr>
                       <a:r>
-                        <a:rPr lang="pt-BR" sz="1600">
+                        <a:rPr lang="pt-BR" sz="1600" dirty="0">
                           <a:effectLst/>
                         </a:rPr>
                         <a:t>Gerar cupom de troca após recebimento de itens</a:t>
                       </a:r>
-                      <a:endParaRPr lang="pt-BR" sz="1600">
+                      <a:endParaRPr lang="pt-BR" sz="1600" dirty="0">
                         <a:solidFill>
                           <a:srgbClr val="000000"/>
                         </a:solidFill>
@@ -13220,14 +13363,17 @@
                           <a:tab pos="5626100" algn="l"/>
                         </a:tabLst>
                       </a:pPr>
-                      <a:endParaRPr lang="pt-BR" sz="1600" dirty="0">
-                        <a:solidFill>
-                          <a:srgbClr val="000000"/>
-                        </a:solidFill>
-                        <a:effectLst/>
-                        <a:latin typeface="Arial" panose="020B0604020202020204" pitchFamily="34" charset="0"/>
-                        <a:ea typeface="Arial" panose="020B0604020202020204" pitchFamily="34" charset="0"/>
-                      </a:endParaRPr>
+                      <a:r>
+                        <a:rPr lang="pt-BR" sz="1600" dirty="0">
+                          <a:solidFill>
+                            <a:srgbClr val="000000"/>
+                          </a:solidFill>
+                          <a:effectLst/>
+                          <a:latin typeface="Arial" panose="020B0604020202020204" pitchFamily="34" charset="0"/>
+                          <a:ea typeface="Arial" panose="020B0604020202020204" pitchFamily="34" charset="0"/>
+                        </a:rPr>
+                        <a:t>OK</a:t>
+                      </a:r>
                     </a:p>
                   </a:txBody>
                   <a:tcPr marL="45657" marR="45657" marT="0" marB="0"/>
@@ -13287,7 +13433,7 @@
           <p:nvPr>
             <p:extLst>
               <p:ext uri="{D42A27DB-BD31-4B8C-83A1-F6EECF244321}">
-                <p14:modId xmlns:p14="http://schemas.microsoft.com/office/powerpoint/2010/main" val="878762108"/>
+                <p14:modId xmlns:p14="http://schemas.microsoft.com/office/powerpoint/2010/main" val="1457532211"/>
               </p:ext>
             </p:extLst>
           </p:nvPr>
@@ -13517,14 +13663,17 @@
                           <a:spcPts val="600"/>
                         </a:spcAft>
                       </a:pPr>
-                      <a:endParaRPr lang="pt-BR" sz="1600" dirty="0">
-                        <a:solidFill>
-                          <a:srgbClr val="000000"/>
-                        </a:solidFill>
-                        <a:effectLst/>
-                        <a:latin typeface="Arial" panose="020B0604020202020204" pitchFamily="34" charset="0"/>
-                        <a:ea typeface="Arial" panose="020B0604020202020204" pitchFamily="34" charset="0"/>
-                      </a:endParaRPr>
+                      <a:r>
+                        <a:rPr lang="pt-BR" sz="1600" dirty="0">
+                          <a:solidFill>
+                            <a:srgbClr val="000000"/>
+                          </a:solidFill>
+                          <a:effectLst/>
+                          <a:latin typeface="Arial" panose="020B0604020202020204" pitchFamily="34" charset="0"/>
+                          <a:ea typeface="Arial" panose="020B0604020202020204" pitchFamily="34" charset="0"/>
+                        </a:rPr>
+                        <a:t>OK</a:t>
+                      </a:r>
                     </a:p>
                   </a:txBody>
                   <a:tcPr marL="68580" marR="68580" marT="0" marB="0"/>
@@ -13547,40 +13696,40 @@
                         </a:spcAft>
                       </a:pPr>
                       <a:r>
-                        <a:rPr lang="pt-BR" sz="1600">
+                        <a:rPr lang="pt-BR" sz="1600" dirty="0">
                           <a:effectLst/>
                         </a:rPr>
                         <a:t>RF0052</a:t>
                       </a:r>
-                      <a:endParaRPr lang="pt-BR" sz="1600">
-                        <a:solidFill>
-                          <a:srgbClr val="000000"/>
-                        </a:solidFill>
-                        <a:effectLst/>
-                        <a:latin typeface="Arial" panose="020B0604020202020204" pitchFamily="34" charset="0"/>
-                        <a:ea typeface="Arial" panose="020B0604020202020204" pitchFamily="34" charset="0"/>
-                      </a:endParaRPr>
-                    </a:p>
-                  </a:txBody>
-                  <a:tcPr marL="68580" marR="68580" marT="0" marB="0"/>
-                </a:tc>
-                <a:tc>
-                  <a:txBody>
-                    <a:bodyPr/>
-                    <a:lstStyle/>
-                    <a:p>
-                      <a:pPr>
-                        <a:spcAft>
-                          <a:spcPts val="0"/>
-                        </a:spcAft>
-                      </a:pPr>
-                      <a:r>
-                        <a:rPr lang="pt-BR" sz="1600">
+                      <a:endParaRPr lang="pt-BR" sz="1600" dirty="0">
+                        <a:solidFill>
+                          <a:srgbClr val="000000"/>
+                        </a:solidFill>
+                        <a:effectLst/>
+                        <a:latin typeface="Arial" panose="020B0604020202020204" pitchFamily="34" charset="0"/>
+                        <a:ea typeface="Arial" panose="020B0604020202020204" pitchFamily="34" charset="0"/>
+                      </a:endParaRPr>
+                    </a:p>
+                  </a:txBody>
+                  <a:tcPr marL="68580" marR="68580" marT="0" marB="0"/>
+                </a:tc>
+                <a:tc>
+                  <a:txBody>
+                    <a:bodyPr/>
+                    <a:lstStyle/>
+                    <a:p>
+                      <a:pPr>
+                        <a:spcAft>
+                          <a:spcPts val="0"/>
+                        </a:spcAft>
+                      </a:pPr>
+                      <a:r>
+                        <a:rPr lang="pt-BR" sz="1600" dirty="0">
                           <a:effectLst/>
                         </a:rPr>
                         <a:t>Calcular valor de venda</a:t>
                       </a:r>
-                      <a:endParaRPr lang="pt-BR" sz="1600">
+                      <a:endParaRPr lang="pt-BR" sz="1600" dirty="0">
                         <a:solidFill>
                           <a:srgbClr val="000000"/>
                         </a:solidFill>
@@ -13630,14 +13779,17 @@
                           <a:spcPts val="600"/>
                         </a:spcAft>
                       </a:pPr>
-                      <a:endParaRPr lang="pt-BR" sz="1600">
-                        <a:solidFill>
-                          <a:srgbClr val="000000"/>
-                        </a:solidFill>
-                        <a:effectLst/>
-                        <a:latin typeface="Arial" panose="020B0604020202020204" pitchFamily="34" charset="0"/>
-                        <a:ea typeface="Arial" panose="020B0604020202020204" pitchFamily="34" charset="0"/>
-                      </a:endParaRPr>
+                      <a:r>
+                        <a:rPr lang="pt-BR" sz="1600" dirty="0">
+                          <a:solidFill>
+                            <a:srgbClr val="000000"/>
+                          </a:solidFill>
+                          <a:effectLst/>
+                          <a:latin typeface="Arial" panose="020B0604020202020204" pitchFamily="34" charset="0"/>
+                          <a:ea typeface="Arial" panose="020B0604020202020204" pitchFamily="34" charset="0"/>
+                        </a:rPr>
+                        <a:t>OK</a:t>
+                      </a:r>
                     </a:p>
                   </a:txBody>
                   <a:tcPr marL="68580" marR="68580" marT="0" marB="0"/>
@@ -13660,40 +13812,40 @@
                         </a:spcAft>
                       </a:pPr>
                       <a:r>
-                        <a:rPr lang="pt-BR" sz="1600">
+                        <a:rPr lang="pt-BR" sz="1600" dirty="0">
                           <a:effectLst/>
                         </a:rPr>
                         <a:t>RF0053</a:t>
                       </a:r>
-                      <a:endParaRPr lang="pt-BR" sz="1600">
-                        <a:solidFill>
-                          <a:srgbClr val="000000"/>
-                        </a:solidFill>
-                        <a:effectLst/>
-                        <a:latin typeface="Arial" panose="020B0604020202020204" pitchFamily="34" charset="0"/>
-                        <a:ea typeface="Arial" panose="020B0604020202020204" pitchFamily="34" charset="0"/>
-                      </a:endParaRPr>
-                    </a:p>
-                  </a:txBody>
-                  <a:tcPr marL="68580" marR="68580" marT="0" marB="0"/>
-                </a:tc>
-                <a:tc>
-                  <a:txBody>
-                    <a:bodyPr/>
-                    <a:lstStyle/>
-                    <a:p>
-                      <a:pPr>
-                        <a:spcAft>
-                          <a:spcPts val="0"/>
-                        </a:spcAft>
-                      </a:pPr>
-                      <a:r>
-                        <a:rPr lang="pt-BR" sz="1600">
+                      <a:endParaRPr lang="pt-BR" sz="1600" dirty="0">
+                        <a:solidFill>
+                          <a:srgbClr val="000000"/>
+                        </a:solidFill>
+                        <a:effectLst/>
+                        <a:latin typeface="Arial" panose="020B0604020202020204" pitchFamily="34" charset="0"/>
+                        <a:ea typeface="Arial" panose="020B0604020202020204" pitchFamily="34" charset="0"/>
+                      </a:endParaRPr>
+                    </a:p>
+                  </a:txBody>
+                  <a:tcPr marL="68580" marR="68580" marT="0" marB="0"/>
+                </a:tc>
+                <a:tc>
+                  <a:txBody>
+                    <a:bodyPr/>
+                    <a:lstStyle/>
+                    <a:p>
+                      <a:pPr>
+                        <a:spcAft>
+                          <a:spcPts val="0"/>
+                        </a:spcAft>
+                      </a:pPr>
+                      <a:r>
+                        <a:rPr lang="pt-BR" sz="1600" dirty="0">
                           <a:effectLst/>
                         </a:rPr>
                         <a:t>Dar baixa em estoque</a:t>
                       </a:r>
-                      <a:endParaRPr lang="pt-BR" sz="1600">
+                      <a:endParaRPr lang="pt-BR" sz="1600" dirty="0">
                         <a:solidFill>
                           <a:srgbClr val="000000"/>
                         </a:solidFill>
@@ -13716,12 +13868,12 @@
                         </a:spcAft>
                       </a:pPr>
                       <a:r>
-                        <a:rPr lang="pt-BR" sz="1600">
+                        <a:rPr lang="pt-BR" sz="1600" dirty="0">
                           <a:effectLst/>
                         </a:rPr>
                         <a:t>Para cada venda realizada deve-se dar baixa no estoque do total de itens vendidos.</a:t>
                       </a:r>
-                      <a:endParaRPr lang="pt-BR" sz="1600">
+                      <a:endParaRPr lang="pt-BR" sz="1600" dirty="0">
                         <a:solidFill>
                           <a:srgbClr val="000000"/>
                         </a:solidFill>
@@ -13743,14 +13895,17 @@
                           <a:spcPts val="600"/>
                         </a:spcAft>
                       </a:pPr>
-                      <a:endParaRPr lang="pt-BR" sz="1600">
-                        <a:solidFill>
-                          <a:srgbClr val="000000"/>
-                        </a:solidFill>
-                        <a:effectLst/>
-                        <a:latin typeface="Arial" panose="020B0604020202020204" pitchFamily="34" charset="0"/>
-                        <a:ea typeface="Arial" panose="020B0604020202020204" pitchFamily="34" charset="0"/>
-                      </a:endParaRPr>
+                      <a:r>
+                        <a:rPr lang="pt-BR" sz="1600" dirty="0">
+                          <a:solidFill>
+                            <a:srgbClr val="000000"/>
+                          </a:solidFill>
+                          <a:effectLst/>
+                          <a:latin typeface="Arial" panose="020B0604020202020204" pitchFamily="34" charset="0"/>
+                          <a:ea typeface="Arial" panose="020B0604020202020204" pitchFamily="34" charset="0"/>
+                        </a:rPr>
+                        <a:t>OK</a:t>
+                      </a:r>
                     </a:p>
                   </a:txBody>
                   <a:tcPr marL="68580" marR="68580" marT="0" marB="0"/>
@@ -13773,40 +13928,40 @@
                         </a:spcAft>
                       </a:pPr>
                       <a:r>
-                        <a:rPr lang="pt-BR" sz="1600">
+                        <a:rPr lang="pt-BR" sz="1600" dirty="0">
                           <a:effectLst/>
                         </a:rPr>
                         <a:t>RF0054</a:t>
                       </a:r>
-                      <a:endParaRPr lang="pt-BR" sz="1600">
-                        <a:solidFill>
-                          <a:srgbClr val="000000"/>
-                        </a:solidFill>
-                        <a:effectLst/>
-                        <a:latin typeface="Arial" panose="020B0604020202020204" pitchFamily="34" charset="0"/>
-                        <a:ea typeface="Arial" panose="020B0604020202020204" pitchFamily="34" charset="0"/>
-                      </a:endParaRPr>
-                    </a:p>
-                  </a:txBody>
-                  <a:tcPr marL="68580" marR="68580" marT="0" marB="0"/>
-                </a:tc>
-                <a:tc>
-                  <a:txBody>
-                    <a:bodyPr/>
-                    <a:lstStyle/>
-                    <a:p>
-                      <a:pPr>
-                        <a:spcAft>
-                          <a:spcPts val="0"/>
-                        </a:spcAft>
-                      </a:pPr>
-                      <a:r>
-                        <a:rPr lang="pt-BR" sz="1600">
+                      <a:endParaRPr lang="pt-BR" sz="1600" dirty="0">
+                        <a:solidFill>
+                          <a:srgbClr val="000000"/>
+                        </a:solidFill>
+                        <a:effectLst/>
+                        <a:latin typeface="Arial" panose="020B0604020202020204" pitchFamily="34" charset="0"/>
+                        <a:ea typeface="Arial" panose="020B0604020202020204" pitchFamily="34" charset="0"/>
+                      </a:endParaRPr>
+                    </a:p>
+                  </a:txBody>
+                  <a:tcPr marL="68580" marR="68580" marT="0" marB="0"/>
+                </a:tc>
+                <a:tc>
+                  <a:txBody>
+                    <a:bodyPr/>
+                    <a:lstStyle/>
+                    <a:p>
+                      <a:pPr>
+                        <a:spcAft>
+                          <a:spcPts val="0"/>
+                        </a:spcAft>
+                      </a:pPr>
+                      <a:r>
+                        <a:rPr lang="pt-BR" sz="1600" dirty="0">
                           <a:effectLst/>
                         </a:rPr>
                         <a:t>Realizar reentrada em estoque</a:t>
                       </a:r>
-                      <a:endParaRPr lang="pt-BR" sz="1600">
+                      <a:endParaRPr lang="pt-BR" sz="1600" dirty="0">
                         <a:solidFill>
                           <a:srgbClr val="000000"/>
                         </a:solidFill>
@@ -13856,14 +14011,17 @@
                           <a:spcPts val="600"/>
                         </a:spcAft>
                       </a:pPr>
-                      <a:endParaRPr lang="pt-BR" sz="1600" dirty="0">
-                        <a:solidFill>
-                          <a:srgbClr val="000000"/>
-                        </a:solidFill>
-                        <a:effectLst/>
-                        <a:latin typeface="Arial" panose="020B0604020202020204" pitchFamily="34" charset="0"/>
-                        <a:ea typeface="Arial" panose="020B0604020202020204" pitchFamily="34" charset="0"/>
-                      </a:endParaRPr>
+                      <a:r>
+                        <a:rPr lang="pt-BR" sz="1600" dirty="0">
+                          <a:solidFill>
+                            <a:srgbClr val="000000"/>
+                          </a:solidFill>
+                          <a:effectLst/>
+                          <a:latin typeface="Arial" panose="020B0604020202020204" pitchFamily="34" charset="0"/>
+                          <a:ea typeface="Arial" panose="020B0604020202020204" pitchFamily="34" charset="0"/>
+                        </a:rPr>
+                        <a:t>OK</a:t>
+                      </a:r>
                     </a:p>
                   </a:txBody>
                   <a:tcPr marL="68580" marR="68580" marT="0" marB="0"/>
@@ -13951,7 +14109,7 @@
           <p:nvPr>
             <p:extLst>
               <p:ext uri="{D42A27DB-BD31-4B8C-83A1-F6EECF244321}">
-                <p14:modId xmlns:p14="http://schemas.microsoft.com/office/powerpoint/2010/main" val="3223483460"/>
+                <p14:modId xmlns:p14="http://schemas.microsoft.com/office/powerpoint/2010/main" val="2344097171"/>
               </p:ext>
             </p:extLst>
           </p:nvPr>
@@ -14180,14 +14338,17 @@
                           <a:tab pos="5626100" algn="l"/>
                         </a:tabLst>
                       </a:pPr>
-                      <a:endParaRPr lang="pt-BR" sz="1600" dirty="0">
-                        <a:solidFill>
-                          <a:srgbClr val="000000"/>
-                        </a:solidFill>
-                        <a:effectLst/>
-                        <a:latin typeface="Arial" panose="020B0604020202020204" pitchFamily="34" charset="0"/>
-                        <a:ea typeface="Arial" panose="020B0604020202020204" pitchFamily="34" charset="0"/>
-                      </a:endParaRPr>
+                      <a:r>
+                        <a:rPr lang="pt-BR" sz="1600" dirty="0">
+                          <a:solidFill>
+                            <a:srgbClr val="000000"/>
+                          </a:solidFill>
+                          <a:effectLst/>
+                          <a:latin typeface="Arial" panose="020B0604020202020204" pitchFamily="34" charset="0"/>
+                          <a:ea typeface="Arial" panose="020B0604020202020204" pitchFamily="34" charset="0"/>
+                        </a:rPr>
+                        <a:t>OK</a:t>
+                      </a:r>
                     </a:p>
                   </a:txBody>
                   <a:tcPr marL="68580" marR="68580" marT="0" marB="0"/>
@@ -14210,12 +14371,12 @@
                         </a:spcAft>
                       </a:pPr>
                       <a:r>
-                        <a:rPr lang="pt-BR" sz="1600">
+                        <a:rPr lang="pt-BR" sz="1600" dirty="0">
                           <a:effectLst/>
                         </a:rPr>
                         <a:t>RNF0012</a:t>
                       </a:r>
-                      <a:endParaRPr lang="pt-BR" sz="1600">
+                      <a:endParaRPr lang="pt-BR" sz="1600" dirty="0">
                         <a:solidFill>
                           <a:srgbClr val="000000"/>
                         </a:solidFill>
@@ -14299,14 +14460,17 @@
                           <a:tab pos="5626100" algn="l"/>
                         </a:tabLst>
                       </a:pPr>
-                      <a:endParaRPr lang="pt-BR" sz="1600">
-                        <a:solidFill>
-                          <a:srgbClr val="000000"/>
-                        </a:solidFill>
-                        <a:effectLst/>
-                        <a:latin typeface="Arial" panose="020B0604020202020204" pitchFamily="34" charset="0"/>
-                        <a:ea typeface="Arial" panose="020B0604020202020204" pitchFamily="34" charset="0"/>
-                      </a:endParaRPr>
+                      <a:r>
+                        <a:rPr lang="pt-BR" sz="1600" dirty="0">
+                          <a:solidFill>
+                            <a:srgbClr val="000000"/>
+                          </a:solidFill>
+                          <a:effectLst/>
+                          <a:latin typeface="Arial" panose="020B0604020202020204" pitchFamily="34" charset="0"/>
+                          <a:ea typeface="Arial" panose="020B0604020202020204" pitchFamily="34" charset="0"/>
+                        </a:rPr>
+                        <a:t>OK</a:t>
+                      </a:r>
                     </a:p>
                   </a:txBody>
                   <a:tcPr marL="68580" marR="68580" marT="0" marB="0"/>
@@ -14332,7 +14496,7 @@
                         </a:tabLst>
                       </a:pPr>
                       <a:r>
-                        <a:rPr lang="pt-BR" sz="1600">
+                        <a:rPr lang="pt-BR" sz="1600" dirty="0">
                           <a:effectLst/>
                           <a:highlight>
                             <a:srgbClr val="FFFF00"/>
@@ -14340,7 +14504,7 @@
                         </a:rPr>
                         <a:t> </a:t>
                       </a:r>
-                      <a:endParaRPr lang="pt-BR" sz="1600">
+                      <a:endParaRPr lang="pt-BR" sz="1600" dirty="0">
                         <a:solidFill>
                           <a:srgbClr val="000000"/>
                         </a:solidFill>
@@ -14385,7 +14549,7 @@
                           <a:tab pos="5626100" algn="l"/>
                         </a:tabLst>
                       </a:pPr>
-                      <a:endParaRPr lang="pt-BR" sz="1600">
+                      <a:endParaRPr lang="pt-BR" sz="1600" dirty="0">
                         <a:solidFill>
                           <a:srgbClr val="000000"/>
                         </a:solidFill>
@@ -14418,12 +14582,12 @@
                         </a:tabLst>
                       </a:pPr>
                       <a:r>
-                        <a:rPr lang="pt-BR" sz="1600">
-                          <a:effectLst/>
-                        </a:rPr>
-                        <a:t>Grupo: Cadastro de Jogos</a:t>
-                      </a:r>
-                      <a:endParaRPr lang="pt-BR" sz="1600">
+                        <a:rPr lang="pt-BR" sz="1600" dirty="0">
+                          <a:effectLst/>
+                        </a:rPr>
+                        <a:t>Grupo: Cadastro de Bebidas</a:t>
+                      </a:r>
+                      <a:endParaRPr lang="pt-BR" sz="1600" dirty="0">
                         <a:solidFill>
                           <a:srgbClr val="000000"/>
                         </a:solidFill>
@@ -14468,7 +14632,7 @@
                           <a:tab pos="5626100" algn="l"/>
                         </a:tabLst>
                       </a:pPr>
-                      <a:endParaRPr lang="pt-BR" sz="1600">
+                      <a:endParaRPr lang="pt-BR" sz="1600" dirty="0">
                         <a:solidFill>
                           <a:srgbClr val="000000"/>
                         </a:solidFill>
@@ -14498,66 +14662,66 @@
                         </a:spcAft>
                       </a:pPr>
                       <a:r>
-                        <a:rPr lang="pt-BR" sz="1600">
+                        <a:rPr lang="pt-BR" sz="1600" dirty="0">
                           <a:effectLst/>
                         </a:rPr>
                         <a:t>RNF0021</a:t>
                       </a:r>
-                      <a:endParaRPr lang="pt-BR" sz="1600">
-                        <a:solidFill>
-                          <a:srgbClr val="000000"/>
-                        </a:solidFill>
-                        <a:effectLst/>
-                        <a:latin typeface="Arial" panose="020B0604020202020204" pitchFamily="34" charset="0"/>
-                        <a:ea typeface="Arial" panose="020B0604020202020204" pitchFamily="34" charset="0"/>
-                      </a:endParaRPr>
-                    </a:p>
-                  </a:txBody>
-                  <a:tcPr marL="68580" marR="68580" marT="0" marB="0"/>
-                </a:tc>
-                <a:tc>
-                  <a:txBody>
-                    <a:bodyPr/>
-                    <a:lstStyle/>
-                    <a:p>
-                      <a:pPr>
-                        <a:spcAft>
-                          <a:spcPts val="0"/>
-                        </a:spcAft>
-                      </a:pPr>
-                      <a:r>
-                        <a:rPr lang="pt-BR" sz="1600">
+                      <a:endParaRPr lang="pt-BR" sz="1600" dirty="0">
+                        <a:solidFill>
+                          <a:srgbClr val="000000"/>
+                        </a:solidFill>
+                        <a:effectLst/>
+                        <a:latin typeface="Arial" panose="020B0604020202020204" pitchFamily="34" charset="0"/>
+                        <a:ea typeface="Arial" panose="020B0604020202020204" pitchFamily="34" charset="0"/>
+                      </a:endParaRPr>
+                    </a:p>
+                  </a:txBody>
+                  <a:tcPr marL="68580" marR="68580" marT="0" marB="0"/>
+                </a:tc>
+                <a:tc>
+                  <a:txBody>
+                    <a:bodyPr/>
+                    <a:lstStyle/>
+                    <a:p>
+                      <a:pPr>
+                        <a:spcAft>
+                          <a:spcPts val="0"/>
+                        </a:spcAft>
+                      </a:pPr>
+                      <a:r>
+                        <a:rPr lang="pt-BR" sz="1600" dirty="0">
                           <a:effectLst/>
                         </a:rPr>
                         <a:t>Código de bebida</a:t>
                       </a:r>
-                      <a:endParaRPr lang="pt-BR" sz="1600">
-                        <a:solidFill>
-                          <a:srgbClr val="000000"/>
-                        </a:solidFill>
-                        <a:effectLst/>
-                        <a:latin typeface="Arial" panose="020B0604020202020204" pitchFamily="34" charset="0"/>
-                        <a:ea typeface="Arial" panose="020B0604020202020204" pitchFamily="34" charset="0"/>
-                      </a:endParaRPr>
-                    </a:p>
-                  </a:txBody>
-                  <a:tcPr marL="68580" marR="68580" marT="0" marB="0"/>
-                </a:tc>
-                <a:tc>
-                  <a:txBody>
-                    <a:bodyPr/>
-                    <a:lstStyle/>
-                    <a:p>
-                      <a:pPr>
-                        <a:spcAft>
-                          <a:spcPts val="0"/>
-                        </a:spcAft>
-                        <a:tabLst>
-                          <a:tab pos="5626100" algn="l"/>
-                        </a:tabLst>
-                      </a:pPr>
-                      <a:r>
-                        <a:rPr lang="pt-BR" sz="1600">
+                      <a:endParaRPr lang="pt-BR" sz="1600" dirty="0">
+                        <a:solidFill>
+                          <a:srgbClr val="000000"/>
+                        </a:solidFill>
+                        <a:effectLst/>
+                        <a:latin typeface="Arial" panose="020B0604020202020204" pitchFamily="34" charset="0"/>
+                        <a:ea typeface="Arial" panose="020B0604020202020204" pitchFamily="34" charset="0"/>
+                      </a:endParaRPr>
+                    </a:p>
+                  </a:txBody>
+                  <a:tcPr marL="68580" marR="68580" marT="0" marB="0"/>
+                </a:tc>
+                <a:tc>
+                  <a:txBody>
+                    <a:bodyPr/>
+                    <a:lstStyle/>
+                    <a:p>
+                      <a:pPr>
+                        <a:spcAft>
+                          <a:spcPts val="0"/>
+                        </a:spcAft>
+                        <a:tabLst>
+                          <a:tab pos="5626100" algn="l"/>
+                        </a:tabLst>
+                      </a:pPr>
+                      <a:r>
+                        <a:rPr lang="pt-BR" sz="1600" dirty="0">
                           <a:effectLst/>
                         </a:rPr>
                         <a:t>Toda bebida cadastrado deve receber um código único no sistema.</a:t>
@@ -14573,44 +14737,47 @@
                         </a:tabLst>
                       </a:pPr>
                       <a:r>
-                        <a:rPr lang="pt-BR" sz="1600">
+                        <a:rPr lang="pt-BR" sz="1600" dirty="0">
                           <a:effectLst/>
                         </a:rPr>
                         <a:t> </a:t>
                       </a:r>
-                      <a:endParaRPr lang="pt-BR" sz="1600">
-                        <a:solidFill>
-                          <a:srgbClr val="000000"/>
-                        </a:solidFill>
-                        <a:effectLst/>
-                        <a:latin typeface="Arial" panose="020B0604020202020204" pitchFamily="34" charset="0"/>
-                        <a:ea typeface="Arial" panose="020B0604020202020204" pitchFamily="34" charset="0"/>
-                      </a:endParaRPr>
-                    </a:p>
-                  </a:txBody>
-                  <a:tcPr marL="68580" marR="68580" marT="0" marB="0"/>
-                </a:tc>
-                <a:tc>
-                  <a:txBody>
-                    <a:bodyPr/>
-                    <a:lstStyle/>
-                    <a:p>
-                      <a:pPr>
-                        <a:spcAft>
-                          <a:spcPts val="0"/>
-                        </a:spcAft>
-                        <a:tabLst>
-                          <a:tab pos="5626100" algn="l"/>
-                        </a:tabLst>
-                      </a:pPr>
-                      <a:endParaRPr lang="pt-BR" sz="1600">
-                        <a:solidFill>
-                          <a:srgbClr val="000000"/>
-                        </a:solidFill>
-                        <a:effectLst/>
-                        <a:latin typeface="Arial" panose="020B0604020202020204" pitchFamily="34" charset="0"/>
-                        <a:ea typeface="Arial" panose="020B0604020202020204" pitchFamily="34" charset="0"/>
-                      </a:endParaRPr>
+                      <a:endParaRPr lang="pt-BR" sz="1600" dirty="0">
+                        <a:solidFill>
+                          <a:srgbClr val="000000"/>
+                        </a:solidFill>
+                        <a:effectLst/>
+                        <a:latin typeface="Arial" panose="020B0604020202020204" pitchFamily="34" charset="0"/>
+                        <a:ea typeface="Arial" panose="020B0604020202020204" pitchFamily="34" charset="0"/>
+                      </a:endParaRPr>
+                    </a:p>
+                  </a:txBody>
+                  <a:tcPr marL="68580" marR="68580" marT="0" marB="0"/>
+                </a:tc>
+                <a:tc>
+                  <a:txBody>
+                    <a:bodyPr/>
+                    <a:lstStyle/>
+                    <a:p>
+                      <a:pPr>
+                        <a:spcAft>
+                          <a:spcPts val="0"/>
+                        </a:spcAft>
+                        <a:tabLst>
+                          <a:tab pos="5626100" algn="l"/>
+                        </a:tabLst>
+                      </a:pPr>
+                      <a:r>
+                        <a:rPr lang="pt-BR" sz="1600" dirty="0">
+                          <a:solidFill>
+                            <a:srgbClr val="000000"/>
+                          </a:solidFill>
+                          <a:effectLst/>
+                          <a:latin typeface="Arial" panose="020B0604020202020204" pitchFamily="34" charset="0"/>
+                          <a:ea typeface="Arial" panose="020B0604020202020204" pitchFamily="34" charset="0"/>
+                        </a:rPr>
+                        <a:t>OK</a:t>
+                      </a:r>
                     </a:p>
                   </a:txBody>
                   <a:tcPr marL="68580" marR="68580" marT="0" marB="0"/>
@@ -14633,40 +14800,40 @@
                         </a:spcAft>
                       </a:pPr>
                       <a:r>
-                        <a:rPr lang="pt-BR" sz="1600">
+                        <a:rPr lang="pt-BR" sz="1600" dirty="0">
                           <a:effectLst/>
                         </a:rPr>
                         <a:t>RNF0022</a:t>
                       </a:r>
-                      <a:endParaRPr lang="pt-BR" sz="1600">
-                        <a:solidFill>
-                          <a:srgbClr val="000000"/>
-                        </a:solidFill>
-                        <a:effectLst/>
-                        <a:latin typeface="Arial" panose="020B0604020202020204" pitchFamily="34" charset="0"/>
-                        <a:ea typeface="Arial" panose="020B0604020202020204" pitchFamily="34" charset="0"/>
-                      </a:endParaRPr>
-                    </a:p>
-                  </a:txBody>
-                  <a:tcPr marL="68580" marR="68580" marT="0" marB="0"/>
-                </a:tc>
-                <a:tc>
-                  <a:txBody>
-                    <a:bodyPr/>
-                    <a:lstStyle/>
-                    <a:p>
-                      <a:pPr>
-                        <a:spcAft>
-                          <a:spcPts val="0"/>
-                        </a:spcAft>
-                      </a:pPr>
-                      <a:r>
-                        <a:rPr lang="pt-BR" sz="1600">
+                      <a:endParaRPr lang="pt-BR" sz="1600" dirty="0">
+                        <a:solidFill>
+                          <a:srgbClr val="000000"/>
+                        </a:solidFill>
+                        <a:effectLst/>
+                        <a:latin typeface="Arial" panose="020B0604020202020204" pitchFamily="34" charset="0"/>
+                        <a:ea typeface="Arial" panose="020B0604020202020204" pitchFamily="34" charset="0"/>
+                      </a:endParaRPr>
+                    </a:p>
+                  </a:txBody>
+                  <a:tcPr marL="68580" marR="68580" marT="0" marB="0"/>
+                </a:tc>
+                <a:tc>
+                  <a:txBody>
+                    <a:bodyPr/>
+                    <a:lstStyle/>
+                    <a:p>
+                      <a:pPr>
+                        <a:spcAft>
+                          <a:spcPts val="0"/>
+                        </a:spcAft>
+                      </a:pPr>
+                      <a:r>
+                        <a:rPr lang="pt-BR" sz="1600" dirty="0">
                           <a:effectLst/>
                         </a:rPr>
                         <a:t>Cadastro de domínios</a:t>
                       </a:r>
-                      <a:endParaRPr lang="pt-BR" sz="1600">
+                      <a:endParaRPr lang="pt-BR" sz="1600" dirty="0">
                         <a:solidFill>
                           <a:srgbClr val="000000"/>
                         </a:solidFill>
@@ -14734,14 +14901,17 @@
                           <a:tab pos="5626100" algn="l"/>
                         </a:tabLst>
                       </a:pPr>
-                      <a:endParaRPr lang="pt-BR" sz="1600" dirty="0">
-                        <a:solidFill>
-                          <a:srgbClr val="000000"/>
-                        </a:solidFill>
-                        <a:effectLst/>
-                        <a:latin typeface="Arial" panose="020B0604020202020204" pitchFamily="34" charset="0"/>
-                        <a:ea typeface="Arial" panose="020B0604020202020204" pitchFamily="34" charset="0"/>
-                      </a:endParaRPr>
+                      <a:r>
+                        <a:rPr lang="pt-BR" sz="1600" dirty="0">
+                          <a:solidFill>
+                            <a:srgbClr val="000000"/>
+                          </a:solidFill>
+                          <a:effectLst/>
+                          <a:latin typeface="Arial" panose="020B0604020202020204" pitchFamily="34" charset="0"/>
+                          <a:ea typeface="Arial" panose="020B0604020202020204" pitchFamily="34" charset="0"/>
+                        </a:rPr>
+                        <a:t>OK</a:t>
+                      </a:r>
                     </a:p>
                   </a:txBody>
                   <a:tcPr marL="68580" marR="68580" marT="0" marB="0"/>
@@ -14801,7 +14971,7 @@
           <p:nvPr>
             <p:extLst>
               <p:ext uri="{D42A27DB-BD31-4B8C-83A1-F6EECF244321}">
-                <p14:modId xmlns:p14="http://schemas.microsoft.com/office/powerpoint/2010/main" val="1354633628"/>
+                <p14:modId xmlns:p14="http://schemas.microsoft.com/office/powerpoint/2010/main" val="2707592564"/>
               </p:ext>
             </p:extLst>
           </p:nvPr>
@@ -15024,14 +15194,17 @@
                           <a:tab pos="5626100" algn="l"/>
                         </a:tabLst>
                       </a:pPr>
-                      <a:endParaRPr lang="pt-BR" sz="1600" dirty="0">
-                        <a:solidFill>
-                          <a:srgbClr val="000000"/>
-                        </a:solidFill>
-                        <a:effectLst/>
-                        <a:latin typeface="Arial" panose="020B0604020202020204" pitchFamily="34" charset="0"/>
-                        <a:ea typeface="Arial" panose="020B0604020202020204" pitchFamily="34" charset="0"/>
-                      </a:endParaRPr>
+                      <a:r>
+                        <a:rPr lang="pt-BR" sz="1600" dirty="0">
+                          <a:solidFill>
+                            <a:srgbClr val="000000"/>
+                          </a:solidFill>
+                          <a:effectLst/>
+                          <a:latin typeface="Arial" panose="020B0604020202020204" pitchFamily="34" charset="0"/>
+                          <a:ea typeface="Arial" panose="020B0604020202020204" pitchFamily="34" charset="0"/>
+                        </a:rPr>
+                        <a:t>-</a:t>
+                      </a:r>
                     </a:p>
                   </a:txBody>
                   <a:tcPr marL="68580" marR="68580" marT="0" marB="0"/>
@@ -15054,12 +15227,12 @@
                         </a:spcAft>
                       </a:pPr>
                       <a:r>
-                        <a:rPr lang="pt-BR" sz="1600">
+                        <a:rPr lang="pt-BR" sz="1600" dirty="0">
                           <a:effectLst/>
                         </a:rPr>
                         <a:t>RNF0032</a:t>
                       </a:r>
-                      <a:endParaRPr lang="pt-BR" sz="1600">
+                      <a:endParaRPr lang="pt-BR" sz="1600" dirty="0">
                         <a:solidFill>
                           <a:srgbClr val="000000"/>
                         </a:solidFill>
@@ -15113,44 +15286,47 @@
                         </a:tabLst>
                       </a:pPr>
                       <a:r>
-                        <a:rPr lang="pt-BR" sz="1600">
+                        <a:rPr lang="pt-BR" sz="1600" dirty="0">
                           <a:effectLst/>
                         </a:rPr>
                         <a:t>O usuário obrigatoriamente deve digitar duas vezes a mesma senha no momento do registro da mesma.</a:t>
                       </a:r>
-                      <a:endParaRPr lang="pt-BR" sz="1600">
-                        <a:solidFill>
-                          <a:srgbClr val="000000"/>
-                        </a:solidFill>
-                        <a:effectLst/>
-                        <a:latin typeface="Arial" panose="020B0604020202020204" pitchFamily="34" charset="0"/>
-                        <a:ea typeface="Arial" panose="020B0604020202020204" pitchFamily="34" charset="0"/>
-                      </a:endParaRPr>
-                    </a:p>
-                  </a:txBody>
-                  <a:tcPr marL="68580" marR="68580" marT="0" marB="0"/>
-                </a:tc>
-                <a:tc>
-                  <a:txBody>
-                    <a:bodyPr/>
-                    <a:lstStyle/>
-                    <a:p>
-                      <a:pPr>
-                        <a:spcAft>
-                          <a:spcPts val="0"/>
-                        </a:spcAft>
-                        <a:tabLst>
-                          <a:tab pos="5626100" algn="l"/>
-                        </a:tabLst>
-                      </a:pPr>
-                      <a:endParaRPr lang="pt-BR" sz="1600">
-                        <a:solidFill>
-                          <a:srgbClr val="000000"/>
-                        </a:solidFill>
-                        <a:effectLst/>
-                        <a:latin typeface="Arial" panose="020B0604020202020204" pitchFamily="34" charset="0"/>
-                        <a:ea typeface="Arial" panose="020B0604020202020204" pitchFamily="34" charset="0"/>
-                      </a:endParaRPr>
+                      <a:endParaRPr lang="pt-BR" sz="1600" dirty="0">
+                        <a:solidFill>
+                          <a:srgbClr val="000000"/>
+                        </a:solidFill>
+                        <a:effectLst/>
+                        <a:latin typeface="Arial" panose="020B0604020202020204" pitchFamily="34" charset="0"/>
+                        <a:ea typeface="Arial" panose="020B0604020202020204" pitchFamily="34" charset="0"/>
+                      </a:endParaRPr>
+                    </a:p>
+                  </a:txBody>
+                  <a:tcPr marL="68580" marR="68580" marT="0" marB="0"/>
+                </a:tc>
+                <a:tc>
+                  <a:txBody>
+                    <a:bodyPr/>
+                    <a:lstStyle/>
+                    <a:p>
+                      <a:pPr>
+                        <a:spcAft>
+                          <a:spcPts val="0"/>
+                        </a:spcAft>
+                        <a:tabLst>
+                          <a:tab pos="5626100" algn="l"/>
+                        </a:tabLst>
+                      </a:pPr>
+                      <a:r>
+                        <a:rPr lang="pt-BR" sz="1600" dirty="0">
+                          <a:solidFill>
+                            <a:srgbClr val="000000"/>
+                          </a:solidFill>
+                          <a:effectLst/>
+                          <a:latin typeface="Arial" panose="020B0604020202020204" pitchFamily="34" charset="0"/>
+                          <a:ea typeface="Arial" panose="020B0604020202020204" pitchFamily="34" charset="0"/>
+                        </a:rPr>
+                        <a:t>OK</a:t>
+                      </a:r>
                     </a:p>
                   </a:txBody>
                   <a:tcPr marL="68580" marR="68580" marT="0" marB="0"/>
@@ -15173,103 +15349,106 @@
                         </a:spcAft>
                       </a:pPr>
                       <a:r>
-                        <a:rPr lang="pt-BR" sz="1600">
+                        <a:rPr lang="pt-BR" sz="1600" dirty="0">
                           <a:effectLst/>
                         </a:rPr>
                         <a:t>RNF0033</a:t>
                       </a:r>
-                      <a:endParaRPr lang="pt-BR" sz="1600">
-                        <a:solidFill>
-                          <a:srgbClr val="000000"/>
-                        </a:solidFill>
-                        <a:effectLst/>
-                        <a:latin typeface="Arial" panose="020B0604020202020204" pitchFamily="34" charset="0"/>
-                        <a:ea typeface="Arial" panose="020B0604020202020204" pitchFamily="34" charset="0"/>
-                      </a:endParaRPr>
-                    </a:p>
-                  </a:txBody>
-                  <a:tcPr marL="68580" marR="68580" marT="0" marB="0"/>
-                </a:tc>
-                <a:tc>
-                  <a:txBody>
-                    <a:bodyPr/>
-                    <a:lstStyle/>
-                    <a:p>
-                      <a:pPr>
-                        <a:spcAft>
-                          <a:spcPts val="0"/>
-                        </a:spcAft>
-                      </a:pPr>
-                      <a:r>
-                        <a:rPr lang="pt-BR" sz="1600">
+                      <a:endParaRPr lang="pt-BR" sz="1600" dirty="0">
+                        <a:solidFill>
+                          <a:srgbClr val="000000"/>
+                        </a:solidFill>
+                        <a:effectLst/>
+                        <a:latin typeface="Arial" panose="020B0604020202020204" pitchFamily="34" charset="0"/>
+                        <a:ea typeface="Arial" panose="020B0604020202020204" pitchFamily="34" charset="0"/>
+                      </a:endParaRPr>
+                    </a:p>
+                  </a:txBody>
+                  <a:tcPr marL="68580" marR="68580" marT="0" marB="0"/>
+                </a:tc>
+                <a:tc>
+                  <a:txBody>
+                    <a:bodyPr/>
+                    <a:lstStyle/>
+                    <a:p>
+                      <a:pPr>
+                        <a:spcAft>
+                          <a:spcPts val="0"/>
+                        </a:spcAft>
+                      </a:pPr>
+                      <a:r>
+                        <a:rPr lang="pt-BR" sz="1600" dirty="0">
                           <a:effectLst/>
                         </a:rPr>
                         <a:t>Senha criptografada</a:t>
                       </a:r>
-                      <a:endParaRPr lang="pt-BR" sz="1600">
-                        <a:solidFill>
-                          <a:srgbClr val="000000"/>
-                        </a:solidFill>
-                        <a:effectLst/>
-                        <a:latin typeface="Arial" panose="020B0604020202020204" pitchFamily="34" charset="0"/>
-                        <a:ea typeface="Arial" panose="020B0604020202020204" pitchFamily="34" charset="0"/>
-                      </a:endParaRPr>
-                    </a:p>
-                  </a:txBody>
-                  <a:tcPr marL="68580" marR="68580" marT="0" marB="0"/>
-                </a:tc>
-                <a:tc>
-                  <a:txBody>
-                    <a:bodyPr/>
-                    <a:lstStyle/>
-                    <a:p>
-                      <a:pPr>
-                        <a:spcAft>
-                          <a:spcPts val="0"/>
-                        </a:spcAft>
-                        <a:tabLst>
-                          <a:tab pos="5626100" algn="l"/>
-                        </a:tabLst>
-                      </a:pPr>
-                      <a:r>
-                        <a:rPr lang="pt-BR" sz="1600">
+                      <a:endParaRPr lang="pt-BR" sz="1600" dirty="0">
+                        <a:solidFill>
+                          <a:srgbClr val="000000"/>
+                        </a:solidFill>
+                        <a:effectLst/>
+                        <a:latin typeface="Arial" panose="020B0604020202020204" pitchFamily="34" charset="0"/>
+                        <a:ea typeface="Arial" panose="020B0604020202020204" pitchFamily="34" charset="0"/>
+                      </a:endParaRPr>
+                    </a:p>
+                  </a:txBody>
+                  <a:tcPr marL="68580" marR="68580" marT="0" marB="0"/>
+                </a:tc>
+                <a:tc>
+                  <a:txBody>
+                    <a:bodyPr/>
+                    <a:lstStyle/>
+                    <a:p>
+                      <a:pPr>
+                        <a:spcAft>
+                          <a:spcPts val="0"/>
+                        </a:spcAft>
+                        <a:tabLst>
+                          <a:tab pos="5626100" algn="l"/>
+                        </a:tabLst>
+                      </a:pPr>
+                      <a:r>
+                        <a:rPr lang="pt-BR" sz="1600" dirty="0">
                           <a:effectLst/>
                         </a:rPr>
                         <a:t>A senha deve ser criptografada </a:t>
                       </a:r>
-                      <a:endParaRPr lang="pt-BR" sz="1600">
-                        <a:solidFill>
-                          <a:srgbClr val="000000"/>
-                        </a:solidFill>
-                        <a:effectLst/>
-                        <a:latin typeface="Arial" panose="020B0604020202020204" pitchFamily="34" charset="0"/>
-                        <a:ea typeface="Arial" panose="020B0604020202020204" pitchFamily="34" charset="0"/>
-                      </a:endParaRPr>
-                    </a:p>
-                  </a:txBody>
-                  <a:tcPr marL="68580" marR="68580" marT="0" marB="0"/>
-                </a:tc>
-                <a:tc>
-                  <a:txBody>
-                    <a:bodyPr/>
-                    <a:lstStyle/>
-                    <a:p>
-                      <a:pPr>
-                        <a:spcAft>
-                          <a:spcPts val="0"/>
-                        </a:spcAft>
-                        <a:tabLst>
-                          <a:tab pos="5626100" algn="l"/>
-                        </a:tabLst>
-                      </a:pPr>
-                      <a:endParaRPr lang="pt-BR" sz="1600">
-                        <a:solidFill>
-                          <a:srgbClr val="000000"/>
-                        </a:solidFill>
-                        <a:effectLst/>
-                        <a:latin typeface="Arial" panose="020B0604020202020204" pitchFamily="34" charset="0"/>
-                        <a:ea typeface="Arial" panose="020B0604020202020204" pitchFamily="34" charset="0"/>
-                      </a:endParaRPr>
+                      <a:endParaRPr lang="pt-BR" sz="1600" dirty="0">
+                        <a:solidFill>
+                          <a:srgbClr val="000000"/>
+                        </a:solidFill>
+                        <a:effectLst/>
+                        <a:latin typeface="Arial" panose="020B0604020202020204" pitchFamily="34" charset="0"/>
+                        <a:ea typeface="Arial" panose="020B0604020202020204" pitchFamily="34" charset="0"/>
+                      </a:endParaRPr>
+                    </a:p>
+                  </a:txBody>
+                  <a:tcPr marL="68580" marR="68580" marT="0" marB="0"/>
+                </a:tc>
+                <a:tc>
+                  <a:txBody>
+                    <a:bodyPr/>
+                    <a:lstStyle/>
+                    <a:p>
+                      <a:pPr>
+                        <a:spcAft>
+                          <a:spcPts val="0"/>
+                        </a:spcAft>
+                        <a:tabLst>
+                          <a:tab pos="5626100" algn="l"/>
+                        </a:tabLst>
+                      </a:pPr>
+                      <a:r>
+                        <a:rPr lang="pt-BR" sz="1600" dirty="0">
+                          <a:solidFill>
+                            <a:srgbClr val="000000"/>
+                          </a:solidFill>
+                          <a:effectLst/>
+                          <a:latin typeface="Arial" panose="020B0604020202020204" pitchFamily="34" charset="0"/>
+                          <a:ea typeface="Arial" panose="020B0604020202020204" pitchFamily="34" charset="0"/>
+                        </a:rPr>
+                        <a:t>OK</a:t>
+                      </a:r>
                     </a:p>
                   </a:txBody>
                   <a:tcPr marL="68580" marR="68580" marT="0" marB="0"/>
@@ -15292,40 +15471,40 @@
                         </a:spcAft>
                       </a:pPr>
                       <a:r>
-                        <a:rPr lang="pt-BR" sz="1600">
+                        <a:rPr lang="pt-BR" sz="1600" dirty="0">
                           <a:effectLst/>
                         </a:rPr>
                         <a:t>RF0034</a:t>
                       </a:r>
-                      <a:endParaRPr lang="pt-BR" sz="1600">
-                        <a:solidFill>
-                          <a:srgbClr val="000000"/>
-                        </a:solidFill>
-                        <a:effectLst/>
-                        <a:latin typeface="Arial" panose="020B0604020202020204" pitchFamily="34" charset="0"/>
-                        <a:ea typeface="Arial" panose="020B0604020202020204" pitchFamily="34" charset="0"/>
-                      </a:endParaRPr>
-                    </a:p>
-                  </a:txBody>
-                  <a:tcPr marL="68580" marR="68580" marT="0" marB="0"/>
-                </a:tc>
-                <a:tc>
-                  <a:txBody>
-                    <a:bodyPr/>
-                    <a:lstStyle/>
-                    <a:p>
-                      <a:pPr>
-                        <a:spcAft>
-                          <a:spcPts val="0"/>
-                        </a:spcAft>
-                      </a:pPr>
-                      <a:r>
-                        <a:rPr lang="pt-BR" sz="1600">
+                      <a:endParaRPr lang="pt-BR" sz="1600" dirty="0">
+                        <a:solidFill>
+                          <a:srgbClr val="000000"/>
+                        </a:solidFill>
+                        <a:effectLst/>
+                        <a:latin typeface="Arial" panose="020B0604020202020204" pitchFamily="34" charset="0"/>
+                        <a:ea typeface="Arial" panose="020B0604020202020204" pitchFamily="34" charset="0"/>
+                      </a:endParaRPr>
+                    </a:p>
+                  </a:txBody>
+                  <a:tcPr marL="68580" marR="68580" marT="0" marB="0"/>
+                </a:tc>
+                <a:tc>
+                  <a:txBody>
+                    <a:bodyPr/>
+                    <a:lstStyle/>
+                    <a:p>
+                      <a:pPr>
+                        <a:spcAft>
+                          <a:spcPts val="0"/>
+                        </a:spcAft>
+                      </a:pPr>
+                      <a:r>
+                        <a:rPr lang="pt-BR" sz="1600" dirty="0">
                           <a:effectLst/>
                         </a:rPr>
                         <a:t>Alteração apenas de endereços </a:t>
                       </a:r>
-                      <a:endParaRPr lang="pt-BR" sz="1600">
+                      <a:endParaRPr lang="pt-BR" sz="1600" dirty="0">
                         <a:solidFill>
                           <a:srgbClr val="000000"/>
                         </a:solidFill>
@@ -15381,14 +15560,17 @@
                           <a:tab pos="5626100" algn="l"/>
                         </a:tabLst>
                       </a:pPr>
-                      <a:endParaRPr lang="pt-BR" sz="1600">
-                        <a:solidFill>
-                          <a:srgbClr val="000000"/>
-                        </a:solidFill>
-                        <a:effectLst/>
-                        <a:latin typeface="Arial" panose="020B0604020202020204" pitchFamily="34" charset="0"/>
-                        <a:ea typeface="Arial" panose="020B0604020202020204" pitchFamily="34" charset="0"/>
-                      </a:endParaRPr>
+                      <a:r>
+                        <a:rPr lang="pt-BR" sz="1600" dirty="0">
+                          <a:solidFill>
+                            <a:srgbClr val="000000"/>
+                          </a:solidFill>
+                          <a:effectLst/>
+                          <a:latin typeface="Arial" panose="020B0604020202020204" pitchFamily="34" charset="0"/>
+                          <a:ea typeface="Arial" panose="020B0604020202020204" pitchFamily="34" charset="0"/>
+                        </a:rPr>
+                        <a:t>OK</a:t>
+                      </a:r>
                     </a:p>
                   </a:txBody>
                   <a:tcPr marL="68580" marR="68580" marT="0" marB="0"/>
@@ -15411,66 +15593,66 @@
                         </a:spcAft>
                       </a:pPr>
                       <a:r>
-                        <a:rPr lang="pt-BR" sz="1600">
+                        <a:rPr lang="pt-BR" sz="1600" dirty="0">
                           <a:effectLst/>
                         </a:rPr>
                         <a:t>RNF0035</a:t>
                       </a:r>
-                      <a:endParaRPr lang="pt-BR" sz="1600">
-                        <a:solidFill>
-                          <a:srgbClr val="000000"/>
-                        </a:solidFill>
-                        <a:effectLst/>
-                        <a:latin typeface="Arial" panose="020B0604020202020204" pitchFamily="34" charset="0"/>
-                        <a:ea typeface="Arial" panose="020B0604020202020204" pitchFamily="34" charset="0"/>
-                      </a:endParaRPr>
-                    </a:p>
-                  </a:txBody>
-                  <a:tcPr marL="68580" marR="68580" marT="0" marB="0"/>
-                </a:tc>
-                <a:tc>
-                  <a:txBody>
-                    <a:bodyPr/>
-                    <a:lstStyle/>
-                    <a:p>
-                      <a:pPr>
-                        <a:spcAft>
-                          <a:spcPts val="0"/>
-                        </a:spcAft>
-                      </a:pPr>
-                      <a:r>
-                        <a:rPr lang="pt-BR" sz="1600">
+                      <a:endParaRPr lang="pt-BR" sz="1600" dirty="0">
+                        <a:solidFill>
+                          <a:srgbClr val="000000"/>
+                        </a:solidFill>
+                        <a:effectLst/>
+                        <a:latin typeface="Arial" panose="020B0604020202020204" pitchFamily="34" charset="0"/>
+                        <a:ea typeface="Arial" panose="020B0604020202020204" pitchFamily="34" charset="0"/>
+                      </a:endParaRPr>
+                    </a:p>
+                  </a:txBody>
+                  <a:tcPr marL="68580" marR="68580" marT="0" marB="0"/>
+                </a:tc>
+                <a:tc>
+                  <a:txBody>
+                    <a:bodyPr/>
+                    <a:lstStyle/>
+                    <a:p>
+                      <a:pPr>
+                        <a:spcAft>
+                          <a:spcPts val="0"/>
+                        </a:spcAft>
+                      </a:pPr>
+                      <a:r>
+                        <a:rPr lang="pt-BR" sz="1600" dirty="0">
                           <a:effectLst/>
                         </a:rPr>
                         <a:t>Código de cliente</a:t>
                       </a:r>
-                      <a:endParaRPr lang="pt-BR" sz="1600">
-                        <a:solidFill>
-                          <a:srgbClr val="000000"/>
-                        </a:solidFill>
-                        <a:effectLst/>
-                        <a:latin typeface="Arial" panose="020B0604020202020204" pitchFamily="34" charset="0"/>
-                        <a:ea typeface="Arial" panose="020B0604020202020204" pitchFamily="34" charset="0"/>
-                      </a:endParaRPr>
-                    </a:p>
-                  </a:txBody>
-                  <a:tcPr marL="68580" marR="68580" marT="0" marB="0"/>
-                </a:tc>
-                <a:tc>
-                  <a:txBody>
-                    <a:bodyPr/>
-                    <a:lstStyle/>
-                    <a:p>
-                      <a:pPr>
-                        <a:spcAft>
-                          <a:spcPts val="0"/>
-                        </a:spcAft>
-                        <a:tabLst>
-                          <a:tab pos="5626100" algn="l"/>
-                        </a:tabLst>
-                      </a:pPr>
-                      <a:r>
-                        <a:rPr lang="pt-BR" sz="1600">
+                      <a:endParaRPr lang="pt-BR" sz="1600" dirty="0">
+                        <a:solidFill>
+                          <a:srgbClr val="000000"/>
+                        </a:solidFill>
+                        <a:effectLst/>
+                        <a:latin typeface="Arial" panose="020B0604020202020204" pitchFamily="34" charset="0"/>
+                        <a:ea typeface="Arial" panose="020B0604020202020204" pitchFamily="34" charset="0"/>
+                      </a:endParaRPr>
+                    </a:p>
+                  </a:txBody>
+                  <a:tcPr marL="68580" marR="68580" marT="0" marB="0"/>
+                </a:tc>
+                <a:tc>
+                  <a:txBody>
+                    <a:bodyPr/>
+                    <a:lstStyle/>
+                    <a:p>
+                      <a:pPr>
+                        <a:spcAft>
+                          <a:spcPts val="0"/>
+                        </a:spcAft>
+                        <a:tabLst>
+                          <a:tab pos="5626100" algn="l"/>
+                        </a:tabLst>
+                      </a:pPr>
+                      <a:r>
+                        <a:rPr lang="pt-BR" sz="1600" dirty="0">
                           <a:effectLst/>
                         </a:rPr>
                         <a:t>Todo cliente cadastrado deve receber um código único no sistema.</a:t>
@@ -15486,44 +15668,47 @@
                         </a:tabLst>
                       </a:pPr>
                       <a:r>
-                        <a:rPr lang="pt-BR" sz="1600">
+                        <a:rPr lang="pt-BR" sz="1600" dirty="0">
                           <a:effectLst/>
                         </a:rPr>
                         <a:t> </a:t>
                       </a:r>
-                      <a:endParaRPr lang="pt-BR" sz="1600">
-                        <a:solidFill>
-                          <a:srgbClr val="000000"/>
-                        </a:solidFill>
-                        <a:effectLst/>
-                        <a:latin typeface="Arial" panose="020B0604020202020204" pitchFamily="34" charset="0"/>
-                        <a:ea typeface="Arial" panose="020B0604020202020204" pitchFamily="34" charset="0"/>
-                      </a:endParaRPr>
-                    </a:p>
-                  </a:txBody>
-                  <a:tcPr marL="68580" marR="68580" marT="0" marB="0"/>
-                </a:tc>
-                <a:tc>
-                  <a:txBody>
-                    <a:bodyPr/>
-                    <a:lstStyle/>
-                    <a:p>
-                      <a:pPr>
-                        <a:spcAft>
-                          <a:spcPts val="0"/>
-                        </a:spcAft>
-                        <a:tabLst>
-                          <a:tab pos="5626100" algn="l"/>
-                        </a:tabLst>
-                      </a:pPr>
-                      <a:endParaRPr lang="pt-BR" sz="1600">
-                        <a:solidFill>
-                          <a:srgbClr val="000000"/>
-                        </a:solidFill>
-                        <a:effectLst/>
-                        <a:latin typeface="Arial" panose="020B0604020202020204" pitchFamily="34" charset="0"/>
-                        <a:ea typeface="Arial" panose="020B0604020202020204" pitchFamily="34" charset="0"/>
-                      </a:endParaRPr>
+                      <a:endParaRPr lang="pt-BR" sz="1600" dirty="0">
+                        <a:solidFill>
+                          <a:srgbClr val="000000"/>
+                        </a:solidFill>
+                        <a:effectLst/>
+                        <a:latin typeface="Arial" panose="020B0604020202020204" pitchFamily="34" charset="0"/>
+                        <a:ea typeface="Arial" panose="020B0604020202020204" pitchFamily="34" charset="0"/>
+                      </a:endParaRPr>
+                    </a:p>
+                  </a:txBody>
+                  <a:tcPr marL="68580" marR="68580" marT="0" marB="0"/>
+                </a:tc>
+                <a:tc>
+                  <a:txBody>
+                    <a:bodyPr/>
+                    <a:lstStyle/>
+                    <a:p>
+                      <a:pPr>
+                        <a:spcAft>
+                          <a:spcPts val="0"/>
+                        </a:spcAft>
+                        <a:tabLst>
+                          <a:tab pos="5626100" algn="l"/>
+                        </a:tabLst>
+                      </a:pPr>
+                      <a:r>
+                        <a:rPr lang="pt-BR" sz="1600" dirty="0">
+                          <a:solidFill>
+                            <a:srgbClr val="000000"/>
+                          </a:solidFill>
+                          <a:effectLst/>
+                          <a:latin typeface="Arial" panose="020B0604020202020204" pitchFamily="34" charset="0"/>
+                          <a:ea typeface="Arial" panose="020B0604020202020204" pitchFamily="34" charset="0"/>
+                        </a:rPr>
+                        <a:t>OK</a:t>
+                      </a:r>
                     </a:p>
                   </a:txBody>
                   <a:tcPr marL="68580" marR="68580" marT="0" marB="0"/>
@@ -15549,12 +15734,12 @@
                         </a:tabLst>
                       </a:pPr>
                       <a:r>
-                        <a:rPr lang="pt-BR" sz="1600">
+                        <a:rPr lang="pt-BR" sz="1600" dirty="0">
                           <a:effectLst/>
                         </a:rPr>
                         <a:t> </a:t>
                       </a:r>
-                      <a:endParaRPr lang="pt-BR" sz="1600">
+                      <a:endParaRPr lang="pt-BR" sz="1600" dirty="0">
                         <a:solidFill>
                           <a:srgbClr val="000000"/>
                         </a:solidFill>
@@ -15599,7 +15784,7 @@
                           <a:tab pos="5626100" algn="l"/>
                         </a:tabLst>
                       </a:pPr>
-                      <a:endParaRPr lang="pt-BR" sz="1600">
+                      <a:endParaRPr lang="pt-BR" sz="1600" dirty="0">
                         <a:solidFill>
                           <a:srgbClr val="000000"/>
                         </a:solidFill>
@@ -15629,12 +15814,12 @@
                         </a:spcAft>
                       </a:pPr>
                       <a:r>
-                        <a:rPr lang="pt-BR" sz="1600">
+                        <a:rPr lang="pt-BR" sz="1600" dirty="0">
                           <a:effectLst/>
                         </a:rPr>
                         <a:t>Grupo: Gerenciar Vendas Eletrônicas</a:t>
                       </a:r>
-                      <a:endParaRPr lang="pt-BR" sz="1600">
+                      <a:endParaRPr lang="pt-BR" sz="1600" dirty="0">
                         <a:solidFill>
                           <a:srgbClr val="000000"/>
                         </a:solidFill>
@@ -15676,7 +15861,7 @@
                           <a:spcPts val="600"/>
                         </a:spcAft>
                       </a:pPr>
-                      <a:endParaRPr lang="pt-BR" sz="1600">
+                      <a:endParaRPr lang="pt-BR" sz="1600" dirty="0">
                         <a:solidFill>
                           <a:srgbClr val="000000"/>
                         </a:solidFill>
@@ -15706,12 +15891,12 @@
                         </a:spcAft>
                       </a:pPr>
                       <a:r>
-                        <a:rPr lang="pt-BR" sz="1600">
+                        <a:rPr lang="pt-BR" sz="1600" dirty="0">
                           <a:effectLst/>
                         </a:rPr>
                         <a:t>RNF0041</a:t>
                       </a:r>
-                      <a:endParaRPr lang="pt-BR" sz="1600">
+                      <a:endParaRPr lang="pt-BR" sz="1600" dirty="0">
                         <a:solidFill>
                           <a:srgbClr val="000000"/>
                         </a:solidFill>
@@ -15795,14 +15980,17 @@
                           <a:tab pos="5626100" algn="l"/>
                         </a:tabLst>
                       </a:pPr>
-                      <a:endParaRPr lang="pt-BR" sz="1600" dirty="0">
-                        <a:solidFill>
-                          <a:srgbClr val="000000"/>
-                        </a:solidFill>
-                        <a:effectLst/>
-                        <a:latin typeface="Arial" panose="020B0604020202020204" pitchFamily="34" charset="0"/>
-                        <a:ea typeface="Arial" panose="020B0604020202020204" pitchFamily="34" charset="0"/>
-                      </a:endParaRPr>
+                      <a:r>
+                        <a:rPr lang="pt-BR" sz="1600" dirty="0">
+                          <a:solidFill>
+                            <a:srgbClr val="000000"/>
+                          </a:solidFill>
+                          <a:effectLst/>
+                          <a:latin typeface="Arial" panose="020B0604020202020204" pitchFamily="34" charset="0"/>
+                          <a:ea typeface="Arial" panose="020B0604020202020204" pitchFamily="34" charset="0"/>
+                        </a:rPr>
+                        <a:t>-</a:t>
+                      </a:r>
                     </a:p>
                   </a:txBody>
                   <a:tcPr marL="68580" marR="68580" marT="0" marB="0"/>
@@ -15890,14 +16078,14 @@
           <p:nvPr>
             <p:extLst>
               <p:ext uri="{D42A27DB-BD31-4B8C-83A1-F6EECF244321}">
-                <p14:modId xmlns:p14="http://schemas.microsoft.com/office/powerpoint/2010/main" val="202781313"/>
+                <p14:modId xmlns:p14="http://schemas.microsoft.com/office/powerpoint/2010/main" val="3210727962"/>
               </p:ext>
             </p:extLst>
           </p:nvPr>
         </p:nvGraphicFramePr>
         <p:xfrm>
           <a:off x="1105003" y="2465421"/>
-          <a:ext cx="9981994" cy="3325778"/>
+          <a:ext cx="9981994" cy="2667208"/>
         </p:xfrm>
         <a:graphic>
           <a:graphicData uri="http://schemas.openxmlformats.org/drawingml/2006/table">
@@ -16119,14 +16307,17 @@
                           <a:tab pos="5626100" algn="l"/>
                         </a:tabLst>
                       </a:pPr>
-                      <a:endParaRPr lang="pt-BR" sz="1600" dirty="0">
-                        <a:solidFill>
-                          <a:srgbClr val="000000"/>
-                        </a:solidFill>
-                        <a:effectLst/>
-                        <a:latin typeface="Arial" panose="020B0604020202020204" pitchFamily="34" charset="0"/>
-                        <a:ea typeface="Arial" panose="020B0604020202020204" pitchFamily="34" charset="0"/>
-                      </a:endParaRPr>
+                      <a:r>
+                        <a:rPr lang="pt-BR" sz="1600" dirty="0">
+                          <a:solidFill>
+                            <a:srgbClr val="000000"/>
+                          </a:solidFill>
+                          <a:effectLst/>
+                          <a:latin typeface="Arial" panose="020B0604020202020204" pitchFamily="34" charset="0"/>
+                          <a:ea typeface="Arial" panose="020B0604020202020204" pitchFamily="34" charset="0"/>
+                        </a:rPr>
+                        <a:t>OK</a:t>
+                      </a:r>
                     </a:p>
                   </a:txBody>
                   <a:tcPr marL="68580" marR="68580" marT="0" marB="0"/>
@@ -16134,131 +16325,6 @@
                 <a:extLst>
                   <a:ext uri="{0D108BD9-81ED-4DB2-BD59-A6C34878D82A}">
                     <a16:rowId xmlns:a16="http://schemas.microsoft.com/office/drawing/2014/main" val="2807202696"/>
-                  </a:ext>
-                </a:extLst>
-              </a:tr>
-              <a:tr h="658570">
-                <a:tc>
-                  <a:txBody>
-                    <a:bodyPr/>
-                    <a:lstStyle/>
-                    <a:p>
-                      <a:pPr>
-                        <a:spcAft>
-                          <a:spcPts val="0"/>
-                        </a:spcAft>
-                        <a:tabLst>
-                          <a:tab pos="5626100" algn="l"/>
-                        </a:tabLst>
-                      </a:pPr>
-                      <a:r>
-                        <a:rPr lang="pt-BR" sz="1600">
-                          <a:effectLst/>
-                        </a:rPr>
-                        <a:t>RN0012</a:t>
-                      </a:r>
-                      <a:endParaRPr lang="pt-BR" sz="1600">
-                        <a:solidFill>
-                          <a:srgbClr val="000000"/>
-                        </a:solidFill>
-                        <a:effectLst/>
-                        <a:latin typeface="Arial" panose="020B0604020202020204" pitchFamily="34" charset="0"/>
-                        <a:ea typeface="Arial" panose="020B0604020202020204" pitchFamily="34" charset="0"/>
-                      </a:endParaRPr>
-                    </a:p>
-                  </a:txBody>
-                  <a:tcPr marL="68580" marR="68580" marT="0" marB="0"/>
-                </a:tc>
-                <a:tc>
-                  <a:txBody>
-                    <a:bodyPr/>
-                    <a:lstStyle/>
-                    <a:p>
-                      <a:pPr>
-                        <a:spcAft>
-                          <a:spcPts val="0"/>
-                        </a:spcAft>
-                        <a:tabLst>
-                          <a:tab pos="5626100" algn="l"/>
-                        </a:tabLst>
-                      </a:pPr>
-                      <a:r>
-                        <a:rPr lang="pt-BR" sz="1600">
-                          <a:effectLst/>
-                        </a:rPr>
-                        <a:t>Associação com categorias</a:t>
-                      </a:r>
-                      <a:endParaRPr lang="pt-BR" sz="1600">
-                        <a:solidFill>
-                          <a:srgbClr val="000000"/>
-                        </a:solidFill>
-                        <a:effectLst/>
-                        <a:latin typeface="Arial" panose="020B0604020202020204" pitchFamily="34" charset="0"/>
-                        <a:ea typeface="Arial" panose="020B0604020202020204" pitchFamily="34" charset="0"/>
-                      </a:endParaRPr>
-                    </a:p>
-                  </a:txBody>
-                  <a:tcPr marL="68580" marR="68580" marT="0" marB="0"/>
-                </a:tc>
-                <a:tc>
-                  <a:txBody>
-                    <a:bodyPr/>
-                    <a:lstStyle/>
-                    <a:p>
-                      <a:pPr>
-                        <a:spcAft>
-                          <a:spcPts val="0"/>
-                        </a:spcAft>
-                        <a:tabLst>
-                          <a:tab pos="5626100" algn="l"/>
-                        </a:tabLst>
-                      </a:pPr>
-                      <a:r>
-                        <a:rPr lang="pt-BR" sz="1600" dirty="0">
-                          <a:effectLst/>
-                        </a:rPr>
-                        <a:t>Uma bebida pode estar associada com mais de uma categoria.</a:t>
-                      </a:r>
-                      <a:endParaRPr lang="pt-BR" sz="1600" dirty="0">
-                        <a:solidFill>
-                          <a:srgbClr val="000000"/>
-                        </a:solidFill>
-                        <a:effectLst/>
-                        <a:latin typeface="Arial" panose="020B0604020202020204" pitchFamily="34" charset="0"/>
-                        <a:ea typeface="Arial" panose="020B0604020202020204" pitchFamily="34" charset="0"/>
-                      </a:endParaRPr>
-                    </a:p>
-                  </a:txBody>
-                  <a:tcPr marL="68580" marR="68580" marT="0" marB="0"/>
-                </a:tc>
-                <a:tc>
-                  <a:txBody>
-                    <a:bodyPr/>
-                    <a:lstStyle/>
-                    <a:p>
-                      <a:pPr>
-                        <a:spcAft>
-                          <a:spcPts val="0"/>
-                        </a:spcAft>
-                        <a:tabLst>
-                          <a:tab pos="5626100" algn="l"/>
-                        </a:tabLst>
-                      </a:pPr>
-                      <a:endParaRPr lang="pt-BR" sz="1600" dirty="0">
-                        <a:solidFill>
-                          <a:srgbClr val="000000"/>
-                        </a:solidFill>
-                        <a:effectLst/>
-                        <a:latin typeface="Arial" panose="020B0604020202020204" pitchFamily="34" charset="0"/>
-                        <a:ea typeface="Arial" panose="020B0604020202020204" pitchFamily="34" charset="0"/>
-                      </a:endParaRPr>
-                    </a:p>
-                  </a:txBody>
-                  <a:tcPr marL="68580" marR="68580" marT="0" marB="0"/>
-                </a:tc>
-                <a:extLst>
-                  <a:ext uri="{0D108BD9-81ED-4DB2-BD59-A6C34878D82A}">
-                    <a16:rowId xmlns:a16="http://schemas.microsoft.com/office/drawing/2014/main" val="2868913981"/>
                   </a:ext>
                 </a:extLst>
               </a:tr>

--- a/DrinkIt.WebApp/Artifacts/Documentação do projeto.pptx
+++ b/DrinkIt.WebApp/Artifacts/Documentação do projeto.pptx
@@ -266,7 +266,7 @@
           <a:p>
             <a:fld id="{E8193099-BB5D-41E9-8525-DEB4B6EB05C6}" type="datetimeFigureOut">
               <a:rPr lang="pt-BR" smtClean="0"/>
-              <a:t>14/10/2019</a:t>
+              <a:t>17/11/2019</a:t>
             </a:fld>
             <a:endParaRPr lang="pt-BR"/>
           </a:p>
@@ -477,7 +477,7 @@
           <a:p>
             <a:fld id="{E8193099-BB5D-41E9-8525-DEB4B6EB05C6}" type="datetimeFigureOut">
               <a:rPr lang="pt-BR" smtClean="0"/>
-              <a:t>14/10/2019</a:t>
+              <a:t>17/11/2019</a:t>
             </a:fld>
             <a:endParaRPr lang="pt-BR"/>
           </a:p>
@@ -692,7 +692,7 @@
           <a:p>
             <a:fld id="{E8193099-BB5D-41E9-8525-DEB4B6EB05C6}" type="datetimeFigureOut">
               <a:rPr lang="pt-BR" smtClean="0"/>
-              <a:t>14/10/2019</a:t>
+              <a:t>17/11/2019</a:t>
             </a:fld>
             <a:endParaRPr lang="pt-BR"/>
           </a:p>
@@ -893,7 +893,7 @@
           <a:p>
             <a:fld id="{E8193099-BB5D-41E9-8525-DEB4B6EB05C6}" type="datetimeFigureOut">
               <a:rPr lang="pt-BR" smtClean="0"/>
-              <a:t>14/10/2019</a:t>
+              <a:t>17/11/2019</a:t>
             </a:fld>
             <a:endParaRPr lang="pt-BR"/>
           </a:p>
@@ -1172,7 +1172,7 @@
           <a:p>
             <a:fld id="{E8193099-BB5D-41E9-8525-DEB4B6EB05C6}" type="datetimeFigureOut">
               <a:rPr lang="pt-BR" smtClean="0"/>
-              <a:t>14/10/2019</a:t>
+              <a:t>17/11/2019</a:t>
             </a:fld>
             <a:endParaRPr lang="pt-BR"/>
           </a:p>
@@ -1440,7 +1440,7 @@
           <a:p>
             <a:fld id="{E8193099-BB5D-41E9-8525-DEB4B6EB05C6}" type="datetimeFigureOut">
               <a:rPr lang="pt-BR" smtClean="0"/>
-              <a:t>14/10/2019</a:t>
+              <a:t>17/11/2019</a:t>
             </a:fld>
             <a:endParaRPr lang="pt-BR"/>
           </a:p>
@@ -1856,7 +1856,7 @@
           <a:p>
             <a:fld id="{E8193099-BB5D-41E9-8525-DEB4B6EB05C6}" type="datetimeFigureOut">
               <a:rPr lang="pt-BR" smtClean="0"/>
-              <a:t>14/10/2019</a:t>
+              <a:t>17/11/2019</a:t>
             </a:fld>
             <a:endParaRPr lang="pt-BR"/>
           </a:p>
@@ -2005,7 +2005,7 @@
           <a:p>
             <a:fld id="{E8193099-BB5D-41E9-8525-DEB4B6EB05C6}" type="datetimeFigureOut">
               <a:rPr lang="pt-BR" smtClean="0"/>
-              <a:t>14/10/2019</a:t>
+              <a:t>17/11/2019</a:t>
             </a:fld>
             <a:endParaRPr lang="pt-BR"/>
           </a:p>
@@ -2131,7 +2131,7 @@
           <a:p>
             <a:fld id="{E8193099-BB5D-41E9-8525-DEB4B6EB05C6}" type="datetimeFigureOut">
               <a:rPr lang="pt-BR" smtClean="0"/>
-              <a:t>14/10/2019</a:t>
+              <a:t>17/11/2019</a:t>
             </a:fld>
             <a:endParaRPr lang="pt-BR"/>
           </a:p>
@@ -2382,7 +2382,7 @@
           <a:p>
             <a:fld id="{E8193099-BB5D-41E9-8525-DEB4B6EB05C6}" type="datetimeFigureOut">
               <a:rPr lang="pt-BR" smtClean="0"/>
-              <a:t>14/10/2019</a:t>
+              <a:t>17/11/2019</a:t>
             </a:fld>
             <a:endParaRPr lang="pt-BR"/>
           </a:p>
@@ -2827,7 +2827,7 @@
           <a:p>
             <a:fld id="{E8193099-BB5D-41E9-8525-DEB4B6EB05C6}" type="datetimeFigureOut">
               <a:rPr lang="pt-BR" smtClean="0"/>
-              <a:t>14/10/2019</a:t>
+              <a:t>17/11/2019</a:t>
             </a:fld>
             <a:endParaRPr lang="pt-BR"/>
           </a:p>
@@ -3154,7 +3154,7 @@
           <a:p>
             <a:fld id="{E8193099-BB5D-41E9-8525-DEB4B6EB05C6}" type="datetimeFigureOut">
               <a:rPr lang="pt-BR" smtClean="0"/>
-              <a:t>14/10/2019</a:t>
+              <a:t>17/11/2019</a:t>
             </a:fld>
             <a:endParaRPr lang="pt-BR"/>
           </a:p>
@@ -3749,7 +3749,7 @@
           <p:nvPr>
             <p:extLst>
               <p:ext uri="{D42A27DB-BD31-4B8C-83A1-F6EECF244321}">
-                <p14:modId xmlns:p14="http://schemas.microsoft.com/office/powerpoint/2010/main" val="3226753738"/>
+                <p14:modId xmlns:p14="http://schemas.microsoft.com/office/powerpoint/2010/main" val="3339205168"/>
               </p:ext>
             </p:extLst>
           </p:nvPr>
@@ -4422,7 +4422,7 @@
                           <a:latin typeface="Arial" panose="020B0604020202020204" pitchFamily="34" charset="0"/>
                           <a:ea typeface="Arial" panose="020B0604020202020204" pitchFamily="34" charset="0"/>
                         </a:rPr>
-                        <a:t>-</a:t>
+                        <a:t>OK</a:t>
                       </a:r>
                     </a:p>
                   </a:txBody>
@@ -5211,7 +5211,7 @@
           <p:nvPr>
             <p:extLst>
               <p:ext uri="{D42A27DB-BD31-4B8C-83A1-F6EECF244321}">
-                <p14:modId xmlns:p14="http://schemas.microsoft.com/office/powerpoint/2010/main" val="2070645718"/>
+                <p14:modId xmlns:p14="http://schemas.microsoft.com/office/powerpoint/2010/main" val="1727366149"/>
               </p:ext>
             </p:extLst>
           </p:nvPr>
@@ -5622,7 +5622,7 @@
                           <a:latin typeface="Arial" panose="020B0604020202020204" pitchFamily="34" charset="0"/>
                           <a:ea typeface="Arial" panose="020B0604020202020204" pitchFamily="34" charset="0"/>
                         </a:rPr>
-                        <a:t>-</a:t>
+                        <a:t>OK</a:t>
                       </a:r>
                     </a:p>
                   </a:txBody>
@@ -5750,7 +5750,7 @@
                           <a:latin typeface="Arial" panose="020B0604020202020204" pitchFamily="34" charset="0"/>
                           <a:ea typeface="Arial" panose="020B0604020202020204" pitchFamily="34" charset="0"/>
                         </a:rPr>
-                        <a:t>-</a:t>
+                        <a:t>OK</a:t>
                       </a:r>
                     </a:p>
                   </a:txBody>
@@ -5811,7 +5811,7 @@
           <p:nvPr>
             <p:extLst>
               <p:ext uri="{D42A27DB-BD31-4B8C-83A1-F6EECF244321}">
-                <p14:modId xmlns:p14="http://schemas.microsoft.com/office/powerpoint/2010/main" val="4133942366"/>
+                <p14:modId xmlns:p14="http://schemas.microsoft.com/office/powerpoint/2010/main" val="3264958607"/>
               </p:ext>
             </p:extLst>
           </p:nvPr>
@@ -6055,7 +6055,7 @@
                           <a:latin typeface="Arial" panose="020B0604020202020204" pitchFamily="34" charset="0"/>
                           <a:ea typeface="Arial" panose="020B0604020202020204" pitchFamily="34" charset="0"/>
                         </a:rPr>
-                        <a:t>-</a:t>
+                        <a:t>OK</a:t>
                       </a:r>
                     </a:p>
                   </a:txBody>
@@ -6439,7 +6439,7 @@
                           <a:latin typeface="Arial" panose="020B0604020202020204" pitchFamily="34" charset="0"/>
                           <a:ea typeface="Arial" panose="020B0604020202020204" pitchFamily="34" charset="0"/>
                         </a:rPr>
-                        <a:t>?</a:t>
+                        <a:t>OK</a:t>
                       </a:r>
                     </a:p>
                   </a:txBody>
@@ -6615,7 +6615,7 @@
                           <a:latin typeface="Arial" panose="020B0604020202020204" pitchFamily="34" charset="0"/>
                           <a:ea typeface="Arial" panose="020B0604020202020204" pitchFamily="34" charset="0"/>
                         </a:rPr>
-                        <a:t>?</a:t>
+                        <a:t>OK</a:t>
                       </a:r>
                     </a:p>
                   </a:txBody>
@@ -6676,7 +6676,7 @@
           <p:nvPr>
             <p:extLst>
               <p:ext uri="{D42A27DB-BD31-4B8C-83A1-F6EECF244321}">
-                <p14:modId xmlns:p14="http://schemas.microsoft.com/office/powerpoint/2010/main" val="435360344"/>
+                <p14:modId xmlns:p14="http://schemas.microsoft.com/office/powerpoint/2010/main" val="3919085151"/>
               </p:ext>
             </p:extLst>
           </p:nvPr>
@@ -6767,12 +6767,12 @@
                         </a:tabLst>
                       </a:pPr>
                       <a:r>
-                        <a:rPr lang="pt-BR" sz="1600">
-                          <a:effectLst/>
-                        </a:rPr>
-                        <a:t>Gerar cupom de troca</a:t>
-                      </a:r>
-                      <a:endParaRPr lang="pt-BR" sz="1600">
+                        <a:rPr lang="pt-BR" sz="1600" dirty="0">
+                          <a:effectLst/>
+                        </a:rPr>
+                        <a:t>Gerar cupom de troco</a:t>
+                      </a:r>
+                      <a:endParaRPr lang="pt-BR" sz="1600" dirty="0">
                         <a:solidFill>
                           <a:srgbClr val="000000"/>
                         </a:solidFill>
@@ -6861,7 +6861,7 @@
                           <a:latin typeface="Arial" panose="020B0604020202020204" pitchFamily="34" charset="0"/>
                           <a:ea typeface="Arial" panose="020B0604020202020204" pitchFamily="34" charset="0"/>
                         </a:rPr>
-                        <a:t>-</a:t>
+                        <a:t>OK</a:t>
                       </a:r>
                     </a:p>
                   </a:txBody>
@@ -6919,12 +6919,12 @@
                         </a:tabLst>
                       </a:pPr>
                       <a:r>
-                        <a:rPr lang="pt-BR" sz="1600">
+                        <a:rPr lang="pt-BR" sz="1600" dirty="0">
                           <a:effectLst/>
                         </a:rPr>
                         <a:t>Validar Forma de Pagamento para finalização de compra</a:t>
                       </a:r>
-                      <a:endParaRPr lang="pt-BR" sz="1600">
+                      <a:endParaRPr lang="pt-BR" sz="1600" dirty="0">
                         <a:solidFill>
                           <a:srgbClr val="000000"/>
                         </a:solidFill>
@@ -7141,7 +7141,7 @@
                           <a:latin typeface="Arial" panose="020B0604020202020204" pitchFamily="34" charset="0"/>
                           <a:ea typeface="Arial" panose="020B0604020202020204" pitchFamily="34" charset="0"/>
                         </a:rPr>
-                        <a:t>-</a:t>
+                        <a:t>OK</a:t>
                       </a:r>
                     </a:p>
                   </a:txBody>
@@ -7330,7 +7330,7 @@
           <p:nvPr>
             <p:extLst>
               <p:ext uri="{D42A27DB-BD31-4B8C-83A1-F6EECF244321}">
-                <p14:modId xmlns:p14="http://schemas.microsoft.com/office/powerpoint/2010/main" val="1206929067"/>
+                <p14:modId xmlns:p14="http://schemas.microsoft.com/office/powerpoint/2010/main" val="3174462291"/>
               </p:ext>
             </p:extLst>
           </p:nvPr>
@@ -7491,7 +7491,7 @@
                           <a:latin typeface="Arial" panose="020B0604020202020204" pitchFamily="34" charset="0"/>
                           <a:ea typeface="Arial" panose="020B0604020202020204" pitchFamily="34" charset="0"/>
                         </a:rPr>
-                        <a:t>-</a:t>
+                        <a:t>OK</a:t>
                       </a:r>
                     </a:p>
                   </a:txBody>
@@ -7667,7 +7667,7 @@
                           <a:latin typeface="Arial" panose="020B0604020202020204" pitchFamily="34" charset="0"/>
                           <a:ea typeface="Arial" panose="020B0604020202020204" pitchFamily="34" charset="0"/>
                         </a:rPr>
-                        <a:t>-</a:t>
+                        <a:t>OK</a:t>
                       </a:r>
                     </a:p>
                   </a:txBody>
@@ -7795,7 +7795,7 @@
                           <a:latin typeface="Arial" panose="020B0604020202020204" pitchFamily="34" charset="0"/>
                           <a:ea typeface="Arial" panose="020B0604020202020204" pitchFamily="34" charset="0"/>
                         </a:rPr>
-                        <a:t>-</a:t>
+                        <a:t>OK</a:t>
                       </a:r>
                     </a:p>
                   </a:txBody>
@@ -8012,12 +8012,12 @@
                         </a:tabLst>
                       </a:pPr>
                       <a:r>
-                        <a:rPr lang="pt-BR" sz="1600">
+                        <a:rPr lang="pt-BR" sz="1600" dirty="0">
                           <a:effectLst/>
                         </a:rPr>
                         <a:t>Ao adicionar o item no carrinho, este deverá ser temporiamente bloqueado para que novas compras não sejam solicitadas. Tal bloqueio só deve ser retirado no caso da compra que gerou tal status não ser efetivada ou aprovada em um prazo parametrizado, o prazo deve levar em consideração o momento do bloqueio. Obs.: O prazo parametrizado deve ser relativo ao último item incluído no carrinho.</a:t>
                       </a:r>
-                      <a:endParaRPr lang="pt-BR" sz="1600">
+                      <a:endParaRPr lang="pt-BR" sz="1600" dirty="0">
                         <a:solidFill>
                           <a:srgbClr val="000000"/>
                         </a:solidFill>
@@ -8368,7 +8368,7 @@
           <p:nvPr>
             <p:extLst>
               <p:ext uri="{D42A27DB-BD31-4B8C-83A1-F6EECF244321}">
-                <p14:modId xmlns:p14="http://schemas.microsoft.com/office/powerpoint/2010/main" val="775277783"/>
+                <p14:modId xmlns:p14="http://schemas.microsoft.com/office/powerpoint/2010/main" val="1746286965"/>
               </p:ext>
             </p:extLst>
           </p:nvPr>
@@ -8615,7 +8615,7 @@
                           <a:latin typeface="Arial" panose="020B0604020202020204" pitchFamily="34" charset="0"/>
                           <a:ea typeface="Arial" panose="020B0604020202020204" pitchFamily="34" charset="0"/>
                         </a:rPr>
-                        <a:t>-</a:t>
+                        <a:t>OK</a:t>
                       </a:r>
                     </a:p>
                   </a:txBody>
@@ -9143,7 +9143,7 @@
                           <a:latin typeface="Arial" panose="020B0604020202020204" pitchFamily="34" charset="0"/>
                           <a:ea typeface="Arial" panose="020B0604020202020204" pitchFamily="34" charset="0"/>
                         </a:rPr>
-                        <a:t>-</a:t>
+                        <a:t>OK</a:t>
                       </a:r>
                     </a:p>
                   </a:txBody>
@@ -9233,7 +9233,7 @@
             <p:ph idx="1"/>
             <p:extLst>
               <p:ext uri="{D42A27DB-BD31-4B8C-83A1-F6EECF244321}">
-                <p14:modId xmlns:p14="http://schemas.microsoft.com/office/powerpoint/2010/main" val="1644536787"/>
+                <p14:modId xmlns:p14="http://schemas.microsoft.com/office/powerpoint/2010/main" val="2194730155"/>
               </p:ext>
             </p:extLst>
           </p:nvPr>
@@ -9727,7 +9727,7 @@
                           <a:latin typeface="Arial" panose="020B0604020202020204" pitchFamily="34" charset="0"/>
                           <a:ea typeface="Arial" panose="020B0604020202020204" pitchFamily="34" charset="0"/>
                         </a:rPr>
-                        <a:t>-</a:t>
+                        <a:t>OK</a:t>
                       </a:r>
                     </a:p>
                   </a:txBody>
@@ -11494,12 +11494,12 @@
                         </a:spcAft>
                       </a:pPr>
                       <a:r>
-                        <a:rPr lang="pt-BR" sz="1600">
+                        <a:rPr lang="pt-BR" sz="1600" dirty="0">
                           <a:effectLst/>
                         </a:rPr>
                         <a:t>Gerenciar carrinho de compra</a:t>
                       </a:r>
-                      <a:endParaRPr lang="pt-BR" sz="1600">
+                      <a:endParaRPr lang="pt-BR" sz="1600" dirty="0">
                         <a:solidFill>
                           <a:srgbClr val="000000"/>
                         </a:solidFill>
@@ -12315,7 +12315,7 @@
           <p:nvPr>
             <p:extLst>
               <p:ext uri="{D42A27DB-BD31-4B8C-83A1-F6EECF244321}">
-                <p14:modId xmlns:p14="http://schemas.microsoft.com/office/powerpoint/2010/main" val="815709505"/>
+                <p14:modId xmlns:p14="http://schemas.microsoft.com/office/powerpoint/2010/main" val="2102393649"/>
               </p:ext>
             </p:extLst>
           </p:nvPr>
@@ -12470,7 +12470,7 @@
                           <a:latin typeface="Arial" panose="020B0604020202020204" pitchFamily="34" charset="0"/>
                           <a:ea typeface="Arial" panose="020B0604020202020204" pitchFamily="34" charset="0"/>
                         </a:rPr>
-                        <a:t>-</a:t>
+                        <a:t>OK</a:t>
                       </a:r>
                     </a:p>
                   </a:txBody>
@@ -12714,7 +12714,7 @@
                           <a:latin typeface="Arial" panose="020B0604020202020204" pitchFamily="34" charset="0"/>
                           <a:ea typeface="Arial" panose="020B0604020202020204" pitchFamily="34" charset="0"/>
                         </a:rPr>
-                        <a:t>-</a:t>
+                        <a:t>OK</a:t>
                       </a:r>
                     </a:p>
                   </a:txBody>
@@ -12958,7 +12958,7 @@
                           <a:latin typeface="Arial" panose="020B0604020202020204" pitchFamily="34" charset="0"/>
                           <a:ea typeface="Arial" panose="020B0604020202020204" pitchFamily="34" charset="0"/>
                         </a:rPr>
-                        <a:t>-</a:t>
+                        <a:t>OK</a:t>
                       </a:r>
                     </a:p>
                   </a:txBody>
@@ -13080,8 +13080,26 @@
                           <a:latin typeface="Arial" panose="020B0604020202020204" pitchFamily="34" charset="0"/>
                           <a:ea typeface="Arial" panose="020B0604020202020204" pitchFamily="34" charset="0"/>
                         </a:rPr>
-                        <a:t>-</a:t>
-                      </a:r>
+                        <a:t>OK</a:t>
+                      </a:r>
+                    </a:p>
+                    <a:p>
+                      <a:pPr>
+                        <a:spcAft>
+                          <a:spcPts val="0"/>
+                        </a:spcAft>
+                        <a:tabLst>
+                          <a:tab pos="5626100" algn="l"/>
+                        </a:tabLst>
+                      </a:pPr>
+                      <a:endParaRPr lang="pt-BR" sz="1600" dirty="0">
+                        <a:solidFill>
+                          <a:srgbClr val="000000"/>
+                        </a:solidFill>
+                        <a:effectLst/>
+                        <a:latin typeface="Arial" panose="020B0604020202020204" pitchFamily="34" charset="0"/>
+                        <a:ea typeface="Arial" panose="020B0604020202020204" pitchFamily="34" charset="0"/>
+                      </a:endParaRPr>
                     </a:p>
                   </a:txBody>
                   <a:tcPr marL="45657" marR="45657" marT="0" marB="0"/>
@@ -13250,7 +13268,7 @@
                           <a:latin typeface="Arial" panose="020B0604020202020204" pitchFamily="34" charset="0"/>
                           <a:ea typeface="Arial" panose="020B0604020202020204" pitchFamily="34" charset="0"/>
                         </a:rPr>
-                        <a:t>-</a:t>
+                        <a:t>OK</a:t>
                       </a:r>
                     </a:p>
                   </a:txBody>
@@ -14971,7 +14989,7 @@
           <p:nvPr>
             <p:extLst>
               <p:ext uri="{D42A27DB-BD31-4B8C-83A1-F6EECF244321}">
-                <p14:modId xmlns:p14="http://schemas.microsoft.com/office/powerpoint/2010/main" val="2707592564"/>
+                <p14:modId xmlns:p14="http://schemas.microsoft.com/office/powerpoint/2010/main" val="671300524"/>
               </p:ext>
             </p:extLst>
           </p:nvPr>
@@ -15203,7 +15221,7 @@
                           <a:latin typeface="Arial" panose="020B0604020202020204" pitchFamily="34" charset="0"/>
                           <a:ea typeface="Arial" panose="020B0604020202020204" pitchFamily="34" charset="0"/>
                         </a:rPr>
-                        <a:t>-</a:t>
+                        <a:t>OK</a:t>
                       </a:r>
                     </a:p>
                   </a:txBody>
